--- a/bitmasks subsets and permutations/Bitmasks.pptx
+++ b/bitmasks subsets and permutations/Bitmasks.pptx
@@ -5,30 +5,18 @@
     <p:sldMasterId id="2147483648" r:id="rId1"/>
   </p:sldMasterIdLst>
   <p:notesMasterIdLst>
-    <p:notesMasterId r:id="rId23"/>
+    <p:notesMasterId r:id="rId11"/>
   </p:notesMasterIdLst>
   <p:sldIdLst>
     <p:sldId id="258" r:id="rId2"/>
     <p:sldId id="277" r:id="rId3"/>
     <p:sldId id="326" r:id="rId4"/>
     <p:sldId id="325" r:id="rId5"/>
-    <p:sldId id="308" r:id="rId6"/>
-    <p:sldId id="309" r:id="rId7"/>
-    <p:sldId id="310" r:id="rId8"/>
-    <p:sldId id="311" r:id="rId9"/>
-    <p:sldId id="312" r:id="rId10"/>
-    <p:sldId id="313" r:id="rId11"/>
-    <p:sldId id="314" r:id="rId12"/>
-    <p:sldId id="315" r:id="rId13"/>
-    <p:sldId id="316" r:id="rId14"/>
-    <p:sldId id="317" r:id="rId15"/>
-    <p:sldId id="318" r:id="rId16"/>
-    <p:sldId id="320" r:id="rId17"/>
-    <p:sldId id="321" r:id="rId18"/>
-    <p:sldId id="322" r:id="rId19"/>
-    <p:sldId id="323" r:id="rId20"/>
-    <p:sldId id="324" r:id="rId21"/>
-    <p:sldId id="291" r:id="rId22"/>
+    <p:sldId id="327" r:id="rId6"/>
+    <p:sldId id="308" r:id="rId7"/>
+    <p:sldId id="329" r:id="rId8"/>
+    <p:sldId id="328" r:id="rId9"/>
+    <p:sldId id="291" r:id="rId10"/>
   </p:sldIdLst>
   <p:sldSz cx="9144000" cy="6858000" type="screen4x3"/>
   <p:notesSz cx="6858000" cy="9144000"/>
@@ -136,22 +124,10 @@
             <p14:sldId id="277"/>
             <p14:sldId id="326"/>
             <p14:sldId id="325"/>
+            <p14:sldId id="327"/>
             <p14:sldId id="308"/>
-            <p14:sldId id="309"/>
-            <p14:sldId id="310"/>
-            <p14:sldId id="311"/>
-            <p14:sldId id="312"/>
-            <p14:sldId id="313"/>
-            <p14:sldId id="314"/>
-            <p14:sldId id="315"/>
-            <p14:sldId id="316"/>
-            <p14:sldId id="317"/>
-            <p14:sldId id="318"/>
-            <p14:sldId id="320"/>
-            <p14:sldId id="321"/>
-            <p14:sldId id="322"/>
-            <p14:sldId id="323"/>
-            <p14:sldId id="324"/>
+            <p14:sldId id="329"/>
+            <p14:sldId id="328"/>
           </p14:sldIdLst>
         </p14:section>
         <p14:section name="Sección sin título" id="{636F59BE-EF12-40DC-8BF3-0D895D6E77E4}">
@@ -262,7 +238,7 @@
             <a:fld id="{F4FAB538-628E-104D-8583-83FBDA663EAD}" type="datetimeFigureOut">
               <a:rPr lang="en-US" smtClean="0"/>
               <a:pPr/>
-              <a:t>9/9/2020</a:t>
+              <a:t>9/16/2020</a:t>
             </a:fld>
             <a:endParaRPr lang="en-US" dirty="0"/>
           </a:p>
@@ -616,856 +592,6 @@
 </p:notes>
 </file>
 
-<file path=ppt/notesSlides/notesSlide10.xml><?xml version="1.0" encoding="utf-8"?>
-<p:notes xmlns:a="http://schemas.openxmlformats.org/drawingml/2006/main" xmlns:r="http://schemas.openxmlformats.org/officeDocument/2006/relationships" xmlns:p="http://schemas.openxmlformats.org/presentationml/2006/main">
-  <p:cSld>
-    <p:spTree>
-      <p:nvGrpSpPr>
-        <p:cNvPr id="1" name=""/>
-        <p:cNvGrpSpPr/>
-        <p:nvPr/>
-      </p:nvGrpSpPr>
-      <p:grpSpPr>
-        <a:xfrm>
-          <a:off x="0" y="0"/>
-          <a:ext cx="0" cy="0"/>
-          <a:chOff x="0" y="0"/>
-          <a:chExt cx="0" cy="0"/>
-        </a:xfrm>
-      </p:grpSpPr>
-      <p:sp>
-        <p:nvSpPr>
-          <p:cNvPr id="2" name="Slide Image Placeholder 1"/>
-          <p:cNvSpPr>
-            <a:spLocks noGrp="1" noRot="1" noChangeAspect="1"/>
-          </p:cNvSpPr>
-          <p:nvPr>
-            <p:ph type="sldImg"/>
-          </p:nvPr>
-        </p:nvSpPr>
-        <p:spPr/>
-      </p:sp>
-      <p:sp>
-        <p:nvSpPr>
-          <p:cNvPr id="3" name="Notes Placeholder 2"/>
-          <p:cNvSpPr>
-            <a:spLocks noGrp="1"/>
-          </p:cNvSpPr>
-          <p:nvPr>
-            <p:ph type="body" idx="1"/>
-          </p:nvPr>
-        </p:nvSpPr>
-        <p:spPr/>
-        <p:txBody>
-          <a:bodyPr/>
-          <a:lstStyle/>
-          <a:p>
-            <a:endParaRPr lang="en-US" dirty="0"/>
-          </a:p>
-        </p:txBody>
-      </p:sp>
-      <p:sp>
-        <p:nvSpPr>
-          <p:cNvPr id="4" name="Slide Number Placeholder 3"/>
-          <p:cNvSpPr>
-            <a:spLocks noGrp="1"/>
-          </p:cNvSpPr>
-          <p:nvPr>
-            <p:ph type="sldNum" sz="quarter" idx="10"/>
-          </p:nvPr>
-        </p:nvSpPr>
-        <p:spPr/>
-        <p:txBody>
-          <a:bodyPr/>
-          <a:lstStyle/>
-          <a:p>
-            <a:fld id="{39923DF9-DA97-0C44-B7A0-AB7B1AA67FC3}" type="slidenum">
-              <a:rPr lang="en-US" smtClean="0"/>
-              <a:pPr/>
-              <a:t>10</a:t>
-            </a:fld>
-            <a:endParaRPr lang="en-US" dirty="0"/>
-          </a:p>
-        </p:txBody>
-      </p:sp>
-    </p:spTree>
-    <p:extLst>
-      <p:ext uri="{BB962C8B-B14F-4D97-AF65-F5344CB8AC3E}">
-        <p14:creationId xmlns:p14="http://schemas.microsoft.com/office/powerpoint/2010/main" val="369881321"/>
-      </p:ext>
-    </p:extLst>
-  </p:cSld>
-  <p:clrMapOvr>
-    <a:masterClrMapping/>
-  </p:clrMapOvr>
-</p:notes>
-</file>
-
-<file path=ppt/notesSlides/notesSlide11.xml><?xml version="1.0" encoding="utf-8"?>
-<p:notes xmlns:a="http://schemas.openxmlformats.org/drawingml/2006/main" xmlns:r="http://schemas.openxmlformats.org/officeDocument/2006/relationships" xmlns:p="http://schemas.openxmlformats.org/presentationml/2006/main">
-  <p:cSld>
-    <p:spTree>
-      <p:nvGrpSpPr>
-        <p:cNvPr id="1" name=""/>
-        <p:cNvGrpSpPr/>
-        <p:nvPr/>
-      </p:nvGrpSpPr>
-      <p:grpSpPr>
-        <a:xfrm>
-          <a:off x="0" y="0"/>
-          <a:ext cx="0" cy="0"/>
-          <a:chOff x="0" y="0"/>
-          <a:chExt cx="0" cy="0"/>
-        </a:xfrm>
-      </p:grpSpPr>
-      <p:sp>
-        <p:nvSpPr>
-          <p:cNvPr id="2" name="Slide Image Placeholder 1"/>
-          <p:cNvSpPr>
-            <a:spLocks noGrp="1" noRot="1" noChangeAspect="1"/>
-          </p:cNvSpPr>
-          <p:nvPr>
-            <p:ph type="sldImg"/>
-          </p:nvPr>
-        </p:nvSpPr>
-        <p:spPr/>
-      </p:sp>
-      <p:sp>
-        <p:nvSpPr>
-          <p:cNvPr id="3" name="Notes Placeholder 2"/>
-          <p:cNvSpPr>
-            <a:spLocks noGrp="1"/>
-          </p:cNvSpPr>
-          <p:nvPr>
-            <p:ph type="body" idx="1"/>
-          </p:nvPr>
-        </p:nvSpPr>
-        <p:spPr/>
-        <p:txBody>
-          <a:bodyPr/>
-          <a:lstStyle/>
-          <a:p>
-            <a:endParaRPr lang="en-US" dirty="0"/>
-          </a:p>
-        </p:txBody>
-      </p:sp>
-      <p:sp>
-        <p:nvSpPr>
-          <p:cNvPr id="4" name="Slide Number Placeholder 3"/>
-          <p:cNvSpPr>
-            <a:spLocks noGrp="1"/>
-          </p:cNvSpPr>
-          <p:nvPr>
-            <p:ph type="sldNum" sz="quarter" idx="10"/>
-          </p:nvPr>
-        </p:nvSpPr>
-        <p:spPr/>
-        <p:txBody>
-          <a:bodyPr/>
-          <a:lstStyle/>
-          <a:p>
-            <a:fld id="{39923DF9-DA97-0C44-B7A0-AB7B1AA67FC3}" type="slidenum">
-              <a:rPr lang="en-US" smtClean="0"/>
-              <a:pPr/>
-              <a:t>11</a:t>
-            </a:fld>
-            <a:endParaRPr lang="en-US" dirty="0"/>
-          </a:p>
-        </p:txBody>
-      </p:sp>
-    </p:spTree>
-    <p:extLst>
-      <p:ext uri="{BB962C8B-B14F-4D97-AF65-F5344CB8AC3E}">
-        <p14:creationId xmlns:p14="http://schemas.microsoft.com/office/powerpoint/2010/main" val="575126096"/>
-      </p:ext>
-    </p:extLst>
-  </p:cSld>
-  <p:clrMapOvr>
-    <a:masterClrMapping/>
-  </p:clrMapOvr>
-</p:notes>
-</file>
-
-<file path=ppt/notesSlides/notesSlide12.xml><?xml version="1.0" encoding="utf-8"?>
-<p:notes xmlns:a="http://schemas.openxmlformats.org/drawingml/2006/main" xmlns:r="http://schemas.openxmlformats.org/officeDocument/2006/relationships" xmlns:p="http://schemas.openxmlformats.org/presentationml/2006/main">
-  <p:cSld>
-    <p:spTree>
-      <p:nvGrpSpPr>
-        <p:cNvPr id="1" name=""/>
-        <p:cNvGrpSpPr/>
-        <p:nvPr/>
-      </p:nvGrpSpPr>
-      <p:grpSpPr>
-        <a:xfrm>
-          <a:off x="0" y="0"/>
-          <a:ext cx="0" cy="0"/>
-          <a:chOff x="0" y="0"/>
-          <a:chExt cx="0" cy="0"/>
-        </a:xfrm>
-      </p:grpSpPr>
-      <p:sp>
-        <p:nvSpPr>
-          <p:cNvPr id="2" name="Slide Image Placeholder 1"/>
-          <p:cNvSpPr>
-            <a:spLocks noGrp="1" noRot="1" noChangeAspect="1"/>
-          </p:cNvSpPr>
-          <p:nvPr>
-            <p:ph type="sldImg"/>
-          </p:nvPr>
-        </p:nvSpPr>
-        <p:spPr/>
-      </p:sp>
-      <p:sp>
-        <p:nvSpPr>
-          <p:cNvPr id="3" name="Notes Placeholder 2"/>
-          <p:cNvSpPr>
-            <a:spLocks noGrp="1"/>
-          </p:cNvSpPr>
-          <p:nvPr>
-            <p:ph type="body" idx="1"/>
-          </p:nvPr>
-        </p:nvSpPr>
-        <p:spPr/>
-        <p:txBody>
-          <a:bodyPr/>
-          <a:lstStyle/>
-          <a:p>
-            <a:endParaRPr lang="en-US" dirty="0"/>
-          </a:p>
-        </p:txBody>
-      </p:sp>
-      <p:sp>
-        <p:nvSpPr>
-          <p:cNvPr id="4" name="Slide Number Placeholder 3"/>
-          <p:cNvSpPr>
-            <a:spLocks noGrp="1"/>
-          </p:cNvSpPr>
-          <p:nvPr>
-            <p:ph type="sldNum" sz="quarter" idx="10"/>
-          </p:nvPr>
-        </p:nvSpPr>
-        <p:spPr/>
-        <p:txBody>
-          <a:bodyPr/>
-          <a:lstStyle/>
-          <a:p>
-            <a:fld id="{39923DF9-DA97-0C44-B7A0-AB7B1AA67FC3}" type="slidenum">
-              <a:rPr lang="en-US" smtClean="0"/>
-              <a:pPr/>
-              <a:t>12</a:t>
-            </a:fld>
-            <a:endParaRPr lang="en-US" dirty="0"/>
-          </a:p>
-        </p:txBody>
-      </p:sp>
-    </p:spTree>
-    <p:extLst>
-      <p:ext uri="{BB962C8B-B14F-4D97-AF65-F5344CB8AC3E}">
-        <p14:creationId xmlns:p14="http://schemas.microsoft.com/office/powerpoint/2010/main" val="106309472"/>
-      </p:ext>
-    </p:extLst>
-  </p:cSld>
-  <p:clrMapOvr>
-    <a:masterClrMapping/>
-  </p:clrMapOvr>
-</p:notes>
-</file>
-
-<file path=ppt/notesSlides/notesSlide13.xml><?xml version="1.0" encoding="utf-8"?>
-<p:notes xmlns:a="http://schemas.openxmlformats.org/drawingml/2006/main" xmlns:r="http://schemas.openxmlformats.org/officeDocument/2006/relationships" xmlns:p="http://schemas.openxmlformats.org/presentationml/2006/main">
-  <p:cSld>
-    <p:spTree>
-      <p:nvGrpSpPr>
-        <p:cNvPr id="1" name=""/>
-        <p:cNvGrpSpPr/>
-        <p:nvPr/>
-      </p:nvGrpSpPr>
-      <p:grpSpPr>
-        <a:xfrm>
-          <a:off x="0" y="0"/>
-          <a:ext cx="0" cy="0"/>
-          <a:chOff x="0" y="0"/>
-          <a:chExt cx="0" cy="0"/>
-        </a:xfrm>
-      </p:grpSpPr>
-      <p:sp>
-        <p:nvSpPr>
-          <p:cNvPr id="2" name="Slide Image Placeholder 1"/>
-          <p:cNvSpPr>
-            <a:spLocks noGrp="1" noRot="1" noChangeAspect="1"/>
-          </p:cNvSpPr>
-          <p:nvPr>
-            <p:ph type="sldImg"/>
-          </p:nvPr>
-        </p:nvSpPr>
-        <p:spPr/>
-      </p:sp>
-      <p:sp>
-        <p:nvSpPr>
-          <p:cNvPr id="3" name="Notes Placeholder 2"/>
-          <p:cNvSpPr>
-            <a:spLocks noGrp="1"/>
-          </p:cNvSpPr>
-          <p:nvPr>
-            <p:ph type="body" idx="1"/>
-          </p:nvPr>
-        </p:nvSpPr>
-        <p:spPr/>
-        <p:txBody>
-          <a:bodyPr/>
-          <a:lstStyle/>
-          <a:p>
-            <a:endParaRPr lang="en-US" dirty="0"/>
-          </a:p>
-        </p:txBody>
-      </p:sp>
-      <p:sp>
-        <p:nvSpPr>
-          <p:cNvPr id="4" name="Slide Number Placeholder 3"/>
-          <p:cNvSpPr>
-            <a:spLocks noGrp="1"/>
-          </p:cNvSpPr>
-          <p:nvPr>
-            <p:ph type="sldNum" sz="quarter" idx="10"/>
-          </p:nvPr>
-        </p:nvSpPr>
-        <p:spPr/>
-        <p:txBody>
-          <a:bodyPr/>
-          <a:lstStyle/>
-          <a:p>
-            <a:fld id="{39923DF9-DA97-0C44-B7A0-AB7B1AA67FC3}" type="slidenum">
-              <a:rPr lang="en-US" smtClean="0"/>
-              <a:pPr/>
-              <a:t>13</a:t>
-            </a:fld>
-            <a:endParaRPr lang="en-US" dirty="0"/>
-          </a:p>
-        </p:txBody>
-      </p:sp>
-    </p:spTree>
-    <p:extLst>
-      <p:ext uri="{BB962C8B-B14F-4D97-AF65-F5344CB8AC3E}">
-        <p14:creationId xmlns:p14="http://schemas.microsoft.com/office/powerpoint/2010/main" val="2684707536"/>
-      </p:ext>
-    </p:extLst>
-  </p:cSld>
-  <p:clrMapOvr>
-    <a:masterClrMapping/>
-  </p:clrMapOvr>
-</p:notes>
-</file>
-
-<file path=ppt/notesSlides/notesSlide14.xml><?xml version="1.0" encoding="utf-8"?>
-<p:notes xmlns:a="http://schemas.openxmlformats.org/drawingml/2006/main" xmlns:r="http://schemas.openxmlformats.org/officeDocument/2006/relationships" xmlns:p="http://schemas.openxmlformats.org/presentationml/2006/main">
-  <p:cSld>
-    <p:spTree>
-      <p:nvGrpSpPr>
-        <p:cNvPr id="1" name=""/>
-        <p:cNvGrpSpPr/>
-        <p:nvPr/>
-      </p:nvGrpSpPr>
-      <p:grpSpPr>
-        <a:xfrm>
-          <a:off x="0" y="0"/>
-          <a:ext cx="0" cy="0"/>
-          <a:chOff x="0" y="0"/>
-          <a:chExt cx="0" cy="0"/>
-        </a:xfrm>
-      </p:grpSpPr>
-      <p:sp>
-        <p:nvSpPr>
-          <p:cNvPr id="2" name="Slide Image Placeholder 1"/>
-          <p:cNvSpPr>
-            <a:spLocks noGrp="1" noRot="1" noChangeAspect="1"/>
-          </p:cNvSpPr>
-          <p:nvPr>
-            <p:ph type="sldImg"/>
-          </p:nvPr>
-        </p:nvSpPr>
-        <p:spPr/>
-      </p:sp>
-      <p:sp>
-        <p:nvSpPr>
-          <p:cNvPr id="3" name="Notes Placeholder 2"/>
-          <p:cNvSpPr>
-            <a:spLocks noGrp="1"/>
-          </p:cNvSpPr>
-          <p:nvPr>
-            <p:ph type="body" idx="1"/>
-          </p:nvPr>
-        </p:nvSpPr>
-        <p:spPr/>
-        <p:txBody>
-          <a:bodyPr/>
-          <a:lstStyle/>
-          <a:p>
-            <a:endParaRPr lang="en-US" dirty="0"/>
-          </a:p>
-        </p:txBody>
-      </p:sp>
-      <p:sp>
-        <p:nvSpPr>
-          <p:cNvPr id="4" name="Slide Number Placeholder 3"/>
-          <p:cNvSpPr>
-            <a:spLocks noGrp="1"/>
-          </p:cNvSpPr>
-          <p:nvPr>
-            <p:ph type="sldNum" sz="quarter" idx="10"/>
-          </p:nvPr>
-        </p:nvSpPr>
-        <p:spPr/>
-        <p:txBody>
-          <a:bodyPr/>
-          <a:lstStyle/>
-          <a:p>
-            <a:fld id="{39923DF9-DA97-0C44-B7A0-AB7B1AA67FC3}" type="slidenum">
-              <a:rPr lang="en-US" smtClean="0"/>
-              <a:pPr/>
-              <a:t>14</a:t>
-            </a:fld>
-            <a:endParaRPr lang="en-US" dirty="0"/>
-          </a:p>
-        </p:txBody>
-      </p:sp>
-    </p:spTree>
-    <p:extLst>
-      <p:ext uri="{BB962C8B-B14F-4D97-AF65-F5344CB8AC3E}">
-        <p14:creationId xmlns:p14="http://schemas.microsoft.com/office/powerpoint/2010/main" val="2227916385"/>
-      </p:ext>
-    </p:extLst>
-  </p:cSld>
-  <p:clrMapOvr>
-    <a:masterClrMapping/>
-  </p:clrMapOvr>
-</p:notes>
-</file>
-
-<file path=ppt/notesSlides/notesSlide15.xml><?xml version="1.0" encoding="utf-8"?>
-<p:notes xmlns:a="http://schemas.openxmlformats.org/drawingml/2006/main" xmlns:r="http://schemas.openxmlformats.org/officeDocument/2006/relationships" xmlns:p="http://schemas.openxmlformats.org/presentationml/2006/main">
-  <p:cSld>
-    <p:spTree>
-      <p:nvGrpSpPr>
-        <p:cNvPr id="1" name=""/>
-        <p:cNvGrpSpPr/>
-        <p:nvPr/>
-      </p:nvGrpSpPr>
-      <p:grpSpPr>
-        <a:xfrm>
-          <a:off x="0" y="0"/>
-          <a:ext cx="0" cy="0"/>
-          <a:chOff x="0" y="0"/>
-          <a:chExt cx="0" cy="0"/>
-        </a:xfrm>
-      </p:grpSpPr>
-      <p:sp>
-        <p:nvSpPr>
-          <p:cNvPr id="2" name="Slide Image Placeholder 1"/>
-          <p:cNvSpPr>
-            <a:spLocks noGrp="1" noRot="1" noChangeAspect="1"/>
-          </p:cNvSpPr>
-          <p:nvPr>
-            <p:ph type="sldImg"/>
-          </p:nvPr>
-        </p:nvSpPr>
-        <p:spPr/>
-      </p:sp>
-      <p:sp>
-        <p:nvSpPr>
-          <p:cNvPr id="3" name="Notes Placeholder 2"/>
-          <p:cNvSpPr>
-            <a:spLocks noGrp="1"/>
-          </p:cNvSpPr>
-          <p:nvPr>
-            <p:ph type="body" idx="1"/>
-          </p:nvPr>
-        </p:nvSpPr>
-        <p:spPr/>
-        <p:txBody>
-          <a:bodyPr/>
-          <a:lstStyle/>
-          <a:p>
-            <a:endParaRPr lang="en-US" dirty="0"/>
-          </a:p>
-        </p:txBody>
-      </p:sp>
-      <p:sp>
-        <p:nvSpPr>
-          <p:cNvPr id="4" name="Slide Number Placeholder 3"/>
-          <p:cNvSpPr>
-            <a:spLocks noGrp="1"/>
-          </p:cNvSpPr>
-          <p:nvPr>
-            <p:ph type="sldNum" sz="quarter" idx="10"/>
-          </p:nvPr>
-        </p:nvSpPr>
-        <p:spPr/>
-        <p:txBody>
-          <a:bodyPr/>
-          <a:lstStyle/>
-          <a:p>
-            <a:fld id="{39923DF9-DA97-0C44-B7A0-AB7B1AA67FC3}" type="slidenum">
-              <a:rPr lang="en-US" smtClean="0"/>
-              <a:pPr/>
-              <a:t>15</a:t>
-            </a:fld>
-            <a:endParaRPr lang="en-US" dirty="0"/>
-          </a:p>
-        </p:txBody>
-      </p:sp>
-    </p:spTree>
-    <p:extLst>
-      <p:ext uri="{BB962C8B-B14F-4D97-AF65-F5344CB8AC3E}">
-        <p14:creationId xmlns:p14="http://schemas.microsoft.com/office/powerpoint/2010/main" val="631289081"/>
-      </p:ext>
-    </p:extLst>
-  </p:cSld>
-  <p:clrMapOvr>
-    <a:masterClrMapping/>
-  </p:clrMapOvr>
-</p:notes>
-</file>
-
-<file path=ppt/notesSlides/notesSlide16.xml><?xml version="1.0" encoding="utf-8"?>
-<p:notes xmlns:a="http://schemas.openxmlformats.org/drawingml/2006/main" xmlns:r="http://schemas.openxmlformats.org/officeDocument/2006/relationships" xmlns:p="http://schemas.openxmlformats.org/presentationml/2006/main">
-  <p:cSld>
-    <p:spTree>
-      <p:nvGrpSpPr>
-        <p:cNvPr id="1" name=""/>
-        <p:cNvGrpSpPr/>
-        <p:nvPr/>
-      </p:nvGrpSpPr>
-      <p:grpSpPr>
-        <a:xfrm>
-          <a:off x="0" y="0"/>
-          <a:ext cx="0" cy="0"/>
-          <a:chOff x="0" y="0"/>
-          <a:chExt cx="0" cy="0"/>
-        </a:xfrm>
-      </p:grpSpPr>
-      <p:sp>
-        <p:nvSpPr>
-          <p:cNvPr id="2" name="Slide Image Placeholder 1"/>
-          <p:cNvSpPr>
-            <a:spLocks noGrp="1" noRot="1" noChangeAspect="1"/>
-          </p:cNvSpPr>
-          <p:nvPr>
-            <p:ph type="sldImg"/>
-          </p:nvPr>
-        </p:nvSpPr>
-        <p:spPr/>
-      </p:sp>
-      <p:sp>
-        <p:nvSpPr>
-          <p:cNvPr id="3" name="Notes Placeholder 2"/>
-          <p:cNvSpPr>
-            <a:spLocks noGrp="1"/>
-          </p:cNvSpPr>
-          <p:nvPr>
-            <p:ph type="body" idx="1"/>
-          </p:nvPr>
-        </p:nvSpPr>
-        <p:spPr/>
-        <p:txBody>
-          <a:bodyPr/>
-          <a:lstStyle/>
-          <a:p>
-            <a:endParaRPr lang="en-US" dirty="0"/>
-          </a:p>
-        </p:txBody>
-      </p:sp>
-      <p:sp>
-        <p:nvSpPr>
-          <p:cNvPr id="4" name="Slide Number Placeholder 3"/>
-          <p:cNvSpPr>
-            <a:spLocks noGrp="1"/>
-          </p:cNvSpPr>
-          <p:nvPr>
-            <p:ph type="sldNum" sz="quarter" idx="10"/>
-          </p:nvPr>
-        </p:nvSpPr>
-        <p:spPr/>
-        <p:txBody>
-          <a:bodyPr/>
-          <a:lstStyle/>
-          <a:p>
-            <a:fld id="{39923DF9-DA97-0C44-B7A0-AB7B1AA67FC3}" type="slidenum">
-              <a:rPr lang="en-US" smtClean="0"/>
-              <a:pPr/>
-              <a:t>16</a:t>
-            </a:fld>
-            <a:endParaRPr lang="en-US" dirty="0"/>
-          </a:p>
-        </p:txBody>
-      </p:sp>
-    </p:spTree>
-    <p:extLst>
-      <p:ext uri="{BB962C8B-B14F-4D97-AF65-F5344CB8AC3E}">
-        <p14:creationId xmlns:p14="http://schemas.microsoft.com/office/powerpoint/2010/main" val="2303224123"/>
-      </p:ext>
-    </p:extLst>
-  </p:cSld>
-  <p:clrMapOvr>
-    <a:masterClrMapping/>
-  </p:clrMapOvr>
-</p:notes>
-</file>
-
-<file path=ppt/notesSlides/notesSlide17.xml><?xml version="1.0" encoding="utf-8"?>
-<p:notes xmlns:a="http://schemas.openxmlformats.org/drawingml/2006/main" xmlns:r="http://schemas.openxmlformats.org/officeDocument/2006/relationships" xmlns:p="http://schemas.openxmlformats.org/presentationml/2006/main">
-  <p:cSld>
-    <p:spTree>
-      <p:nvGrpSpPr>
-        <p:cNvPr id="1" name=""/>
-        <p:cNvGrpSpPr/>
-        <p:nvPr/>
-      </p:nvGrpSpPr>
-      <p:grpSpPr>
-        <a:xfrm>
-          <a:off x="0" y="0"/>
-          <a:ext cx="0" cy="0"/>
-          <a:chOff x="0" y="0"/>
-          <a:chExt cx="0" cy="0"/>
-        </a:xfrm>
-      </p:grpSpPr>
-      <p:sp>
-        <p:nvSpPr>
-          <p:cNvPr id="2" name="Slide Image Placeholder 1"/>
-          <p:cNvSpPr>
-            <a:spLocks noGrp="1" noRot="1" noChangeAspect="1"/>
-          </p:cNvSpPr>
-          <p:nvPr>
-            <p:ph type="sldImg"/>
-          </p:nvPr>
-        </p:nvSpPr>
-        <p:spPr/>
-      </p:sp>
-      <p:sp>
-        <p:nvSpPr>
-          <p:cNvPr id="3" name="Notes Placeholder 2"/>
-          <p:cNvSpPr>
-            <a:spLocks noGrp="1"/>
-          </p:cNvSpPr>
-          <p:nvPr>
-            <p:ph type="body" idx="1"/>
-          </p:nvPr>
-        </p:nvSpPr>
-        <p:spPr/>
-        <p:txBody>
-          <a:bodyPr/>
-          <a:lstStyle/>
-          <a:p>
-            <a:endParaRPr lang="en-US" dirty="0"/>
-          </a:p>
-        </p:txBody>
-      </p:sp>
-      <p:sp>
-        <p:nvSpPr>
-          <p:cNvPr id="4" name="Slide Number Placeholder 3"/>
-          <p:cNvSpPr>
-            <a:spLocks noGrp="1"/>
-          </p:cNvSpPr>
-          <p:nvPr>
-            <p:ph type="sldNum" sz="quarter" idx="10"/>
-          </p:nvPr>
-        </p:nvSpPr>
-        <p:spPr/>
-        <p:txBody>
-          <a:bodyPr/>
-          <a:lstStyle/>
-          <a:p>
-            <a:fld id="{39923DF9-DA97-0C44-B7A0-AB7B1AA67FC3}" type="slidenum">
-              <a:rPr lang="en-US" smtClean="0"/>
-              <a:pPr/>
-              <a:t>17</a:t>
-            </a:fld>
-            <a:endParaRPr lang="en-US" dirty="0"/>
-          </a:p>
-        </p:txBody>
-      </p:sp>
-    </p:spTree>
-    <p:extLst>
-      <p:ext uri="{BB962C8B-B14F-4D97-AF65-F5344CB8AC3E}">
-        <p14:creationId xmlns:p14="http://schemas.microsoft.com/office/powerpoint/2010/main" val="221709353"/>
-      </p:ext>
-    </p:extLst>
-  </p:cSld>
-  <p:clrMapOvr>
-    <a:masterClrMapping/>
-  </p:clrMapOvr>
-</p:notes>
-</file>
-
-<file path=ppt/notesSlides/notesSlide18.xml><?xml version="1.0" encoding="utf-8"?>
-<p:notes xmlns:a="http://schemas.openxmlformats.org/drawingml/2006/main" xmlns:r="http://schemas.openxmlformats.org/officeDocument/2006/relationships" xmlns:p="http://schemas.openxmlformats.org/presentationml/2006/main">
-  <p:cSld>
-    <p:spTree>
-      <p:nvGrpSpPr>
-        <p:cNvPr id="1" name=""/>
-        <p:cNvGrpSpPr/>
-        <p:nvPr/>
-      </p:nvGrpSpPr>
-      <p:grpSpPr>
-        <a:xfrm>
-          <a:off x="0" y="0"/>
-          <a:ext cx="0" cy="0"/>
-          <a:chOff x="0" y="0"/>
-          <a:chExt cx="0" cy="0"/>
-        </a:xfrm>
-      </p:grpSpPr>
-      <p:sp>
-        <p:nvSpPr>
-          <p:cNvPr id="2" name="Slide Image Placeholder 1"/>
-          <p:cNvSpPr>
-            <a:spLocks noGrp="1" noRot="1" noChangeAspect="1"/>
-          </p:cNvSpPr>
-          <p:nvPr>
-            <p:ph type="sldImg"/>
-          </p:nvPr>
-        </p:nvSpPr>
-        <p:spPr/>
-      </p:sp>
-      <p:sp>
-        <p:nvSpPr>
-          <p:cNvPr id="3" name="Notes Placeholder 2"/>
-          <p:cNvSpPr>
-            <a:spLocks noGrp="1"/>
-          </p:cNvSpPr>
-          <p:nvPr>
-            <p:ph type="body" idx="1"/>
-          </p:nvPr>
-        </p:nvSpPr>
-        <p:spPr/>
-        <p:txBody>
-          <a:bodyPr/>
-          <a:lstStyle/>
-          <a:p>
-            <a:endParaRPr lang="en-US" dirty="0"/>
-          </a:p>
-        </p:txBody>
-      </p:sp>
-      <p:sp>
-        <p:nvSpPr>
-          <p:cNvPr id="4" name="Slide Number Placeholder 3"/>
-          <p:cNvSpPr>
-            <a:spLocks noGrp="1"/>
-          </p:cNvSpPr>
-          <p:nvPr>
-            <p:ph type="sldNum" sz="quarter" idx="10"/>
-          </p:nvPr>
-        </p:nvSpPr>
-        <p:spPr/>
-        <p:txBody>
-          <a:bodyPr/>
-          <a:lstStyle/>
-          <a:p>
-            <a:fld id="{39923DF9-DA97-0C44-B7A0-AB7B1AA67FC3}" type="slidenum">
-              <a:rPr lang="en-US" smtClean="0"/>
-              <a:pPr/>
-              <a:t>18</a:t>
-            </a:fld>
-            <a:endParaRPr lang="en-US" dirty="0"/>
-          </a:p>
-        </p:txBody>
-      </p:sp>
-    </p:spTree>
-    <p:extLst>
-      <p:ext uri="{BB962C8B-B14F-4D97-AF65-F5344CB8AC3E}">
-        <p14:creationId xmlns:p14="http://schemas.microsoft.com/office/powerpoint/2010/main" val="1151000421"/>
-      </p:ext>
-    </p:extLst>
-  </p:cSld>
-  <p:clrMapOvr>
-    <a:masterClrMapping/>
-  </p:clrMapOvr>
-</p:notes>
-</file>
-
-<file path=ppt/notesSlides/notesSlide19.xml><?xml version="1.0" encoding="utf-8"?>
-<p:notes xmlns:a="http://schemas.openxmlformats.org/drawingml/2006/main" xmlns:r="http://schemas.openxmlformats.org/officeDocument/2006/relationships" xmlns:p="http://schemas.openxmlformats.org/presentationml/2006/main">
-  <p:cSld>
-    <p:spTree>
-      <p:nvGrpSpPr>
-        <p:cNvPr id="1" name=""/>
-        <p:cNvGrpSpPr/>
-        <p:nvPr/>
-      </p:nvGrpSpPr>
-      <p:grpSpPr>
-        <a:xfrm>
-          <a:off x="0" y="0"/>
-          <a:ext cx="0" cy="0"/>
-          <a:chOff x="0" y="0"/>
-          <a:chExt cx="0" cy="0"/>
-        </a:xfrm>
-      </p:grpSpPr>
-      <p:sp>
-        <p:nvSpPr>
-          <p:cNvPr id="2" name="Slide Image Placeholder 1"/>
-          <p:cNvSpPr>
-            <a:spLocks noGrp="1" noRot="1" noChangeAspect="1"/>
-          </p:cNvSpPr>
-          <p:nvPr>
-            <p:ph type="sldImg"/>
-          </p:nvPr>
-        </p:nvSpPr>
-        <p:spPr/>
-      </p:sp>
-      <p:sp>
-        <p:nvSpPr>
-          <p:cNvPr id="3" name="Notes Placeholder 2"/>
-          <p:cNvSpPr>
-            <a:spLocks noGrp="1"/>
-          </p:cNvSpPr>
-          <p:nvPr>
-            <p:ph type="body" idx="1"/>
-          </p:nvPr>
-        </p:nvSpPr>
-        <p:spPr/>
-        <p:txBody>
-          <a:bodyPr/>
-          <a:lstStyle/>
-          <a:p>
-            <a:endParaRPr lang="en-US" dirty="0"/>
-          </a:p>
-        </p:txBody>
-      </p:sp>
-      <p:sp>
-        <p:nvSpPr>
-          <p:cNvPr id="4" name="Slide Number Placeholder 3"/>
-          <p:cNvSpPr>
-            <a:spLocks noGrp="1"/>
-          </p:cNvSpPr>
-          <p:nvPr>
-            <p:ph type="sldNum" sz="quarter" idx="10"/>
-          </p:nvPr>
-        </p:nvSpPr>
-        <p:spPr/>
-        <p:txBody>
-          <a:bodyPr/>
-          <a:lstStyle/>
-          <a:p>
-            <a:fld id="{39923DF9-DA97-0C44-B7A0-AB7B1AA67FC3}" type="slidenum">
-              <a:rPr lang="en-US" smtClean="0"/>
-              <a:pPr/>
-              <a:t>19</a:t>
-            </a:fld>
-            <a:endParaRPr lang="en-US" dirty="0"/>
-          </a:p>
-        </p:txBody>
-      </p:sp>
-    </p:spTree>
-    <p:extLst>
-      <p:ext uri="{BB962C8B-B14F-4D97-AF65-F5344CB8AC3E}">
-        <p14:creationId xmlns:p14="http://schemas.microsoft.com/office/powerpoint/2010/main" val="3725552883"/>
-      </p:ext>
-    </p:extLst>
-  </p:cSld>
-  <p:clrMapOvr>
-    <a:masterClrMapping/>
-  </p:clrMapOvr>
-</p:notes>
-</file>
-
 <file path=ppt/notesSlides/notesSlide2.xml><?xml version="1.0" encoding="utf-8"?>
 <p:notes xmlns:a="http://schemas.openxmlformats.org/drawingml/2006/main" xmlns:r="http://schemas.openxmlformats.org/officeDocument/2006/relationships" xmlns:p="http://schemas.openxmlformats.org/presentationml/2006/main">
   <p:cSld>
@@ -1542,176 +668,6 @@
     <p:extLst>
       <p:ext uri="{BB962C8B-B14F-4D97-AF65-F5344CB8AC3E}">
         <p14:creationId xmlns:p14="http://schemas.microsoft.com/office/powerpoint/2010/main" val="2864042090"/>
-      </p:ext>
-    </p:extLst>
-  </p:cSld>
-  <p:clrMapOvr>
-    <a:masterClrMapping/>
-  </p:clrMapOvr>
-</p:notes>
-</file>
-
-<file path=ppt/notesSlides/notesSlide20.xml><?xml version="1.0" encoding="utf-8"?>
-<p:notes xmlns:a="http://schemas.openxmlformats.org/drawingml/2006/main" xmlns:r="http://schemas.openxmlformats.org/officeDocument/2006/relationships" xmlns:p="http://schemas.openxmlformats.org/presentationml/2006/main">
-  <p:cSld>
-    <p:spTree>
-      <p:nvGrpSpPr>
-        <p:cNvPr id="1" name=""/>
-        <p:cNvGrpSpPr/>
-        <p:nvPr/>
-      </p:nvGrpSpPr>
-      <p:grpSpPr>
-        <a:xfrm>
-          <a:off x="0" y="0"/>
-          <a:ext cx="0" cy="0"/>
-          <a:chOff x="0" y="0"/>
-          <a:chExt cx="0" cy="0"/>
-        </a:xfrm>
-      </p:grpSpPr>
-      <p:sp>
-        <p:nvSpPr>
-          <p:cNvPr id="2" name="Slide Image Placeholder 1"/>
-          <p:cNvSpPr>
-            <a:spLocks noGrp="1" noRot="1" noChangeAspect="1"/>
-          </p:cNvSpPr>
-          <p:nvPr>
-            <p:ph type="sldImg"/>
-          </p:nvPr>
-        </p:nvSpPr>
-        <p:spPr/>
-      </p:sp>
-      <p:sp>
-        <p:nvSpPr>
-          <p:cNvPr id="3" name="Notes Placeholder 2"/>
-          <p:cNvSpPr>
-            <a:spLocks noGrp="1"/>
-          </p:cNvSpPr>
-          <p:nvPr>
-            <p:ph type="body" idx="1"/>
-          </p:nvPr>
-        </p:nvSpPr>
-        <p:spPr/>
-        <p:txBody>
-          <a:bodyPr/>
-          <a:lstStyle/>
-          <a:p>
-            <a:endParaRPr lang="en-US" dirty="0"/>
-          </a:p>
-        </p:txBody>
-      </p:sp>
-      <p:sp>
-        <p:nvSpPr>
-          <p:cNvPr id="4" name="Slide Number Placeholder 3"/>
-          <p:cNvSpPr>
-            <a:spLocks noGrp="1"/>
-          </p:cNvSpPr>
-          <p:nvPr>
-            <p:ph type="sldNum" sz="quarter" idx="10"/>
-          </p:nvPr>
-        </p:nvSpPr>
-        <p:spPr/>
-        <p:txBody>
-          <a:bodyPr/>
-          <a:lstStyle/>
-          <a:p>
-            <a:fld id="{39923DF9-DA97-0C44-B7A0-AB7B1AA67FC3}" type="slidenum">
-              <a:rPr lang="en-US" smtClean="0"/>
-              <a:pPr/>
-              <a:t>20</a:t>
-            </a:fld>
-            <a:endParaRPr lang="en-US" dirty="0"/>
-          </a:p>
-        </p:txBody>
-      </p:sp>
-    </p:spTree>
-    <p:extLst>
-      <p:ext uri="{BB962C8B-B14F-4D97-AF65-F5344CB8AC3E}">
-        <p14:creationId xmlns:p14="http://schemas.microsoft.com/office/powerpoint/2010/main" val="2081715534"/>
-      </p:ext>
-    </p:extLst>
-  </p:cSld>
-  <p:clrMapOvr>
-    <a:masterClrMapping/>
-  </p:clrMapOvr>
-</p:notes>
-</file>
-
-<file path=ppt/notesSlides/notesSlide21.xml><?xml version="1.0" encoding="utf-8"?>
-<p:notes xmlns:a="http://schemas.openxmlformats.org/drawingml/2006/main" xmlns:r="http://schemas.openxmlformats.org/officeDocument/2006/relationships" xmlns:p="http://schemas.openxmlformats.org/presentationml/2006/main">
-  <p:cSld>
-    <p:spTree>
-      <p:nvGrpSpPr>
-        <p:cNvPr id="1" name=""/>
-        <p:cNvGrpSpPr/>
-        <p:nvPr/>
-      </p:nvGrpSpPr>
-      <p:grpSpPr>
-        <a:xfrm>
-          <a:off x="0" y="0"/>
-          <a:ext cx="0" cy="0"/>
-          <a:chOff x="0" y="0"/>
-          <a:chExt cx="0" cy="0"/>
-        </a:xfrm>
-      </p:grpSpPr>
-      <p:sp>
-        <p:nvSpPr>
-          <p:cNvPr id="2" name="Slide Image Placeholder 1"/>
-          <p:cNvSpPr>
-            <a:spLocks noGrp="1" noRot="1" noChangeAspect="1"/>
-          </p:cNvSpPr>
-          <p:nvPr>
-            <p:ph type="sldImg"/>
-          </p:nvPr>
-        </p:nvSpPr>
-        <p:spPr/>
-      </p:sp>
-      <p:sp>
-        <p:nvSpPr>
-          <p:cNvPr id="3" name="Notes Placeholder 2"/>
-          <p:cNvSpPr>
-            <a:spLocks noGrp="1"/>
-          </p:cNvSpPr>
-          <p:nvPr>
-            <p:ph type="body" idx="1"/>
-          </p:nvPr>
-        </p:nvSpPr>
-        <p:spPr/>
-        <p:txBody>
-          <a:bodyPr/>
-          <a:lstStyle/>
-          <a:p>
-            <a:endParaRPr lang="en-US" dirty="0"/>
-          </a:p>
-        </p:txBody>
-      </p:sp>
-      <p:sp>
-        <p:nvSpPr>
-          <p:cNvPr id="4" name="Slide Number Placeholder 3"/>
-          <p:cNvSpPr>
-            <a:spLocks noGrp="1"/>
-          </p:cNvSpPr>
-          <p:nvPr>
-            <p:ph type="sldNum" sz="quarter" idx="10"/>
-          </p:nvPr>
-        </p:nvSpPr>
-        <p:spPr/>
-        <p:txBody>
-          <a:bodyPr/>
-          <a:lstStyle/>
-          <a:p>
-            <a:fld id="{39923DF9-DA97-0C44-B7A0-AB7B1AA67FC3}" type="slidenum">
-              <a:rPr lang="en-US" smtClean="0"/>
-              <a:pPr/>
-              <a:t>21</a:t>
-            </a:fld>
-            <a:endParaRPr lang="en-US" dirty="0"/>
-          </a:p>
-        </p:txBody>
-      </p:sp>
-    </p:spTree>
-    <p:extLst>
-      <p:ext uri="{BB962C8B-B14F-4D97-AF65-F5344CB8AC3E}">
-        <p14:creationId xmlns:p14="http://schemas.microsoft.com/office/powerpoint/2010/main" val="2134943922"/>
       </p:ext>
     </p:extLst>
   </p:cSld>
@@ -1966,7 +922,7 @@
     </p:spTree>
     <p:extLst>
       <p:ext uri="{BB962C8B-B14F-4D97-AF65-F5344CB8AC3E}">
-        <p14:creationId xmlns:p14="http://schemas.microsoft.com/office/powerpoint/2010/main" val="170526966"/>
+        <p14:creationId xmlns:p14="http://schemas.microsoft.com/office/powerpoint/2010/main" val="4080602372"/>
       </p:ext>
     </p:extLst>
   </p:cSld>
@@ -2051,7 +1007,7 @@
     </p:spTree>
     <p:extLst>
       <p:ext uri="{BB962C8B-B14F-4D97-AF65-F5344CB8AC3E}">
-        <p14:creationId xmlns:p14="http://schemas.microsoft.com/office/powerpoint/2010/main" val="3834083169"/>
+        <p14:creationId xmlns:p14="http://schemas.microsoft.com/office/powerpoint/2010/main" val="170526966"/>
       </p:ext>
     </p:extLst>
   </p:cSld>
@@ -2127,7 +1083,7 @@
             <a:fld id="{39923DF9-DA97-0C44-B7A0-AB7B1AA67FC3}" type="slidenum">
               <a:rPr lang="en-US" smtClean="0"/>
               <a:pPr/>
-              <a:t>7</a:t>
+              <a:t>9</a:t>
             </a:fld>
             <a:endParaRPr lang="en-US" dirty="0"/>
           </a:p>
@@ -2136,177 +1092,7 @@
     </p:spTree>
     <p:extLst>
       <p:ext uri="{BB962C8B-B14F-4D97-AF65-F5344CB8AC3E}">
-        <p14:creationId xmlns:p14="http://schemas.microsoft.com/office/powerpoint/2010/main" val="3834487325"/>
-      </p:ext>
-    </p:extLst>
-  </p:cSld>
-  <p:clrMapOvr>
-    <a:masterClrMapping/>
-  </p:clrMapOvr>
-</p:notes>
-</file>
-
-<file path=ppt/notesSlides/notesSlide8.xml><?xml version="1.0" encoding="utf-8"?>
-<p:notes xmlns:a="http://schemas.openxmlformats.org/drawingml/2006/main" xmlns:r="http://schemas.openxmlformats.org/officeDocument/2006/relationships" xmlns:p="http://schemas.openxmlformats.org/presentationml/2006/main">
-  <p:cSld>
-    <p:spTree>
-      <p:nvGrpSpPr>
-        <p:cNvPr id="1" name=""/>
-        <p:cNvGrpSpPr/>
-        <p:nvPr/>
-      </p:nvGrpSpPr>
-      <p:grpSpPr>
-        <a:xfrm>
-          <a:off x="0" y="0"/>
-          <a:ext cx="0" cy="0"/>
-          <a:chOff x="0" y="0"/>
-          <a:chExt cx="0" cy="0"/>
-        </a:xfrm>
-      </p:grpSpPr>
-      <p:sp>
-        <p:nvSpPr>
-          <p:cNvPr id="2" name="Slide Image Placeholder 1"/>
-          <p:cNvSpPr>
-            <a:spLocks noGrp="1" noRot="1" noChangeAspect="1"/>
-          </p:cNvSpPr>
-          <p:nvPr>
-            <p:ph type="sldImg"/>
-          </p:nvPr>
-        </p:nvSpPr>
-        <p:spPr/>
-      </p:sp>
-      <p:sp>
-        <p:nvSpPr>
-          <p:cNvPr id="3" name="Notes Placeholder 2"/>
-          <p:cNvSpPr>
-            <a:spLocks noGrp="1"/>
-          </p:cNvSpPr>
-          <p:nvPr>
-            <p:ph type="body" idx="1"/>
-          </p:nvPr>
-        </p:nvSpPr>
-        <p:spPr/>
-        <p:txBody>
-          <a:bodyPr/>
-          <a:lstStyle/>
-          <a:p>
-            <a:endParaRPr lang="en-US" dirty="0"/>
-          </a:p>
-        </p:txBody>
-      </p:sp>
-      <p:sp>
-        <p:nvSpPr>
-          <p:cNvPr id="4" name="Slide Number Placeholder 3"/>
-          <p:cNvSpPr>
-            <a:spLocks noGrp="1"/>
-          </p:cNvSpPr>
-          <p:nvPr>
-            <p:ph type="sldNum" sz="quarter" idx="10"/>
-          </p:nvPr>
-        </p:nvSpPr>
-        <p:spPr/>
-        <p:txBody>
-          <a:bodyPr/>
-          <a:lstStyle/>
-          <a:p>
-            <a:fld id="{39923DF9-DA97-0C44-B7A0-AB7B1AA67FC3}" type="slidenum">
-              <a:rPr lang="en-US" smtClean="0"/>
-              <a:pPr/>
-              <a:t>8</a:t>
-            </a:fld>
-            <a:endParaRPr lang="en-US" dirty="0"/>
-          </a:p>
-        </p:txBody>
-      </p:sp>
-    </p:spTree>
-    <p:extLst>
-      <p:ext uri="{BB962C8B-B14F-4D97-AF65-F5344CB8AC3E}">
-        <p14:creationId xmlns:p14="http://schemas.microsoft.com/office/powerpoint/2010/main" val="3140586476"/>
-      </p:ext>
-    </p:extLst>
-  </p:cSld>
-  <p:clrMapOvr>
-    <a:masterClrMapping/>
-  </p:clrMapOvr>
-</p:notes>
-</file>
-
-<file path=ppt/notesSlides/notesSlide9.xml><?xml version="1.0" encoding="utf-8"?>
-<p:notes xmlns:a="http://schemas.openxmlformats.org/drawingml/2006/main" xmlns:r="http://schemas.openxmlformats.org/officeDocument/2006/relationships" xmlns:p="http://schemas.openxmlformats.org/presentationml/2006/main">
-  <p:cSld>
-    <p:spTree>
-      <p:nvGrpSpPr>
-        <p:cNvPr id="1" name=""/>
-        <p:cNvGrpSpPr/>
-        <p:nvPr/>
-      </p:nvGrpSpPr>
-      <p:grpSpPr>
-        <a:xfrm>
-          <a:off x="0" y="0"/>
-          <a:ext cx="0" cy="0"/>
-          <a:chOff x="0" y="0"/>
-          <a:chExt cx="0" cy="0"/>
-        </a:xfrm>
-      </p:grpSpPr>
-      <p:sp>
-        <p:nvSpPr>
-          <p:cNvPr id="2" name="Slide Image Placeholder 1"/>
-          <p:cNvSpPr>
-            <a:spLocks noGrp="1" noRot="1" noChangeAspect="1"/>
-          </p:cNvSpPr>
-          <p:nvPr>
-            <p:ph type="sldImg"/>
-          </p:nvPr>
-        </p:nvSpPr>
-        <p:spPr/>
-      </p:sp>
-      <p:sp>
-        <p:nvSpPr>
-          <p:cNvPr id="3" name="Notes Placeholder 2"/>
-          <p:cNvSpPr>
-            <a:spLocks noGrp="1"/>
-          </p:cNvSpPr>
-          <p:nvPr>
-            <p:ph type="body" idx="1"/>
-          </p:nvPr>
-        </p:nvSpPr>
-        <p:spPr/>
-        <p:txBody>
-          <a:bodyPr/>
-          <a:lstStyle/>
-          <a:p>
-            <a:endParaRPr lang="en-US" dirty="0"/>
-          </a:p>
-        </p:txBody>
-      </p:sp>
-      <p:sp>
-        <p:nvSpPr>
-          <p:cNvPr id="4" name="Slide Number Placeholder 3"/>
-          <p:cNvSpPr>
-            <a:spLocks noGrp="1"/>
-          </p:cNvSpPr>
-          <p:nvPr>
-            <p:ph type="sldNum" sz="quarter" idx="10"/>
-          </p:nvPr>
-        </p:nvSpPr>
-        <p:spPr/>
-        <p:txBody>
-          <a:bodyPr/>
-          <a:lstStyle/>
-          <a:p>
-            <a:fld id="{39923DF9-DA97-0C44-B7A0-AB7B1AA67FC3}" type="slidenum">
-              <a:rPr lang="en-US" smtClean="0"/>
-              <a:pPr/>
-              <a:t>9</a:t>
-            </a:fld>
-            <a:endParaRPr lang="en-US" dirty="0"/>
-          </a:p>
-        </p:txBody>
-      </p:sp>
-    </p:spTree>
-    <p:extLst>
-      <p:ext uri="{BB962C8B-B14F-4D97-AF65-F5344CB8AC3E}">
-        <p14:creationId xmlns:p14="http://schemas.microsoft.com/office/powerpoint/2010/main" val="1234081191"/>
+        <p14:creationId xmlns:p14="http://schemas.microsoft.com/office/powerpoint/2010/main" val="2134943922"/>
       </p:ext>
     </p:extLst>
   </p:cSld>
@@ -2616,7 +1402,7 @@
             <a:fld id="{818F800F-9FA6-FE45-B974-AB17141DF911}" type="datetimeFigureOut">
               <a:rPr lang="en-US" smtClean="0"/>
               <a:pPr/>
-              <a:t>9/9/2020</a:t>
+              <a:t>9/16/2020</a:t>
             </a:fld>
             <a:endParaRPr lang="en-US" dirty="0"/>
           </a:p>
@@ -3013,7 +1799,7 @@
             <a:fld id="{818F800F-9FA6-FE45-B974-AB17141DF911}" type="datetimeFigureOut">
               <a:rPr lang="en-US" smtClean="0"/>
               <a:pPr/>
-              <a:t>9/9/2020</a:t>
+              <a:t>9/16/2020</a:t>
             </a:fld>
             <a:endParaRPr lang="en-US" dirty="0"/>
           </a:p>
@@ -3303,7 +2089,7 @@
             <a:fld id="{818F800F-9FA6-FE45-B974-AB17141DF911}" type="datetimeFigureOut">
               <a:rPr lang="en-US" smtClean="0"/>
               <a:pPr/>
-              <a:t>9/9/2020</a:t>
+              <a:t>9/16/2020</a:t>
             </a:fld>
             <a:endParaRPr lang="en-US" dirty="0"/>
           </a:p>
@@ -3727,7 +2513,7 @@
             <a:fld id="{818F800F-9FA6-FE45-B974-AB17141DF911}" type="datetimeFigureOut">
               <a:rPr lang="en-US" smtClean="0"/>
               <a:pPr/>
-              <a:t>9/9/2020</a:t>
+              <a:t>9/16/2020</a:t>
             </a:fld>
             <a:endParaRPr lang="en-US" dirty="0"/>
           </a:p>
@@ -3847,7 +2633,7 @@
             <a:fld id="{818F800F-9FA6-FE45-B974-AB17141DF911}" type="datetimeFigureOut">
               <a:rPr lang="en-US" smtClean="0"/>
               <a:pPr/>
-              <a:t>9/9/2020</a:t>
+              <a:t>9/16/2020</a:t>
             </a:fld>
             <a:endParaRPr lang="en-US" dirty="0"/>
           </a:p>
@@ -4198,7 +2984,7 @@
             <a:fld id="{818F800F-9FA6-FE45-B974-AB17141DF911}" type="datetimeFigureOut">
               <a:rPr lang="en-US" smtClean="0"/>
               <a:pPr/>
-              <a:t>9/9/2020</a:t>
+              <a:t>9/16/2020</a:t>
             </a:fld>
             <a:endParaRPr lang="en-US" dirty="0"/>
           </a:p>
@@ -4738,2409 +3524,6 @@
 </p:sld>
 </file>
 
-<file path=ppt/slides/slide10.xml><?xml version="1.0" encoding="utf-8"?>
-<p:sld xmlns:a="http://schemas.openxmlformats.org/drawingml/2006/main" xmlns:r="http://schemas.openxmlformats.org/officeDocument/2006/relationships" xmlns:p="http://schemas.openxmlformats.org/presentationml/2006/main">
-  <p:cSld>
-    <p:spTree>
-      <p:nvGrpSpPr>
-        <p:cNvPr id="1" name=""/>
-        <p:cNvGrpSpPr/>
-        <p:nvPr/>
-      </p:nvGrpSpPr>
-      <p:grpSpPr>
-        <a:xfrm>
-          <a:off x="0" y="0"/>
-          <a:ext cx="0" cy="0"/>
-          <a:chOff x="0" y="0"/>
-          <a:chExt cx="0" cy="0"/>
-        </a:xfrm>
-      </p:grpSpPr>
-      <p:pic>
-        <p:nvPicPr>
-          <p:cNvPr id="2" name="Picture 1"/>
-          <p:cNvPicPr>
-            <a:picLocks noChangeAspect="1"/>
-          </p:cNvPicPr>
-          <p:nvPr/>
-        </p:nvPicPr>
-        <p:blipFill>
-          <a:blip r:embed="rId3">
-            <a:extLst>
-              <a:ext uri="{28A0092B-C50C-407E-A947-70E740481C1C}">
-                <a14:useLocalDpi xmlns:a14="http://schemas.microsoft.com/office/drawing/2010/main" val="0"/>
-              </a:ext>
-            </a:extLst>
-          </a:blip>
-          <a:stretch>
-            <a:fillRect/>
-          </a:stretch>
-        </p:blipFill>
-        <p:spPr>
-          <a:xfrm>
-            <a:off x="0" y="0"/>
-            <a:ext cx="9144000" cy="1076325"/>
-          </a:xfrm>
-          <a:prstGeom prst="rect">
-            <a:avLst/>
-          </a:prstGeom>
-        </p:spPr>
-      </p:pic>
-      <p:sp>
-        <p:nvSpPr>
-          <p:cNvPr id="5" name="TextBox 4"/>
-          <p:cNvSpPr txBox="1"/>
-          <p:nvPr/>
-        </p:nvSpPr>
-        <p:spPr>
-          <a:xfrm>
-            <a:off x="602694" y="344382"/>
-            <a:ext cx="4908873" cy="461665"/>
-          </a:xfrm>
-          <a:prstGeom prst="rect">
-            <a:avLst/>
-          </a:prstGeom>
-          <a:noFill/>
-        </p:spPr>
-        <p:txBody>
-          <a:bodyPr wrap="square" rtlCol="0">
-            <a:spAutoFit/>
-          </a:bodyPr>
-          <a:lstStyle/>
-          <a:p>
-            <a:r>
-              <a:rPr lang="es-CO" sz="2400" b="1" dirty="0">
-                <a:solidFill>
-                  <a:schemeClr val="bg1"/>
-                </a:solidFill>
-                <a:latin typeface="Arial" panose="020B0604020202020204" pitchFamily="34" charset="0"/>
-                <a:cs typeface="Arial" panose="020B0604020202020204" pitchFamily="34" charset="0"/>
-              </a:rPr>
-              <a:t>Stack</a:t>
-            </a:r>
-          </a:p>
-        </p:txBody>
-      </p:sp>
-      <p:sp>
-        <p:nvSpPr>
-          <p:cNvPr id="3" name="TextBox 2">
-            <a:extLst>
-              <a:ext uri="{FF2B5EF4-FFF2-40B4-BE49-F238E27FC236}">
-                <a16:creationId xmlns:a16="http://schemas.microsoft.com/office/drawing/2014/main" id="{4ACD1D44-C50A-4964-88BB-8EA9D338189A}"/>
-              </a:ext>
-            </a:extLst>
-          </p:cNvPr>
-          <p:cNvSpPr txBox="1"/>
-          <p:nvPr/>
-        </p:nvSpPr>
-        <p:spPr>
-          <a:xfrm>
-            <a:off x="0" y="1535214"/>
-            <a:ext cx="7878073" cy="1200329"/>
-          </a:xfrm>
-          <a:prstGeom prst="rect">
-            <a:avLst/>
-          </a:prstGeom>
-          <a:noFill/>
-        </p:spPr>
-        <p:txBody>
-          <a:bodyPr wrap="square" rtlCol="0">
-            <a:spAutoFit/>
-          </a:bodyPr>
-          <a:lstStyle/>
-          <a:p>
-            <a:pPr marL="800100" lvl="1" indent="-342900">
-              <a:buFont typeface="Arial" panose="020B0604020202020204" pitchFamily="34" charset="0"/>
-              <a:buChar char="•"/>
-            </a:pPr>
-            <a:r>
-              <a:rPr lang="es-CO" sz="2400" dirty="0">
-                <a:solidFill>
-                  <a:schemeClr val="tx1">
-                    <a:lumMod val="65000"/>
-                    <a:lumOff val="35000"/>
-                  </a:schemeClr>
-                </a:solidFill>
-              </a:rPr>
-              <a:t>Son de tamaño dinámico poseen un comportamiento LIFO.</a:t>
-            </a:r>
-          </a:p>
-          <a:p>
-            <a:pPr marL="800100" lvl="1" indent="-342900">
-              <a:buFont typeface="Arial" panose="020B0604020202020204" pitchFamily="34" charset="0"/>
-              <a:buChar char="•"/>
-            </a:pPr>
-            <a:endParaRPr lang="es-CO" sz="2400" dirty="0">
-              <a:solidFill>
-                <a:schemeClr val="tx1">
-                  <a:lumMod val="65000"/>
-                  <a:lumOff val="35000"/>
-                </a:schemeClr>
-              </a:solidFill>
-            </a:endParaRPr>
-          </a:p>
-        </p:txBody>
-      </p:sp>
-      <p:pic>
-        <p:nvPicPr>
-          <p:cNvPr id="6" name="Picture 5">
-            <a:extLst>
-              <a:ext uri="{FF2B5EF4-FFF2-40B4-BE49-F238E27FC236}">
-                <a16:creationId xmlns:a16="http://schemas.microsoft.com/office/drawing/2014/main" id="{FE2D89F1-B8CA-4199-85F4-591D3753F4F4}"/>
-              </a:ext>
-            </a:extLst>
-          </p:cNvPr>
-          <p:cNvPicPr>
-            <a:picLocks noChangeAspect="1"/>
-          </p:cNvPicPr>
-          <p:nvPr/>
-        </p:nvPicPr>
-        <p:blipFill>
-          <a:blip r:embed="rId4"/>
-          <a:stretch>
-            <a:fillRect/>
-          </a:stretch>
-        </p:blipFill>
-        <p:spPr>
-          <a:xfrm>
-            <a:off x="967236" y="2636760"/>
-            <a:ext cx="2971800" cy="323850"/>
-          </a:xfrm>
-          <a:prstGeom prst="rect">
-            <a:avLst/>
-          </a:prstGeom>
-        </p:spPr>
-      </p:pic>
-      <p:pic>
-        <p:nvPicPr>
-          <p:cNvPr id="8" name="Picture 7">
-            <a:extLst>
-              <a:ext uri="{FF2B5EF4-FFF2-40B4-BE49-F238E27FC236}">
-                <a16:creationId xmlns:a16="http://schemas.microsoft.com/office/drawing/2014/main" id="{86D53768-CAFD-4CB7-A5E5-62FD3EE0364D}"/>
-              </a:ext>
-            </a:extLst>
-          </p:cNvPr>
-          <p:cNvPicPr>
-            <a:picLocks noChangeAspect="1"/>
-          </p:cNvPicPr>
-          <p:nvPr/>
-        </p:nvPicPr>
-        <p:blipFill>
-          <a:blip r:embed="rId5"/>
-          <a:stretch>
-            <a:fillRect/>
-          </a:stretch>
-        </p:blipFill>
-        <p:spPr>
-          <a:xfrm>
-            <a:off x="887120" y="3429000"/>
-            <a:ext cx="5505450" cy="314325"/>
-          </a:xfrm>
-          <a:prstGeom prst="rect">
-            <a:avLst/>
-          </a:prstGeom>
-        </p:spPr>
-      </p:pic>
-    </p:spTree>
-    <p:extLst>
-      <p:ext uri="{BB962C8B-B14F-4D97-AF65-F5344CB8AC3E}">
-        <p14:creationId xmlns:p14="http://schemas.microsoft.com/office/powerpoint/2010/main" val="1606435861"/>
-      </p:ext>
-    </p:extLst>
-  </p:cSld>
-  <p:clrMapOvr>
-    <a:masterClrMapping/>
-  </p:clrMapOvr>
-</p:sld>
-</file>
-
-<file path=ppt/slides/slide11.xml><?xml version="1.0" encoding="utf-8"?>
-<p:sld xmlns:a="http://schemas.openxmlformats.org/drawingml/2006/main" xmlns:r="http://schemas.openxmlformats.org/officeDocument/2006/relationships" xmlns:p="http://schemas.openxmlformats.org/presentationml/2006/main">
-  <p:cSld>
-    <p:spTree>
-      <p:nvGrpSpPr>
-        <p:cNvPr id="1" name=""/>
-        <p:cNvGrpSpPr/>
-        <p:nvPr/>
-      </p:nvGrpSpPr>
-      <p:grpSpPr>
-        <a:xfrm>
-          <a:off x="0" y="0"/>
-          <a:ext cx="0" cy="0"/>
-          <a:chOff x="0" y="0"/>
-          <a:chExt cx="0" cy="0"/>
-        </a:xfrm>
-      </p:grpSpPr>
-      <p:pic>
-        <p:nvPicPr>
-          <p:cNvPr id="2" name="Picture 1"/>
-          <p:cNvPicPr>
-            <a:picLocks noChangeAspect="1"/>
-          </p:cNvPicPr>
-          <p:nvPr/>
-        </p:nvPicPr>
-        <p:blipFill>
-          <a:blip r:embed="rId3">
-            <a:extLst>
-              <a:ext uri="{28A0092B-C50C-407E-A947-70E740481C1C}">
-                <a14:useLocalDpi xmlns:a14="http://schemas.microsoft.com/office/drawing/2010/main" val="0"/>
-              </a:ext>
-            </a:extLst>
-          </a:blip>
-          <a:stretch>
-            <a:fillRect/>
-          </a:stretch>
-        </p:blipFill>
-        <p:spPr>
-          <a:xfrm>
-            <a:off x="0" y="0"/>
-            <a:ext cx="9144000" cy="1076325"/>
-          </a:xfrm>
-          <a:prstGeom prst="rect">
-            <a:avLst/>
-          </a:prstGeom>
-        </p:spPr>
-      </p:pic>
-      <p:sp>
-        <p:nvSpPr>
-          <p:cNvPr id="5" name="TextBox 4"/>
-          <p:cNvSpPr txBox="1"/>
-          <p:nvPr/>
-        </p:nvSpPr>
-        <p:spPr>
-          <a:xfrm>
-            <a:off x="602694" y="344382"/>
-            <a:ext cx="4908873" cy="461665"/>
-          </a:xfrm>
-          <a:prstGeom prst="rect">
-            <a:avLst/>
-          </a:prstGeom>
-          <a:noFill/>
-        </p:spPr>
-        <p:txBody>
-          <a:bodyPr wrap="square" rtlCol="0">
-            <a:spAutoFit/>
-          </a:bodyPr>
-          <a:lstStyle/>
-          <a:p>
-            <a:r>
-              <a:rPr lang="es-CO" sz="2400" b="1" dirty="0">
-                <a:solidFill>
-                  <a:schemeClr val="bg1"/>
-                </a:solidFill>
-                <a:latin typeface="Arial" panose="020B0604020202020204" pitchFamily="34" charset="0"/>
-                <a:cs typeface="Arial" panose="020B0604020202020204" pitchFamily="34" charset="0"/>
-              </a:rPr>
-              <a:t>Stack</a:t>
-            </a:r>
-          </a:p>
-        </p:txBody>
-      </p:sp>
-      <p:sp>
-        <p:nvSpPr>
-          <p:cNvPr id="3" name="TextBox 2">
-            <a:extLst>
-              <a:ext uri="{FF2B5EF4-FFF2-40B4-BE49-F238E27FC236}">
-                <a16:creationId xmlns:a16="http://schemas.microsoft.com/office/drawing/2014/main" id="{4ACD1D44-C50A-4964-88BB-8EA9D338189A}"/>
-              </a:ext>
-            </a:extLst>
-          </p:cNvPr>
-          <p:cNvSpPr txBox="1"/>
-          <p:nvPr/>
-        </p:nvSpPr>
-        <p:spPr>
-          <a:xfrm>
-            <a:off x="0" y="1535214"/>
-            <a:ext cx="7878073" cy="830997"/>
-          </a:xfrm>
-          <a:prstGeom prst="rect">
-            <a:avLst/>
-          </a:prstGeom>
-          <a:noFill/>
-        </p:spPr>
-        <p:txBody>
-          <a:bodyPr wrap="square" rtlCol="0">
-            <a:spAutoFit/>
-          </a:bodyPr>
-          <a:lstStyle/>
-          <a:p>
-            <a:pPr marL="800100" lvl="1" indent="-342900">
-              <a:buFont typeface="Arial" panose="020B0604020202020204" pitchFamily="34" charset="0"/>
-              <a:buChar char="•"/>
-            </a:pPr>
-            <a:r>
-              <a:rPr lang="es-CO" sz="2400" dirty="0">
-                <a:solidFill>
-                  <a:schemeClr val="tx1">
-                    <a:lumMod val="65000"/>
-                    <a:lumOff val="35000"/>
-                  </a:schemeClr>
-                </a:solidFill>
-              </a:rPr>
-              <a:t>Sus métodos principales son:</a:t>
-            </a:r>
-          </a:p>
-          <a:p>
-            <a:pPr marL="800100" lvl="1" indent="-342900">
-              <a:buFont typeface="Arial" panose="020B0604020202020204" pitchFamily="34" charset="0"/>
-              <a:buChar char="•"/>
-            </a:pPr>
-            <a:endParaRPr lang="es-CO" sz="2400" dirty="0">
-              <a:solidFill>
-                <a:schemeClr val="tx1">
-                  <a:lumMod val="65000"/>
-                  <a:lumOff val="35000"/>
-                </a:schemeClr>
-              </a:solidFill>
-            </a:endParaRPr>
-          </a:p>
-        </p:txBody>
-      </p:sp>
-      <p:sp>
-        <p:nvSpPr>
-          <p:cNvPr id="9" name="TextBox 8">
-            <a:extLst>
-              <a:ext uri="{FF2B5EF4-FFF2-40B4-BE49-F238E27FC236}">
-                <a16:creationId xmlns:a16="http://schemas.microsoft.com/office/drawing/2014/main" id="{F0B283BE-4B9F-4100-88EF-29A80536E42F}"/>
-              </a:ext>
-            </a:extLst>
-          </p:cNvPr>
-          <p:cNvSpPr txBox="1"/>
-          <p:nvPr/>
-        </p:nvSpPr>
-        <p:spPr>
-          <a:xfrm>
-            <a:off x="248575" y="2069367"/>
-            <a:ext cx="8699257" cy="4524315"/>
-          </a:xfrm>
-          <a:prstGeom prst="rect">
-            <a:avLst/>
-          </a:prstGeom>
-          <a:noFill/>
-        </p:spPr>
-        <p:txBody>
-          <a:bodyPr wrap="square">
-            <a:spAutoFit/>
-          </a:bodyPr>
-          <a:lstStyle/>
-          <a:p>
-            <a:pPr marL="800100" lvl="1" indent="-342900">
-              <a:buFont typeface="Arial" panose="020B0604020202020204" pitchFamily="34" charset="0"/>
-              <a:buChar char="•"/>
-            </a:pPr>
-            <a:r>
-              <a:rPr lang="es-CO" sz="3200" dirty="0" err="1">
-                <a:solidFill>
-                  <a:schemeClr val="tx1">
-                    <a:lumMod val="65000"/>
-                    <a:lumOff val="35000"/>
-                  </a:schemeClr>
-                </a:solidFill>
-              </a:rPr>
-              <a:t>st.push</a:t>
-            </a:r>
-            <a:r>
-              <a:rPr lang="es-CO" sz="3200" dirty="0">
-                <a:solidFill>
-                  <a:schemeClr val="tx1">
-                    <a:lumMod val="65000"/>
-                    <a:lumOff val="35000"/>
-                  </a:schemeClr>
-                </a:solidFill>
-              </a:rPr>
-              <a:t>(o); //Agrega al tope</a:t>
-            </a:r>
-          </a:p>
-          <a:p>
-            <a:pPr marL="800100" lvl="1" indent="-342900">
-              <a:buFont typeface="Arial" panose="020B0604020202020204" pitchFamily="34" charset="0"/>
-              <a:buChar char="•"/>
-            </a:pPr>
-            <a:r>
-              <a:rPr lang="es-CO" sz="3200" dirty="0" err="1">
-                <a:solidFill>
-                  <a:schemeClr val="tx1">
-                    <a:lumMod val="65000"/>
-                    <a:lumOff val="35000"/>
-                  </a:schemeClr>
-                </a:solidFill>
-              </a:rPr>
-              <a:t>st.pop</a:t>
-            </a:r>
-            <a:r>
-              <a:rPr lang="es-CO" sz="3200" dirty="0">
-                <a:solidFill>
-                  <a:schemeClr val="tx1">
-                    <a:lumMod val="65000"/>
-                    <a:lumOff val="35000"/>
-                  </a:schemeClr>
-                </a:solidFill>
-              </a:rPr>
-              <a:t>(); //borra y retorna el elemento del tope de la pila</a:t>
-            </a:r>
-          </a:p>
-          <a:p>
-            <a:pPr marL="800100" lvl="1" indent="-342900">
-              <a:buFont typeface="Arial" panose="020B0604020202020204" pitchFamily="34" charset="0"/>
-              <a:buChar char="•"/>
-            </a:pPr>
-            <a:r>
-              <a:rPr lang="es-CO" sz="3200" dirty="0" err="1">
-                <a:solidFill>
-                  <a:schemeClr val="tx1">
-                    <a:lumMod val="65000"/>
-                    <a:lumOff val="35000"/>
-                  </a:schemeClr>
-                </a:solidFill>
-              </a:rPr>
-              <a:t>st.peek</a:t>
-            </a:r>
-            <a:r>
-              <a:rPr lang="es-CO" sz="3200" dirty="0">
-                <a:solidFill>
-                  <a:schemeClr val="tx1">
-                    <a:lumMod val="65000"/>
-                    <a:lumOff val="35000"/>
-                  </a:schemeClr>
-                </a:solidFill>
-              </a:rPr>
-              <a:t>(); //Consulta el elemento en el tope de la pila</a:t>
-            </a:r>
-          </a:p>
-          <a:p>
-            <a:pPr marL="800100" lvl="1" indent="-342900">
-              <a:buFont typeface="Arial" panose="020B0604020202020204" pitchFamily="34" charset="0"/>
-              <a:buChar char="•"/>
-            </a:pPr>
-            <a:r>
-              <a:rPr lang="es-CO" sz="3200" dirty="0" err="1">
-                <a:solidFill>
-                  <a:schemeClr val="tx1">
-                    <a:lumMod val="65000"/>
-                    <a:lumOff val="35000"/>
-                  </a:schemeClr>
-                </a:solidFill>
-              </a:rPr>
-              <a:t>st.empty</a:t>
-            </a:r>
-            <a:r>
-              <a:rPr lang="es-CO" sz="3200" dirty="0">
-                <a:solidFill>
-                  <a:schemeClr val="tx1">
-                    <a:lumMod val="65000"/>
-                    <a:lumOff val="35000"/>
-                  </a:schemeClr>
-                </a:solidFill>
-              </a:rPr>
-              <a:t>(); //valida si la pila se encuentra vacía o no</a:t>
-            </a:r>
-          </a:p>
-          <a:p>
-            <a:pPr marL="800100" lvl="1" indent="-342900">
-              <a:buFont typeface="Arial" panose="020B0604020202020204" pitchFamily="34" charset="0"/>
-              <a:buChar char="•"/>
-            </a:pPr>
-            <a:r>
-              <a:rPr lang="es-CO" sz="3200" dirty="0" err="1">
-                <a:solidFill>
-                  <a:schemeClr val="tx1">
-                    <a:lumMod val="65000"/>
-                    <a:lumOff val="35000"/>
-                  </a:schemeClr>
-                </a:solidFill>
-              </a:rPr>
-              <a:t>st.size</a:t>
-            </a:r>
-            <a:r>
-              <a:rPr lang="es-CO" sz="3200" dirty="0">
-                <a:solidFill>
-                  <a:schemeClr val="tx1">
-                    <a:lumMod val="65000"/>
-                    <a:lumOff val="35000"/>
-                  </a:schemeClr>
-                </a:solidFill>
-              </a:rPr>
-              <a:t>(); //retorna el número de elementos en la pila</a:t>
-            </a:r>
-          </a:p>
-        </p:txBody>
-      </p:sp>
-    </p:spTree>
-    <p:extLst>
-      <p:ext uri="{BB962C8B-B14F-4D97-AF65-F5344CB8AC3E}">
-        <p14:creationId xmlns:p14="http://schemas.microsoft.com/office/powerpoint/2010/main" val="3968604938"/>
-      </p:ext>
-    </p:extLst>
-  </p:cSld>
-  <p:clrMapOvr>
-    <a:masterClrMapping/>
-  </p:clrMapOvr>
-</p:sld>
-</file>
-
-<file path=ppt/slides/slide12.xml><?xml version="1.0" encoding="utf-8"?>
-<p:sld xmlns:a="http://schemas.openxmlformats.org/drawingml/2006/main" xmlns:r="http://schemas.openxmlformats.org/officeDocument/2006/relationships" xmlns:p="http://schemas.openxmlformats.org/presentationml/2006/main">
-  <p:cSld>
-    <p:spTree>
-      <p:nvGrpSpPr>
-        <p:cNvPr id="1" name=""/>
-        <p:cNvGrpSpPr/>
-        <p:nvPr/>
-      </p:nvGrpSpPr>
-      <p:grpSpPr>
-        <a:xfrm>
-          <a:off x="0" y="0"/>
-          <a:ext cx="0" cy="0"/>
-          <a:chOff x="0" y="0"/>
-          <a:chExt cx="0" cy="0"/>
-        </a:xfrm>
-      </p:grpSpPr>
-      <p:pic>
-        <p:nvPicPr>
-          <p:cNvPr id="2" name="Picture 1"/>
-          <p:cNvPicPr>
-            <a:picLocks noChangeAspect="1"/>
-          </p:cNvPicPr>
-          <p:nvPr/>
-        </p:nvPicPr>
-        <p:blipFill>
-          <a:blip r:embed="rId3">
-            <a:extLst>
-              <a:ext uri="{28A0092B-C50C-407E-A947-70E740481C1C}">
-                <a14:useLocalDpi xmlns:a14="http://schemas.microsoft.com/office/drawing/2010/main" val="0"/>
-              </a:ext>
-            </a:extLst>
-          </a:blip>
-          <a:stretch>
-            <a:fillRect/>
-          </a:stretch>
-        </p:blipFill>
-        <p:spPr>
-          <a:xfrm>
-            <a:off x="0" y="0"/>
-            <a:ext cx="9144000" cy="1076325"/>
-          </a:xfrm>
-          <a:prstGeom prst="rect">
-            <a:avLst/>
-          </a:prstGeom>
-        </p:spPr>
-      </p:pic>
-      <p:sp>
-        <p:nvSpPr>
-          <p:cNvPr id="5" name="TextBox 4"/>
-          <p:cNvSpPr txBox="1"/>
-          <p:nvPr/>
-        </p:nvSpPr>
-        <p:spPr>
-          <a:xfrm>
-            <a:off x="602694" y="344382"/>
-            <a:ext cx="4908873" cy="461665"/>
-          </a:xfrm>
-          <a:prstGeom prst="rect">
-            <a:avLst/>
-          </a:prstGeom>
-          <a:noFill/>
-        </p:spPr>
-        <p:txBody>
-          <a:bodyPr wrap="square" rtlCol="0">
-            <a:spAutoFit/>
-          </a:bodyPr>
-          <a:lstStyle/>
-          <a:p>
-            <a:r>
-              <a:rPr lang="es-CO" sz="2400" b="1" dirty="0">
-                <a:solidFill>
-                  <a:schemeClr val="bg1"/>
-                </a:solidFill>
-                <a:latin typeface="Arial" panose="020B0604020202020204" pitchFamily="34" charset="0"/>
-                <a:cs typeface="Arial" panose="020B0604020202020204" pitchFamily="34" charset="0"/>
-              </a:rPr>
-              <a:t>Queue</a:t>
-            </a:r>
-          </a:p>
-        </p:txBody>
-      </p:sp>
-      <p:pic>
-        <p:nvPicPr>
-          <p:cNvPr id="4098" name="Picture 2" descr="Personas, Ciudad, Multitud, Grupo, Línea, De Largo">
-            <a:extLst>
-              <a:ext uri="{FF2B5EF4-FFF2-40B4-BE49-F238E27FC236}">
-                <a16:creationId xmlns:a16="http://schemas.microsoft.com/office/drawing/2014/main" id="{25737008-5F5A-4D79-8084-FA24696BDF4D}"/>
-              </a:ext>
-            </a:extLst>
-          </p:cNvPr>
-          <p:cNvPicPr>
-            <a:picLocks noChangeAspect="1" noChangeArrowheads="1"/>
-          </p:cNvPicPr>
-          <p:nvPr/>
-        </p:nvPicPr>
-        <p:blipFill>
-          <a:blip r:embed="rId4">
-            <a:extLst>
-              <a:ext uri="{28A0092B-C50C-407E-A947-70E740481C1C}">
-                <a14:useLocalDpi xmlns:a14="http://schemas.microsoft.com/office/drawing/2010/main" val="0"/>
-              </a:ext>
-            </a:extLst>
-          </a:blip>
-          <a:srcRect/>
-          <a:stretch>
-            <a:fillRect/>
-          </a:stretch>
-        </p:blipFill>
-        <p:spPr bwMode="auto">
-          <a:xfrm>
-            <a:off x="133165" y="1150398"/>
-            <a:ext cx="3417903" cy="2278602"/>
-          </a:xfrm>
-          <a:prstGeom prst="rect">
-            <a:avLst/>
-          </a:prstGeom>
-          <a:noFill/>
-          <a:extLst>
-            <a:ext uri="{909E8E84-426E-40DD-AFC4-6F175D3DCCD1}">
-              <a14:hiddenFill xmlns:a14="http://schemas.microsoft.com/office/drawing/2010/main">
-                <a:solidFill>
-                  <a:srgbClr val="FFFFFF"/>
-                </a:solidFill>
-              </a14:hiddenFill>
-            </a:ext>
-          </a:extLst>
-        </p:spPr>
-      </p:pic>
-    </p:spTree>
-    <p:extLst>
-      <p:ext uri="{BB962C8B-B14F-4D97-AF65-F5344CB8AC3E}">
-        <p14:creationId xmlns:p14="http://schemas.microsoft.com/office/powerpoint/2010/main" val="1182528906"/>
-      </p:ext>
-    </p:extLst>
-  </p:cSld>
-  <p:clrMapOvr>
-    <a:masterClrMapping/>
-  </p:clrMapOvr>
-</p:sld>
-</file>
-
-<file path=ppt/slides/slide13.xml><?xml version="1.0" encoding="utf-8"?>
-<p:sld xmlns:a="http://schemas.openxmlformats.org/drawingml/2006/main" xmlns:r="http://schemas.openxmlformats.org/officeDocument/2006/relationships" xmlns:p="http://schemas.openxmlformats.org/presentationml/2006/main">
-  <p:cSld>
-    <p:spTree>
-      <p:nvGrpSpPr>
-        <p:cNvPr id="1" name=""/>
-        <p:cNvGrpSpPr/>
-        <p:nvPr/>
-      </p:nvGrpSpPr>
-      <p:grpSpPr>
-        <a:xfrm>
-          <a:off x="0" y="0"/>
-          <a:ext cx="0" cy="0"/>
-          <a:chOff x="0" y="0"/>
-          <a:chExt cx="0" cy="0"/>
-        </a:xfrm>
-      </p:grpSpPr>
-      <p:pic>
-        <p:nvPicPr>
-          <p:cNvPr id="2" name="Picture 1"/>
-          <p:cNvPicPr>
-            <a:picLocks noChangeAspect="1"/>
-          </p:cNvPicPr>
-          <p:nvPr/>
-        </p:nvPicPr>
-        <p:blipFill>
-          <a:blip r:embed="rId3">
-            <a:extLst>
-              <a:ext uri="{28A0092B-C50C-407E-A947-70E740481C1C}">
-                <a14:useLocalDpi xmlns:a14="http://schemas.microsoft.com/office/drawing/2010/main" val="0"/>
-              </a:ext>
-            </a:extLst>
-          </a:blip>
-          <a:stretch>
-            <a:fillRect/>
-          </a:stretch>
-        </p:blipFill>
-        <p:spPr>
-          <a:xfrm>
-            <a:off x="0" y="0"/>
-            <a:ext cx="9144000" cy="1076325"/>
-          </a:xfrm>
-          <a:prstGeom prst="rect">
-            <a:avLst/>
-          </a:prstGeom>
-        </p:spPr>
-      </p:pic>
-      <p:sp>
-        <p:nvSpPr>
-          <p:cNvPr id="5" name="TextBox 4"/>
-          <p:cNvSpPr txBox="1"/>
-          <p:nvPr/>
-        </p:nvSpPr>
-        <p:spPr>
-          <a:xfrm>
-            <a:off x="602694" y="344382"/>
-            <a:ext cx="4908873" cy="461665"/>
-          </a:xfrm>
-          <a:prstGeom prst="rect">
-            <a:avLst/>
-          </a:prstGeom>
-          <a:noFill/>
-        </p:spPr>
-        <p:txBody>
-          <a:bodyPr wrap="square" rtlCol="0">
-            <a:spAutoFit/>
-          </a:bodyPr>
-          <a:lstStyle/>
-          <a:p>
-            <a:r>
-              <a:rPr lang="es-CO" sz="2400" b="1" dirty="0">
-                <a:solidFill>
-                  <a:schemeClr val="bg1"/>
-                </a:solidFill>
-                <a:latin typeface="Arial" panose="020B0604020202020204" pitchFamily="34" charset="0"/>
-                <a:cs typeface="Arial" panose="020B0604020202020204" pitchFamily="34" charset="0"/>
-              </a:rPr>
-              <a:t>Queue</a:t>
-            </a:r>
-          </a:p>
-        </p:txBody>
-      </p:sp>
-      <p:sp>
-        <p:nvSpPr>
-          <p:cNvPr id="3" name="TextBox 2">
-            <a:extLst>
-              <a:ext uri="{FF2B5EF4-FFF2-40B4-BE49-F238E27FC236}">
-                <a16:creationId xmlns:a16="http://schemas.microsoft.com/office/drawing/2014/main" id="{4ACD1D44-C50A-4964-88BB-8EA9D338189A}"/>
-              </a:ext>
-            </a:extLst>
-          </p:cNvPr>
-          <p:cNvSpPr txBox="1"/>
-          <p:nvPr/>
-        </p:nvSpPr>
-        <p:spPr>
-          <a:xfrm>
-            <a:off x="0" y="1535214"/>
-            <a:ext cx="7878073" cy="1200329"/>
-          </a:xfrm>
-          <a:prstGeom prst="rect">
-            <a:avLst/>
-          </a:prstGeom>
-          <a:noFill/>
-        </p:spPr>
-        <p:txBody>
-          <a:bodyPr wrap="square" rtlCol="0">
-            <a:spAutoFit/>
-          </a:bodyPr>
-          <a:lstStyle/>
-          <a:p>
-            <a:pPr marL="800100" lvl="1" indent="-342900">
-              <a:buFont typeface="Arial" panose="020B0604020202020204" pitchFamily="34" charset="0"/>
-              <a:buChar char="•"/>
-            </a:pPr>
-            <a:r>
-              <a:rPr lang="es-CO" sz="2400" dirty="0">
-                <a:solidFill>
-                  <a:schemeClr val="tx1">
-                    <a:lumMod val="65000"/>
-                    <a:lumOff val="35000"/>
-                  </a:schemeClr>
-                </a:solidFill>
-              </a:rPr>
-              <a:t>Son de tamaño dinámico poseen un comportamiento FIFO.</a:t>
-            </a:r>
-          </a:p>
-          <a:p>
-            <a:pPr marL="800100" lvl="1" indent="-342900">
-              <a:buFont typeface="Arial" panose="020B0604020202020204" pitchFamily="34" charset="0"/>
-              <a:buChar char="•"/>
-            </a:pPr>
-            <a:endParaRPr lang="es-CO" sz="2400" dirty="0">
-              <a:solidFill>
-                <a:schemeClr val="tx1">
-                  <a:lumMod val="65000"/>
-                  <a:lumOff val="35000"/>
-                </a:schemeClr>
-              </a:solidFill>
-            </a:endParaRPr>
-          </a:p>
-        </p:txBody>
-      </p:sp>
-      <p:pic>
-        <p:nvPicPr>
-          <p:cNvPr id="4" name="Picture 3">
-            <a:extLst>
-              <a:ext uri="{FF2B5EF4-FFF2-40B4-BE49-F238E27FC236}">
-                <a16:creationId xmlns:a16="http://schemas.microsoft.com/office/drawing/2014/main" id="{73B8C978-F46F-4089-AEC2-3FF15057A998}"/>
-              </a:ext>
-            </a:extLst>
-          </p:cNvPr>
-          <p:cNvPicPr>
-            <a:picLocks noChangeAspect="1"/>
-          </p:cNvPicPr>
-          <p:nvPr/>
-        </p:nvPicPr>
-        <p:blipFill>
-          <a:blip r:embed="rId4"/>
-          <a:stretch>
-            <a:fillRect/>
-          </a:stretch>
-        </p:blipFill>
-        <p:spPr>
-          <a:xfrm>
-            <a:off x="887120" y="2419485"/>
-            <a:ext cx="3419475" cy="723900"/>
-          </a:xfrm>
-          <a:prstGeom prst="rect">
-            <a:avLst/>
-          </a:prstGeom>
-        </p:spPr>
-      </p:pic>
-      <p:pic>
-        <p:nvPicPr>
-          <p:cNvPr id="9" name="Picture 8">
-            <a:extLst>
-              <a:ext uri="{FF2B5EF4-FFF2-40B4-BE49-F238E27FC236}">
-                <a16:creationId xmlns:a16="http://schemas.microsoft.com/office/drawing/2014/main" id="{7E7AB67B-4CE0-4721-A386-5E268F888767}"/>
-              </a:ext>
-            </a:extLst>
-          </p:cNvPr>
-          <p:cNvPicPr>
-            <a:picLocks noChangeAspect="1"/>
-          </p:cNvPicPr>
-          <p:nvPr/>
-        </p:nvPicPr>
-        <p:blipFill>
-          <a:blip r:embed="rId5"/>
-          <a:stretch>
-            <a:fillRect/>
-          </a:stretch>
-        </p:blipFill>
-        <p:spPr>
-          <a:xfrm>
-            <a:off x="887120" y="3808133"/>
-            <a:ext cx="5810250" cy="314325"/>
-          </a:xfrm>
-          <a:prstGeom prst="rect">
-            <a:avLst/>
-          </a:prstGeom>
-        </p:spPr>
-      </p:pic>
-    </p:spTree>
-    <p:extLst>
-      <p:ext uri="{BB962C8B-B14F-4D97-AF65-F5344CB8AC3E}">
-        <p14:creationId xmlns:p14="http://schemas.microsoft.com/office/powerpoint/2010/main" val="1620753620"/>
-      </p:ext>
-    </p:extLst>
-  </p:cSld>
-  <p:clrMapOvr>
-    <a:masterClrMapping/>
-  </p:clrMapOvr>
-</p:sld>
-</file>
-
-<file path=ppt/slides/slide14.xml><?xml version="1.0" encoding="utf-8"?>
-<p:sld xmlns:a="http://schemas.openxmlformats.org/drawingml/2006/main" xmlns:r="http://schemas.openxmlformats.org/officeDocument/2006/relationships" xmlns:p="http://schemas.openxmlformats.org/presentationml/2006/main">
-  <p:cSld>
-    <p:spTree>
-      <p:nvGrpSpPr>
-        <p:cNvPr id="1" name=""/>
-        <p:cNvGrpSpPr/>
-        <p:nvPr/>
-      </p:nvGrpSpPr>
-      <p:grpSpPr>
-        <a:xfrm>
-          <a:off x="0" y="0"/>
-          <a:ext cx="0" cy="0"/>
-          <a:chOff x="0" y="0"/>
-          <a:chExt cx="0" cy="0"/>
-        </a:xfrm>
-      </p:grpSpPr>
-      <p:pic>
-        <p:nvPicPr>
-          <p:cNvPr id="2" name="Picture 1"/>
-          <p:cNvPicPr>
-            <a:picLocks noChangeAspect="1"/>
-          </p:cNvPicPr>
-          <p:nvPr/>
-        </p:nvPicPr>
-        <p:blipFill>
-          <a:blip r:embed="rId3">
-            <a:extLst>
-              <a:ext uri="{28A0092B-C50C-407E-A947-70E740481C1C}">
-                <a14:useLocalDpi xmlns:a14="http://schemas.microsoft.com/office/drawing/2010/main" val="0"/>
-              </a:ext>
-            </a:extLst>
-          </a:blip>
-          <a:stretch>
-            <a:fillRect/>
-          </a:stretch>
-        </p:blipFill>
-        <p:spPr>
-          <a:xfrm>
-            <a:off x="0" y="0"/>
-            <a:ext cx="9144000" cy="1076325"/>
-          </a:xfrm>
-          <a:prstGeom prst="rect">
-            <a:avLst/>
-          </a:prstGeom>
-        </p:spPr>
-      </p:pic>
-      <p:sp>
-        <p:nvSpPr>
-          <p:cNvPr id="5" name="TextBox 4"/>
-          <p:cNvSpPr txBox="1"/>
-          <p:nvPr/>
-        </p:nvSpPr>
-        <p:spPr>
-          <a:xfrm>
-            <a:off x="602694" y="344382"/>
-            <a:ext cx="4908873" cy="461665"/>
-          </a:xfrm>
-          <a:prstGeom prst="rect">
-            <a:avLst/>
-          </a:prstGeom>
-          <a:noFill/>
-        </p:spPr>
-        <p:txBody>
-          <a:bodyPr wrap="square" rtlCol="0">
-            <a:spAutoFit/>
-          </a:bodyPr>
-          <a:lstStyle/>
-          <a:p>
-            <a:r>
-              <a:rPr lang="es-CO" sz="2400" b="1" dirty="0">
-                <a:solidFill>
-                  <a:schemeClr val="bg1"/>
-                </a:solidFill>
-                <a:latin typeface="Arial" panose="020B0604020202020204" pitchFamily="34" charset="0"/>
-                <a:cs typeface="Arial" panose="020B0604020202020204" pitchFamily="34" charset="0"/>
-              </a:rPr>
-              <a:t>Queue</a:t>
-            </a:r>
-          </a:p>
-        </p:txBody>
-      </p:sp>
-      <p:sp>
-        <p:nvSpPr>
-          <p:cNvPr id="3" name="TextBox 2">
-            <a:extLst>
-              <a:ext uri="{FF2B5EF4-FFF2-40B4-BE49-F238E27FC236}">
-                <a16:creationId xmlns:a16="http://schemas.microsoft.com/office/drawing/2014/main" id="{4ACD1D44-C50A-4964-88BB-8EA9D338189A}"/>
-              </a:ext>
-            </a:extLst>
-          </p:cNvPr>
-          <p:cNvSpPr txBox="1"/>
-          <p:nvPr/>
-        </p:nvSpPr>
-        <p:spPr>
-          <a:xfrm>
-            <a:off x="0" y="1535214"/>
-            <a:ext cx="7878073" cy="830997"/>
-          </a:xfrm>
-          <a:prstGeom prst="rect">
-            <a:avLst/>
-          </a:prstGeom>
-          <a:noFill/>
-        </p:spPr>
-        <p:txBody>
-          <a:bodyPr wrap="square" rtlCol="0">
-            <a:spAutoFit/>
-          </a:bodyPr>
-          <a:lstStyle/>
-          <a:p>
-            <a:pPr marL="800100" lvl="1" indent="-342900">
-              <a:buFont typeface="Arial" panose="020B0604020202020204" pitchFamily="34" charset="0"/>
-              <a:buChar char="•"/>
-            </a:pPr>
-            <a:r>
-              <a:rPr lang="es-CO" sz="2400" dirty="0">
-                <a:solidFill>
-                  <a:schemeClr val="tx1">
-                    <a:lumMod val="65000"/>
-                    <a:lumOff val="35000"/>
-                  </a:schemeClr>
-                </a:solidFill>
-              </a:rPr>
-              <a:t>Sus métodos principales son:</a:t>
-            </a:r>
-          </a:p>
-          <a:p>
-            <a:pPr marL="800100" lvl="1" indent="-342900">
-              <a:buFont typeface="Arial" panose="020B0604020202020204" pitchFamily="34" charset="0"/>
-              <a:buChar char="•"/>
-            </a:pPr>
-            <a:endParaRPr lang="es-CO" sz="2400" dirty="0">
-              <a:solidFill>
-                <a:schemeClr val="tx1">
-                  <a:lumMod val="65000"/>
-                  <a:lumOff val="35000"/>
-                </a:schemeClr>
-              </a:solidFill>
-            </a:endParaRPr>
-          </a:p>
-        </p:txBody>
-      </p:sp>
-      <p:sp>
-        <p:nvSpPr>
-          <p:cNvPr id="9" name="TextBox 8">
-            <a:extLst>
-              <a:ext uri="{FF2B5EF4-FFF2-40B4-BE49-F238E27FC236}">
-                <a16:creationId xmlns:a16="http://schemas.microsoft.com/office/drawing/2014/main" id="{F0B283BE-4B9F-4100-88EF-29A80536E42F}"/>
-              </a:ext>
-            </a:extLst>
-          </p:cNvPr>
-          <p:cNvSpPr txBox="1"/>
-          <p:nvPr/>
-        </p:nvSpPr>
-        <p:spPr>
-          <a:xfrm>
-            <a:off x="248575" y="2069367"/>
-            <a:ext cx="8699257" cy="3539430"/>
-          </a:xfrm>
-          <a:prstGeom prst="rect">
-            <a:avLst/>
-          </a:prstGeom>
-          <a:noFill/>
-        </p:spPr>
-        <p:txBody>
-          <a:bodyPr wrap="square">
-            <a:spAutoFit/>
-          </a:bodyPr>
-          <a:lstStyle/>
-          <a:p>
-            <a:pPr marL="800100" lvl="1" indent="-342900">
-              <a:buFont typeface="Arial" panose="020B0604020202020204" pitchFamily="34" charset="0"/>
-              <a:buChar char="•"/>
-            </a:pPr>
-            <a:r>
-              <a:rPr lang="es-CO" sz="2800" dirty="0" err="1">
-                <a:solidFill>
-                  <a:schemeClr val="tx1">
-                    <a:lumMod val="65000"/>
-                    <a:lumOff val="35000"/>
-                  </a:schemeClr>
-                </a:solidFill>
-              </a:rPr>
-              <a:t>add</a:t>
-            </a:r>
-            <a:r>
-              <a:rPr lang="es-CO" sz="2800" dirty="0">
-                <a:solidFill>
-                  <a:schemeClr val="tx1">
-                    <a:lumMod val="65000"/>
-                    <a:lumOff val="35000"/>
-                  </a:schemeClr>
-                </a:solidFill>
-              </a:rPr>
-              <a:t>(data): Añade el valor data al final de la Cola.</a:t>
-            </a:r>
-          </a:p>
-          <a:p>
-            <a:pPr marL="800100" lvl="1" indent="-342900">
-              <a:buFont typeface="Arial" panose="020B0604020202020204" pitchFamily="34" charset="0"/>
-              <a:buChar char="•"/>
-            </a:pPr>
-            <a:r>
-              <a:rPr lang="es-CO" sz="2800" dirty="0" err="1">
-                <a:solidFill>
-                  <a:schemeClr val="tx1">
-                    <a:lumMod val="65000"/>
-                    <a:lumOff val="35000"/>
-                  </a:schemeClr>
-                </a:solidFill>
-              </a:rPr>
-              <a:t>peek</a:t>
-            </a:r>
-            <a:r>
-              <a:rPr lang="es-CO" sz="2800" dirty="0">
-                <a:solidFill>
-                  <a:schemeClr val="tx1">
-                    <a:lumMod val="65000"/>
-                    <a:lumOff val="35000"/>
-                  </a:schemeClr>
-                </a:solidFill>
-              </a:rPr>
-              <a:t>( ): Retorna el elemento del inicio de la Cola.</a:t>
-            </a:r>
-          </a:p>
-          <a:p>
-            <a:pPr marL="800100" lvl="1" indent="-342900">
-              <a:buFont typeface="Arial" panose="020B0604020202020204" pitchFamily="34" charset="0"/>
-              <a:buChar char="•"/>
-            </a:pPr>
-            <a:r>
-              <a:rPr lang="es-CO" sz="2800" dirty="0" err="1">
-                <a:solidFill>
-                  <a:schemeClr val="tx1">
-                    <a:lumMod val="65000"/>
-                    <a:lumOff val="35000"/>
-                  </a:schemeClr>
-                </a:solidFill>
-              </a:rPr>
-              <a:t>poll</a:t>
-            </a:r>
-            <a:r>
-              <a:rPr lang="es-CO" sz="2800" dirty="0">
-                <a:solidFill>
-                  <a:schemeClr val="tx1">
-                    <a:lumMod val="65000"/>
-                    <a:lumOff val="35000"/>
-                  </a:schemeClr>
-                </a:solidFill>
-              </a:rPr>
-              <a:t>( ): Retorna y elimina el elemento del inicio de la Cola.</a:t>
-            </a:r>
-          </a:p>
-          <a:p>
-            <a:pPr marL="800100" lvl="1" indent="-342900">
-              <a:buFont typeface="Arial" panose="020B0604020202020204" pitchFamily="34" charset="0"/>
-              <a:buChar char="•"/>
-            </a:pPr>
-            <a:r>
-              <a:rPr lang="es-CO" sz="2800" dirty="0" err="1">
-                <a:solidFill>
-                  <a:schemeClr val="tx1">
-                    <a:lumMod val="65000"/>
-                    <a:lumOff val="35000"/>
-                  </a:schemeClr>
-                </a:solidFill>
-              </a:rPr>
-              <a:t>size</a:t>
-            </a:r>
-            <a:r>
-              <a:rPr lang="es-CO" sz="2800" dirty="0">
-                <a:solidFill>
-                  <a:schemeClr val="tx1">
-                    <a:lumMod val="65000"/>
-                    <a:lumOff val="35000"/>
-                  </a:schemeClr>
-                </a:solidFill>
-              </a:rPr>
-              <a:t>( ): Retorna la cantidad de elementos que se encuentran en la Cola.</a:t>
-            </a:r>
-          </a:p>
-          <a:p>
-            <a:pPr marL="800100" lvl="1" indent="-342900">
-              <a:buFont typeface="Arial" panose="020B0604020202020204" pitchFamily="34" charset="0"/>
-              <a:buChar char="•"/>
-            </a:pPr>
-            <a:r>
-              <a:rPr lang="es-CO" sz="2800" dirty="0" err="1">
-                <a:solidFill>
-                  <a:schemeClr val="tx1">
-                    <a:lumMod val="65000"/>
-                    <a:lumOff val="35000"/>
-                  </a:schemeClr>
-                </a:solidFill>
-              </a:rPr>
-              <a:t>isEmpty</a:t>
-            </a:r>
-            <a:r>
-              <a:rPr lang="es-CO" sz="2800" dirty="0">
-                <a:solidFill>
-                  <a:schemeClr val="tx1">
-                    <a:lumMod val="65000"/>
-                    <a:lumOff val="35000"/>
-                  </a:schemeClr>
-                </a:solidFill>
-              </a:rPr>
-              <a:t>( ): Retorna un </a:t>
-            </a:r>
-            <a:r>
-              <a:rPr lang="es-CO" sz="2800" dirty="0" err="1">
-                <a:solidFill>
-                  <a:schemeClr val="tx1">
-                    <a:lumMod val="65000"/>
-                    <a:lumOff val="35000"/>
-                  </a:schemeClr>
-                </a:solidFill>
-              </a:rPr>
-              <a:t>boolean</a:t>
-            </a:r>
-            <a:r>
-              <a:rPr lang="es-CO" sz="2800" dirty="0">
-                <a:solidFill>
-                  <a:schemeClr val="tx1">
-                    <a:lumMod val="65000"/>
-                    <a:lumOff val="35000"/>
-                  </a:schemeClr>
-                </a:solidFill>
-              </a:rPr>
-              <a:t> que indica si la Cola se encuentra </a:t>
-            </a:r>
-            <a:r>
-              <a:rPr lang="es-CO" sz="2800" dirty="0" err="1">
-                <a:solidFill>
-                  <a:schemeClr val="tx1">
-                    <a:lumMod val="65000"/>
-                    <a:lumOff val="35000"/>
-                  </a:schemeClr>
-                </a:solidFill>
-              </a:rPr>
-              <a:t>vacia</a:t>
-            </a:r>
-            <a:r>
-              <a:rPr lang="es-CO" sz="2800" dirty="0">
-                <a:solidFill>
-                  <a:schemeClr val="tx1">
-                    <a:lumMod val="65000"/>
-                    <a:lumOff val="35000"/>
-                  </a:schemeClr>
-                </a:solidFill>
-              </a:rPr>
-              <a:t>.</a:t>
-            </a:r>
-          </a:p>
-        </p:txBody>
-      </p:sp>
-    </p:spTree>
-    <p:extLst>
-      <p:ext uri="{BB962C8B-B14F-4D97-AF65-F5344CB8AC3E}">
-        <p14:creationId xmlns:p14="http://schemas.microsoft.com/office/powerpoint/2010/main" val="4048624531"/>
-      </p:ext>
-    </p:extLst>
-  </p:cSld>
-  <p:clrMapOvr>
-    <a:masterClrMapping/>
-  </p:clrMapOvr>
-</p:sld>
-</file>
-
-<file path=ppt/slides/slide15.xml><?xml version="1.0" encoding="utf-8"?>
-<p:sld xmlns:a="http://schemas.openxmlformats.org/drawingml/2006/main" xmlns:r="http://schemas.openxmlformats.org/officeDocument/2006/relationships" xmlns:p="http://schemas.openxmlformats.org/presentationml/2006/main">
-  <p:cSld>
-    <p:spTree>
-      <p:nvGrpSpPr>
-        <p:cNvPr id="1" name=""/>
-        <p:cNvGrpSpPr/>
-        <p:nvPr/>
-      </p:nvGrpSpPr>
-      <p:grpSpPr>
-        <a:xfrm>
-          <a:off x="0" y="0"/>
-          <a:ext cx="0" cy="0"/>
-          <a:chOff x="0" y="0"/>
-          <a:chExt cx="0" cy="0"/>
-        </a:xfrm>
-      </p:grpSpPr>
-      <p:pic>
-        <p:nvPicPr>
-          <p:cNvPr id="2" name="Picture 1"/>
-          <p:cNvPicPr>
-            <a:picLocks noChangeAspect="1"/>
-          </p:cNvPicPr>
-          <p:nvPr/>
-        </p:nvPicPr>
-        <p:blipFill>
-          <a:blip r:embed="rId3">
-            <a:extLst>
-              <a:ext uri="{28A0092B-C50C-407E-A947-70E740481C1C}">
-                <a14:useLocalDpi xmlns:a14="http://schemas.microsoft.com/office/drawing/2010/main" val="0"/>
-              </a:ext>
-            </a:extLst>
-          </a:blip>
-          <a:stretch>
-            <a:fillRect/>
-          </a:stretch>
-        </p:blipFill>
-        <p:spPr>
-          <a:xfrm>
-            <a:off x="0" y="0"/>
-            <a:ext cx="9144000" cy="1076325"/>
-          </a:xfrm>
-          <a:prstGeom prst="rect">
-            <a:avLst/>
-          </a:prstGeom>
-        </p:spPr>
-      </p:pic>
-      <p:sp>
-        <p:nvSpPr>
-          <p:cNvPr id="5" name="TextBox 4"/>
-          <p:cNvSpPr txBox="1"/>
-          <p:nvPr/>
-        </p:nvSpPr>
-        <p:spPr>
-          <a:xfrm>
-            <a:off x="602694" y="344382"/>
-            <a:ext cx="4908873" cy="461665"/>
-          </a:xfrm>
-          <a:prstGeom prst="rect">
-            <a:avLst/>
-          </a:prstGeom>
-          <a:noFill/>
-        </p:spPr>
-        <p:txBody>
-          <a:bodyPr wrap="square" rtlCol="0">
-            <a:spAutoFit/>
-          </a:bodyPr>
-          <a:lstStyle/>
-          <a:p>
-            <a:r>
-              <a:rPr lang="es-CO" sz="2400" b="1" dirty="0">
-                <a:solidFill>
-                  <a:schemeClr val="bg1"/>
-                </a:solidFill>
-                <a:latin typeface="Arial" panose="020B0604020202020204" pitchFamily="34" charset="0"/>
-                <a:cs typeface="Arial" panose="020B0604020202020204" pitchFamily="34" charset="0"/>
-              </a:rPr>
-              <a:t>PriorityQueue</a:t>
-            </a:r>
-          </a:p>
-        </p:txBody>
-      </p:sp>
-      <p:pic>
-        <p:nvPicPr>
-          <p:cNvPr id="3" name="Picture 2" descr="Cómo colarse en cualquier sitio | bejar.biz">
-            <a:extLst>
-              <a:ext uri="{FF2B5EF4-FFF2-40B4-BE49-F238E27FC236}">
-                <a16:creationId xmlns:a16="http://schemas.microsoft.com/office/drawing/2014/main" id="{13E7F805-414E-4A6E-9A1D-4FBD82984E7B}"/>
-              </a:ext>
-            </a:extLst>
-          </p:cNvPr>
-          <p:cNvPicPr>
-            <a:picLocks noChangeAspect="1" noChangeArrowheads="1"/>
-          </p:cNvPicPr>
-          <p:nvPr/>
-        </p:nvPicPr>
-        <p:blipFill>
-          <a:blip r:embed="rId4">
-            <a:extLst>
-              <a:ext uri="{28A0092B-C50C-407E-A947-70E740481C1C}">
-                <a14:useLocalDpi xmlns:a14="http://schemas.microsoft.com/office/drawing/2010/main" val="0"/>
-              </a:ext>
-            </a:extLst>
-          </a:blip>
-          <a:srcRect/>
-          <a:stretch>
-            <a:fillRect/>
-          </a:stretch>
-        </p:blipFill>
-        <p:spPr bwMode="auto">
-          <a:xfrm>
-            <a:off x="171886" y="1150429"/>
-            <a:ext cx="2743200" cy="2057400"/>
-          </a:xfrm>
-          <a:prstGeom prst="rect">
-            <a:avLst/>
-          </a:prstGeom>
-          <a:noFill/>
-          <a:extLst>
-            <a:ext uri="{909E8E84-426E-40DD-AFC4-6F175D3DCCD1}">
-              <a14:hiddenFill xmlns:a14="http://schemas.microsoft.com/office/drawing/2010/main">
-                <a:solidFill>
-                  <a:srgbClr val="FFFFFF"/>
-                </a:solidFill>
-              </a14:hiddenFill>
-            </a:ext>
-          </a:extLst>
-        </p:spPr>
-      </p:pic>
-      <p:sp>
-        <p:nvSpPr>
-          <p:cNvPr id="4" name="TextBox 3">
-            <a:extLst>
-              <a:ext uri="{FF2B5EF4-FFF2-40B4-BE49-F238E27FC236}">
-                <a16:creationId xmlns:a16="http://schemas.microsoft.com/office/drawing/2014/main" id="{D6D4A077-6C87-4F69-BF3B-CCCD7FD6656E}"/>
-              </a:ext>
-            </a:extLst>
-          </p:cNvPr>
-          <p:cNvSpPr txBox="1"/>
-          <p:nvPr/>
-        </p:nvSpPr>
-        <p:spPr>
-          <a:xfrm>
-            <a:off x="359545" y="4092326"/>
-            <a:ext cx="4572000" cy="2031325"/>
-          </a:xfrm>
-          <a:prstGeom prst="rect">
-            <a:avLst/>
-          </a:prstGeom>
-          <a:noFill/>
-        </p:spPr>
-        <p:txBody>
-          <a:bodyPr wrap="square">
-            <a:spAutoFit/>
-          </a:bodyPr>
-          <a:lstStyle/>
-          <a:p>
-            <a:r>
-              <a:rPr lang="es-CO" b="0" i="0" dirty="0">
-                <a:solidFill>
-                  <a:srgbClr val="222222"/>
-                </a:solidFill>
-                <a:effectLst/>
-                <a:latin typeface="Source Sans Pro" panose="020B0503030403020204" pitchFamily="34" charset="0"/>
-              </a:rPr>
-              <a:t>Una cola de prioridad al igual que una cola solo permite acceder al elemento que se encuentra al inicio de la estructura, pero al momento de realizar la inserción la cola toma en cuenta la prioridad asociada al elemento para ordenar todos los datos existentes en la cola.</a:t>
-            </a:r>
-            <a:endParaRPr lang="en-GB" dirty="0"/>
-          </a:p>
-        </p:txBody>
-      </p:sp>
-    </p:spTree>
-    <p:extLst>
-      <p:ext uri="{BB962C8B-B14F-4D97-AF65-F5344CB8AC3E}">
-        <p14:creationId xmlns:p14="http://schemas.microsoft.com/office/powerpoint/2010/main" val="1586449590"/>
-      </p:ext>
-    </p:extLst>
-  </p:cSld>
-  <p:clrMapOvr>
-    <a:masterClrMapping/>
-  </p:clrMapOvr>
-</p:sld>
-</file>
-
-<file path=ppt/slides/slide16.xml><?xml version="1.0" encoding="utf-8"?>
-<p:sld xmlns:a="http://schemas.openxmlformats.org/drawingml/2006/main" xmlns:r="http://schemas.openxmlformats.org/officeDocument/2006/relationships" xmlns:p="http://schemas.openxmlformats.org/presentationml/2006/main">
-  <p:cSld>
-    <p:spTree>
-      <p:nvGrpSpPr>
-        <p:cNvPr id="1" name=""/>
-        <p:cNvGrpSpPr/>
-        <p:nvPr/>
-      </p:nvGrpSpPr>
-      <p:grpSpPr>
-        <a:xfrm>
-          <a:off x="0" y="0"/>
-          <a:ext cx="0" cy="0"/>
-          <a:chOff x="0" y="0"/>
-          <a:chExt cx="0" cy="0"/>
-        </a:xfrm>
-      </p:grpSpPr>
-      <p:pic>
-        <p:nvPicPr>
-          <p:cNvPr id="2" name="Picture 1"/>
-          <p:cNvPicPr>
-            <a:picLocks noChangeAspect="1"/>
-          </p:cNvPicPr>
-          <p:nvPr/>
-        </p:nvPicPr>
-        <p:blipFill>
-          <a:blip r:embed="rId3">
-            <a:extLst>
-              <a:ext uri="{28A0092B-C50C-407E-A947-70E740481C1C}">
-                <a14:useLocalDpi xmlns:a14="http://schemas.microsoft.com/office/drawing/2010/main" val="0"/>
-              </a:ext>
-            </a:extLst>
-          </a:blip>
-          <a:stretch>
-            <a:fillRect/>
-          </a:stretch>
-        </p:blipFill>
-        <p:spPr>
-          <a:xfrm>
-            <a:off x="0" y="0"/>
-            <a:ext cx="9144000" cy="1076325"/>
-          </a:xfrm>
-          <a:prstGeom prst="rect">
-            <a:avLst/>
-          </a:prstGeom>
-        </p:spPr>
-      </p:pic>
-      <p:sp>
-        <p:nvSpPr>
-          <p:cNvPr id="5" name="TextBox 4"/>
-          <p:cNvSpPr txBox="1"/>
-          <p:nvPr/>
-        </p:nvSpPr>
-        <p:spPr>
-          <a:xfrm>
-            <a:off x="602694" y="344382"/>
-            <a:ext cx="4908873" cy="461665"/>
-          </a:xfrm>
-          <a:prstGeom prst="rect">
-            <a:avLst/>
-          </a:prstGeom>
-          <a:noFill/>
-        </p:spPr>
-        <p:txBody>
-          <a:bodyPr wrap="square" rtlCol="0">
-            <a:spAutoFit/>
-          </a:bodyPr>
-          <a:lstStyle/>
-          <a:p>
-            <a:r>
-              <a:rPr lang="es-CO" sz="2400" b="1" dirty="0">
-                <a:solidFill>
-                  <a:schemeClr val="bg1"/>
-                </a:solidFill>
-                <a:latin typeface="Arial" panose="020B0604020202020204" pitchFamily="34" charset="0"/>
-                <a:cs typeface="Arial" panose="020B0604020202020204" pitchFamily="34" charset="0"/>
-              </a:rPr>
-              <a:t>PriorityQueue</a:t>
-            </a:r>
-          </a:p>
-        </p:txBody>
-      </p:sp>
-      <p:sp>
-        <p:nvSpPr>
-          <p:cNvPr id="3" name="TextBox 2">
-            <a:extLst>
-              <a:ext uri="{FF2B5EF4-FFF2-40B4-BE49-F238E27FC236}">
-                <a16:creationId xmlns:a16="http://schemas.microsoft.com/office/drawing/2014/main" id="{4ACD1D44-C50A-4964-88BB-8EA9D338189A}"/>
-              </a:ext>
-            </a:extLst>
-          </p:cNvPr>
-          <p:cNvSpPr txBox="1"/>
-          <p:nvPr/>
-        </p:nvSpPr>
-        <p:spPr>
-          <a:xfrm>
-            <a:off x="115410" y="1204572"/>
-            <a:ext cx="7878073" cy="1200329"/>
-          </a:xfrm>
-          <a:prstGeom prst="rect">
-            <a:avLst/>
-          </a:prstGeom>
-          <a:noFill/>
-        </p:spPr>
-        <p:txBody>
-          <a:bodyPr wrap="square" rtlCol="0">
-            <a:spAutoFit/>
-          </a:bodyPr>
-          <a:lstStyle/>
-          <a:p>
-            <a:pPr marL="800100" lvl="1" indent="-342900">
-              <a:buFont typeface="Arial" panose="020B0604020202020204" pitchFamily="34" charset="0"/>
-              <a:buChar char="•"/>
-            </a:pPr>
-            <a:r>
-              <a:rPr lang="es-CO" sz="2400" dirty="0">
-                <a:solidFill>
-                  <a:schemeClr val="tx1">
-                    <a:lumMod val="65000"/>
-                    <a:lumOff val="35000"/>
-                  </a:schemeClr>
-                </a:solidFill>
-              </a:rPr>
-              <a:t>Son de tamaño dinámico su comportamiento depende del orden del elemento que se va  agregar.</a:t>
-            </a:r>
-          </a:p>
-          <a:p>
-            <a:pPr marL="800100" lvl="1" indent="-342900">
-              <a:buFont typeface="Arial" panose="020B0604020202020204" pitchFamily="34" charset="0"/>
-              <a:buChar char="•"/>
-            </a:pPr>
-            <a:endParaRPr lang="es-CO" sz="2400" dirty="0">
-              <a:solidFill>
-                <a:schemeClr val="tx1">
-                  <a:lumMod val="65000"/>
-                  <a:lumOff val="35000"/>
-                </a:schemeClr>
-              </a:solidFill>
-            </a:endParaRPr>
-          </a:p>
-        </p:txBody>
-      </p:sp>
-      <p:pic>
-        <p:nvPicPr>
-          <p:cNvPr id="6" name="Picture 5">
-            <a:extLst>
-              <a:ext uri="{FF2B5EF4-FFF2-40B4-BE49-F238E27FC236}">
-                <a16:creationId xmlns:a16="http://schemas.microsoft.com/office/drawing/2014/main" id="{CA571878-8BCC-48C1-AE94-FD09FDF746BA}"/>
-              </a:ext>
-            </a:extLst>
-          </p:cNvPr>
-          <p:cNvPicPr>
-            <a:picLocks noChangeAspect="1"/>
-          </p:cNvPicPr>
-          <p:nvPr/>
-        </p:nvPicPr>
-        <p:blipFill>
-          <a:blip r:embed="rId4"/>
-          <a:stretch>
-            <a:fillRect/>
-          </a:stretch>
-        </p:blipFill>
-        <p:spPr>
-          <a:xfrm>
-            <a:off x="887120" y="2405524"/>
-            <a:ext cx="3952875" cy="466725"/>
-          </a:xfrm>
-          <a:prstGeom prst="rect">
-            <a:avLst/>
-          </a:prstGeom>
-        </p:spPr>
-      </p:pic>
-      <p:pic>
-        <p:nvPicPr>
-          <p:cNvPr id="7" name="Picture 6">
-            <a:extLst>
-              <a:ext uri="{FF2B5EF4-FFF2-40B4-BE49-F238E27FC236}">
-                <a16:creationId xmlns:a16="http://schemas.microsoft.com/office/drawing/2014/main" id="{423604EB-D9EA-4A27-8490-67C81036BEF4}"/>
-              </a:ext>
-            </a:extLst>
-          </p:cNvPr>
-          <p:cNvPicPr>
-            <a:picLocks noChangeAspect="1"/>
-          </p:cNvPicPr>
-          <p:nvPr/>
-        </p:nvPicPr>
-        <p:blipFill>
-          <a:blip r:embed="rId5"/>
-          <a:stretch>
-            <a:fillRect/>
-          </a:stretch>
-        </p:blipFill>
-        <p:spPr>
-          <a:xfrm>
-            <a:off x="887120" y="3076575"/>
-            <a:ext cx="7172325" cy="352425"/>
-          </a:xfrm>
-          <a:prstGeom prst="rect">
-            <a:avLst/>
-          </a:prstGeom>
-        </p:spPr>
-      </p:pic>
-    </p:spTree>
-    <p:extLst>
-      <p:ext uri="{BB962C8B-B14F-4D97-AF65-F5344CB8AC3E}">
-        <p14:creationId xmlns:p14="http://schemas.microsoft.com/office/powerpoint/2010/main" val="1744264630"/>
-      </p:ext>
-    </p:extLst>
-  </p:cSld>
-  <p:clrMapOvr>
-    <a:masterClrMapping/>
-  </p:clrMapOvr>
-</p:sld>
-</file>
-
-<file path=ppt/slides/slide17.xml><?xml version="1.0" encoding="utf-8"?>
-<p:sld xmlns:a="http://schemas.openxmlformats.org/drawingml/2006/main" xmlns:r="http://schemas.openxmlformats.org/officeDocument/2006/relationships" xmlns:p="http://schemas.openxmlformats.org/presentationml/2006/main">
-  <p:cSld>
-    <p:spTree>
-      <p:nvGrpSpPr>
-        <p:cNvPr id="1" name=""/>
-        <p:cNvGrpSpPr/>
-        <p:nvPr/>
-      </p:nvGrpSpPr>
-      <p:grpSpPr>
-        <a:xfrm>
-          <a:off x="0" y="0"/>
-          <a:ext cx="0" cy="0"/>
-          <a:chOff x="0" y="0"/>
-          <a:chExt cx="0" cy="0"/>
-        </a:xfrm>
-      </p:grpSpPr>
-      <p:pic>
-        <p:nvPicPr>
-          <p:cNvPr id="2" name="Picture 1"/>
-          <p:cNvPicPr>
-            <a:picLocks noChangeAspect="1"/>
-          </p:cNvPicPr>
-          <p:nvPr/>
-        </p:nvPicPr>
-        <p:blipFill>
-          <a:blip r:embed="rId3">
-            <a:extLst>
-              <a:ext uri="{28A0092B-C50C-407E-A947-70E740481C1C}">
-                <a14:useLocalDpi xmlns:a14="http://schemas.microsoft.com/office/drawing/2010/main" val="0"/>
-              </a:ext>
-            </a:extLst>
-          </a:blip>
-          <a:stretch>
-            <a:fillRect/>
-          </a:stretch>
-        </p:blipFill>
-        <p:spPr>
-          <a:xfrm>
-            <a:off x="0" y="0"/>
-            <a:ext cx="9144000" cy="1076325"/>
-          </a:xfrm>
-          <a:prstGeom prst="rect">
-            <a:avLst/>
-          </a:prstGeom>
-        </p:spPr>
-      </p:pic>
-      <p:sp>
-        <p:nvSpPr>
-          <p:cNvPr id="5" name="TextBox 4"/>
-          <p:cNvSpPr txBox="1"/>
-          <p:nvPr/>
-        </p:nvSpPr>
-        <p:spPr>
-          <a:xfrm>
-            <a:off x="602694" y="344382"/>
-            <a:ext cx="4908873" cy="461665"/>
-          </a:xfrm>
-          <a:prstGeom prst="rect">
-            <a:avLst/>
-          </a:prstGeom>
-          <a:noFill/>
-        </p:spPr>
-        <p:txBody>
-          <a:bodyPr wrap="square" rtlCol="0">
-            <a:spAutoFit/>
-          </a:bodyPr>
-          <a:lstStyle/>
-          <a:p>
-            <a:r>
-              <a:rPr lang="es-CO" sz="2400" b="1" dirty="0">
-                <a:solidFill>
-                  <a:schemeClr val="bg1"/>
-                </a:solidFill>
-                <a:latin typeface="Arial" panose="020B0604020202020204" pitchFamily="34" charset="0"/>
-                <a:cs typeface="Arial" panose="020B0604020202020204" pitchFamily="34" charset="0"/>
-              </a:rPr>
-              <a:t>PriorityQueue</a:t>
-            </a:r>
-          </a:p>
-        </p:txBody>
-      </p:sp>
-      <p:sp>
-        <p:nvSpPr>
-          <p:cNvPr id="3" name="TextBox 2">
-            <a:extLst>
-              <a:ext uri="{FF2B5EF4-FFF2-40B4-BE49-F238E27FC236}">
-                <a16:creationId xmlns:a16="http://schemas.microsoft.com/office/drawing/2014/main" id="{4ACD1D44-C50A-4964-88BB-8EA9D338189A}"/>
-              </a:ext>
-            </a:extLst>
-          </p:cNvPr>
-          <p:cNvSpPr txBox="1"/>
-          <p:nvPr/>
-        </p:nvSpPr>
-        <p:spPr>
-          <a:xfrm>
-            <a:off x="0" y="1535214"/>
-            <a:ext cx="7878073" cy="830997"/>
-          </a:xfrm>
-          <a:prstGeom prst="rect">
-            <a:avLst/>
-          </a:prstGeom>
-          <a:noFill/>
-        </p:spPr>
-        <p:txBody>
-          <a:bodyPr wrap="square" rtlCol="0">
-            <a:spAutoFit/>
-          </a:bodyPr>
-          <a:lstStyle/>
-          <a:p>
-            <a:pPr marL="800100" lvl="1" indent="-342900">
-              <a:buFont typeface="Arial" panose="020B0604020202020204" pitchFamily="34" charset="0"/>
-              <a:buChar char="•"/>
-            </a:pPr>
-            <a:r>
-              <a:rPr lang="es-CO" sz="2400" dirty="0">
-                <a:solidFill>
-                  <a:schemeClr val="tx1">
-                    <a:lumMod val="65000"/>
-                    <a:lumOff val="35000"/>
-                  </a:schemeClr>
-                </a:solidFill>
-              </a:rPr>
-              <a:t>Sus métodos principales son:</a:t>
-            </a:r>
-          </a:p>
-          <a:p>
-            <a:pPr marL="800100" lvl="1" indent="-342900">
-              <a:buFont typeface="Arial" panose="020B0604020202020204" pitchFamily="34" charset="0"/>
-              <a:buChar char="•"/>
-            </a:pPr>
-            <a:endParaRPr lang="es-CO" sz="2400" dirty="0">
-              <a:solidFill>
-                <a:schemeClr val="tx1">
-                  <a:lumMod val="65000"/>
-                  <a:lumOff val="35000"/>
-                </a:schemeClr>
-              </a:solidFill>
-            </a:endParaRPr>
-          </a:p>
-        </p:txBody>
-      </p:sp>
-      <p:sp>
-        <p:nvSpPr>
-          <p:cNvPr id="9" name="TextBox 8">
-            <a:extLst>
-              <a:ext uri="{FF2B5EF4-FFF2-40B4-BE49-F238E27FC236}">
-                <a16:creationId xmlns:a16="http://schemas.microsoft.com/office/drawing/2014/main" id="{F0B283BE-4B9F-4100-88EF-29A80536E42F}"/>
-              </a:ext>
-            </a:extLst>
-          </p:cNvPr>
-          <p:cNvSpPr txBox="1"/>
-          <p:nvPr/>
-        </p:nvSpPr>
-        <p:spPr>
-          <a:xfrm>
-            <a:off x="248575" y="2069367"/>
-            <a:ext cx="8699257" cy="3539430"/>
-          </a:xfrm>
-          <a:prstGeom prst="rect">
-            <a:avLst/>
-          </a:prstGeom>
-          <a:noFill/>
-        </p:spPr>
-        <p:txBody>
-          <a:bodyPr wrap="square">
-            <a:spAutoFit/>
-          </a:bodyPr>
-          <a:lstStyle/>
-          <a:p>
-            <a:pPr marL="800100" lvl="1" indent="-342900">
-              <a:buFont typeface="Arial" panose="020B0604020202020204" pitchFamily="34" charset="0"/>
-              <a:buChar char="•"/>
-            </a:pPr>
-            <a:r>
-              <a:rPr lang="es-CO" sz="2800" dirty="0" err="1">
-                <a:solidFill>
-                  <a:schemeClr val="tx1">
-                    <a:lumMod val="65000"/>
-                    <a:lumOff val="35000"/>
-                  </a:schemeClr>
-                </a:solidFill>
-              </a:rPr>
-              <a:t>add</a:t>
-            </a:r>
-            <a:r>
-              <a:rPr lang="es-CO" sz="2800" dirty="0">
-                <a:solidFill>
-                  <a:schemeClr val="tx1">
-                    <a:lumMod val="65000"/>
-                    <a:lumOff val="35000"/>
-                  </a:schemeClr>
-                </a:solidFill>
-              </a:rPr>
-              <a:t>(data): Añade el valor data al final de la Cola.</a:t>
-            </a:r>
-          </a:p>
-          <a:p>
-            <a:pPr marL="800100" lvl="1" indent="-342900">
-              <a:buFont typeface="Arial" panose="020B0604020202020204" pitchFamily="34" charset="0"/>
-              <a:buChar char="•"/>
-            </a:pPr>
-            <a:r>
-              <a:rPr lang="es-CO" sz="2800" dirty="0" err="1">
-                <a:solidFill>
-                  <a:schemeClr val="tx1">
-                    <a:lumMod val="65000"/>
-                    <a:lumOff val="35000"/>
-                  </a:schemeClr>
-                </a:solidFill>
-              </a:rPr>
-              <a:t>peek</a:t>
-            </a:r>
-            <a:r>
-              <a:rPr lang="es-CO" sz="2800" dirty="0">
-                <a:solidFill>
-                  <a:schemeClr val="tx1">
-                    <a:lumMod val="65000"/>
-                    <a:lumOff val="35000"/>
-                  </a:schemeClr>
-                </a:solidFill>
-              </a:rPr>
-              <a:t>( ): Retorna el elemento del inicio de la Cola.</a:t>
-            </a:r>
-          </a:p>
-          <a:p>
-            <a:pPr marL="800100" lvl="1" indent="-342900">
-              <a:buFont typeface="Arial" panose="020B0604020202020204" pitchFamily="34" charset="0"/>
-              <a:buChar char="•"/>
-            </a:pPr>
-            <a:r>
-              <a:rPr lang="es-CO" sz="2800" dirty="0" err="1">
-                <a:solidFill>
-                  <a:schemeClr val="tx1">
-                    <a:lumMod val="65000"/>
-                    <a:lumOff val="35000"/>
-                  </a:schemeClr>
-                </a:solidFill>
-              </a:rPr>
-              <a:t>poll</a:t>
-            </a:r>
-            <a:r>
-              <a:rPr lang="es-CO" sz="2800" dirty="0">
-                <a:solidFill>
-                  <a:schemeClr val="tx1">
-                    <a:lumMod val="65000"/>
-                    <a:lumOff val="35000"/>
-                  </a:schemeClr>
-                </a:solidFill>
-              </a:rPr>
-              <a:t>( ): Retorna y elimina el elemento del inicio de la Cola.</a:t>
-            </a:r>
-          </a:p>
-          <a:p>
-            <a:pPr marL="800100" lvl="1" indent="-342900">
-              <a:buFont typeface="Arial" panose="020B0604020202020204" pitchFamily="34" charset="0"/>
-              <a:buChar char="•"/>
-            </a:pPr>
-            <a:r>
-              <a:rPr lang="es-CO" sz="2800" dirty="0" err="1">
-                <a:solidFill>
-                  <a:schemeClr val="tx1">
-                    <a:lumMod val="65000"/>
-                    <a:lumOff val="35000"/>
-                  </a:schemeClr>
-                </a:solidFill>
-              </a:rPr>
-              <a:t>size</a:t>
-            </a:r>
-            <a:r>
-              <a:rPr lang="es-CO" sz="2800" dirty="0">
-                <a:solidFill>
-                  <a:schemeClr val="tx1">
-                    <a:lumMod val="65000"/>
-                    <a:lumOff val="35000"/>
-                  </a:schemeClr>
-                </a:solidFill>
-              </a:rPr>
-              <a:t>( ): Retorna la cantidad de elementos que se encuentran en la Cola.</a:t>
-            </a:r>
-          </a:p>
-          <a:p>
-            <a:pPr marL="800100" lvl="1" indent="-342900">
-              <a:buFont typeface="Arial" panose="020B0604020202020204" pitchFamily="34" charset="0"/>
-              <a:buChar char="•"/>
-            </a:pPr>
-            <a:r>
-              <a:rPr lang="es-CO" sz="2800" dirty="0" err="1">
-                <a:solidFill>
-                  <a:schemeClr val="tx1">
-                    <a:lumMod val="65000"/>
-                    <a:lumOff val="35000"/>
-                  </a:schemeClr>
-                </a:solidFill>
-              </a:rPr>
-              <a:t>isEmpty</a:t>
-            </a:r>
-            <a:r>
-              <a:rPr lang="es-CO" sz="2800" dirty="0">
-                <a:solidFill>
-                  <a:schemeClr val="tx1">
-                    <a:lumMod val="65000"/>
-                    <a:lumOff val="35000"/>
-                  </a:schemeClr>
-                </a:solidFill>
-              </a:rPr>
-              <a:t>( ): Retorna un </a:t>
-            </a:r>
-            <a:r>
-              <a:rPr lang="es-CO" sz="2800" dirty="0" err="1">
-                <a:solidFill>
-                  <a:schemeClr val="tx1">
-                    <a:lumMod val="65000"/>
-                    <a:lumOff val="35000"/>
-                  </a:schemeClr>
-                </a:solidFill>
-              </a:rPr>
-              <a:t>boolean</a:t>
-            </a:r>
-            <a:r>
-              <a:rPr lang="es-CO" sz="2800" dirty="0">
-                <a:solidFill>
-                  <a:schemeClr val="tx1">
-                    <a:lumMod val="65000"/>
-                    <a:lumOff val="35000"/>
-                  </a:schemeClr>
-                </a:solidFill>
-              </a:rPr>
-              <a:t> que indica si la Cola se encuentra </a:t>
-            </a:r>
-            <a:r>
-              <a:rPr lang="es-CO" sz="2800" dirty="0" err="1">
-                <a:solidFill>
-                  <a:schemeClr val="tx1">
-                    <a:lumMod val="65000"/>
-                    <a:lumOff val="35000"/>
-                  </a:schemeClr>
-                </a:solidFill>
-              </a:rPr>
-              <a:t>vacia</a:t>
-            </a:r>
-            <a:r>
-              <a:rPr lang="es-CO" sz="2800" dirty="0">
-                <a:solidFill>
-                  <a:schemeClr val="tx1">
-                    <a:lumMod val="65000"/>
-                    <a:lumOff val="35000"/>
-                  </a:schemeClr>
-                </a:solidFill>
-              </a:rPr>
-              <a:t>.</a:t>
-            </a:r>
-          </a:p>
-        </p:txBody>
-      </p:sp>
-    </p:spTree>
-    <p:extLst>
-      <p:ext uri="{BB962C8B-B14F-4D97-AF65-F5344CB8AC3E}">
-        <p14:creationId xmlns:p14="http://schemas.microsoft.com/office/powerpoint/2010/main" val="1786035809"/>
-      </p:ext>
-    </p:extLst>
-  </p:cSld>
-  <p:clrMapOvr>
-    <a:masterClrMapping/>
-  </p:clrMapOvr>
-</p:sld>
-</file>
-
-<file path=ppt/slides/slide18.xml><?xml version="1.0" encoding="utf-8"?>
-<p:sld xmlns:a="http://schemas.openxmlformats.org/drawingml/2006/main" xmlns:r="http://schemas.openxmlformats.org/officeDocument/2006/relationships" xmlns:p="http://schemas.openxmlformats.org/presentationml/2006/main">
-  <p:cSld>
-    <p:spTree>
-      <p:nvGrpSpPr>
-        <p:cNvPr id="1" name=""/>
-        <p:cNvGrpSpPr/>
-        <p:nvPr/>
-      </p:nvGrpSpPr>
-      <p:grpSpPr>
-        <a:xfrm>
-          <a:off x="0" y="0"/>
-          <a:ext cx="0" cy="0"/>
-          <a:chOff x="0" y="0"/>
-          <a:chExt cx="0" cy="0"/>
-        </a:xfrm>
-      </p:grpSpPr>
-      <p:pic>
-        <p:nvPicPr>
-          <p:cNvPr id="2" name="Picture 1"/>
-          <p:cNvPicPr>
-            <a:picLocks noChangeAspect="1"/>
-          </p:cNvPicPr>
-          <p:nvPr/>
-        </p:nvPicPr>
-        <p:blipFill>
-          <a:blip r:embed="rId3">
-            <a:extLst>
-              <a:ext uri="{28A0092B-C50C-407E-A947-70E740481C1C}">
-                <a14:useLocalDpi xmlns:a14="http://schemas.microsoft.com/office/drawing/2010/main" val="0"/>
-              </a:ext>
-            </a:extLst>
-          </a:blip>
-          <a:stretch>
-            <a:fillRect/>
-          </a:stretch>
-        </p:blipFill>
-        <p:spPr>
-          <a:xfrm>
-            <a:off x="0" y="0"/>
-            <a:ext cx="9144000" cy="1076325"/>
-          </a:xfrm>
-          <a:prstGeom prst="rect">
-            <a:avLst/>
-          </a:prstGeom>
-        </p:spPr>
-      </p:pic>
-      <p:sp>
-        <p:nvSpPr>
-          <p:cNvPr id="5" name="TextBox 4"/>
-          <p:cNvSpPr txBox="1"/>
-          <p:nvPr/>
-        </p:nvSpPr>
-        <p:spPr>
-          <a:xfrm>
-            <a:off x="602694" y="344382"/>
-            <a:ext cx="4908873" cy="461665"/>
-          </a:xfrm>
-          <a:prstGeom prst="rect">
-            <a:avLst/>
-          </a:prstGeom>
-          <a:noFill/>
-        </p:spPr>
-        <p:txBody>
-          <a:bodyPr wrap="square" rtlCol="0">
-            <a:spAutoFit/>
-          </a:bodyPr>
-          <a:lstStyle/>
-          <a:p>
-            <a:r>
-              <a:rPr lang="es-CO" sz="2400" b="1" dirty="0">
-                <a:solidFill>
-                  <a:schemeClr val="bg1"/>
-                </a:solidFill>
-                <a:latin typeface="Arial" panose="020B0604020202020204" pitchFamily="34" charset="0"/>
-                <a:cs typeface="Arial" panose="020B0604020202020204" pitchFamily="34" charset="0"/>
-              </a:rPr>
-              <a:t>Deque (</a:t>
-            </a:r>
-            <a:r>
-              <a:rPr lang="es-CO" sz="2400" b="1" dirty="0" err="1">
-                <a:solidFill>
-                  <a:schemeClr val="bg1"/>
-                </a:solidFill>
-                <a:latin typeface="Arial" panose="020B0604020202020204" pitchFamily="34" charset="0"/>
-                <a:cs typeface="Arial" panose="020B0604020202020204" pitchFamily="34" charset="0"/>
-              </a:rPr>
-              <a:t>bicola</a:t>
-            </a:r>
-            <a:r>
-              <a:rPr lang="es-CO" sz="2400" b="1" dirty="0">
-                <a:solidFill>
-                  <a:schemeClr val="bg1"/>
-                </a:solidFill>
-                <a:latin typeface="Arial" panose="020B0604020202020204" pitchFamily="34" charset="0"/>
-                <a:cs typeface="Arial" panose="020B0604020202020204" pitchFamily="34" charset="0"/>
-              </a:rPr>
-              <a:t>)</a:t>
-            </a:r>
-          </a:p>
-        </p:txBody>
-      </p:sp>
-      <p:sp>
-        <p:nvSpPr>
-          <p:cNvPr id="4" name="TextBox 3">
-            <a:extLst>
-              <a:ext uri="{FF2B5EF4-FFF2-40B4-BE49-F238E27FC236}">
-                <a16:creationId xmlns:a16="http://schemas.microsoft.com/office/drawing/2014/main" id="{D6D4A077-6C87-4F69-BF3B-CCCD7FD6656E}"/>
-              </a:ext>
-            </a:extLst>
-          </p:cNvPr>
-          <p:cNvSpPr txBox="1"/>
-          <p:nvPr/>
-        </p:nvSpPr>
-        <p:spPr>
-          <a:xfrm>
-            <a:off x="359545" y="4092326"/>
-            <a:ext cx="4572000" cy="2031325"/>
-          </a:xfrm>
-          <a:prstGeom prst="rect">
-            <a:avLst/>
-          </a:prstGeom>
-          <a:noFill/>
-        </p:spPr>
-        <p:txBody>
-          <a:bodyPr wrap="square">
-            <a:spAutoFit/>
-          </a:bodyPr>
-          <a:lstStyle/>
-          <a:p>
-            <a:r>
-              <a:rPr lang="es-CO" b="0" i="0" dirty="0">
-                <a:solidFill>
-                  <a:srgbClr val="222222"/>
-                </a:solidFill>
-                <a:effectLst/>
-                <a:latin typeface="Source Sans Pro" panose="020B0503030403020204" pitchFamily="34" charset="0"/>
-              </a:rPr>
-              <a:t>Una cola de prioridad al igual que una cola solo permite acceder al elemento que se encuentra al inicio de la estructura, pero al momento de realizar la inserción la cola toma en cuenta la prioridad asociada al elemento para ordenar todos los datos existentes en la cola.</a:t>
-            </a:r>
-            <a:endParaRPr lang="en-GB" dirty="0"/>
-          </a:p>
-        </p:txBody>
-      </p:sp>
-    </p:spTree>
-    <p:extLst>
-      <p:ext uri="{BB962C8B-B14F-4D97-AF65-F5344CB8AC3E}">
-        <p14:creationId xmlns:p14="http://schemas.microsoft.com/office/powerpoint/2010/main" val="2505877342"/>
-      </p:ext>
-    </p:extLst>
-  </p:cSld>
-  <p:clrMapOvr>
-    <a:masterClrMapping/>
-  </p:clrMapOvr>
-</p:sld>
-</file>
-
-<file path=ppt/slides/slide19.xml><?xml version="1.0" encoding="utf-8"?>
-<p:sld xmlns:a="http://schemas.openxmlformats.org/drawingml/2006/main" xmlns:r="http://schemas.openxmlformats.org/officeDocument/2006/relationships" xmlns:p="http://schemas.openxmlformats.org/presentationml/2006/main">
-  <p:cSld>
-    <p:spTree>
-      <p:nvGrpSpPr>
-        <p:cNvPr id="1" name=""/>
-        <p:cNvGrpSpPr/>
-        <p:nvPr/>
-      </p:nvGrpSpPr>
-      <p:grpSpPr>
-        <a:xfrm>
-          <a:off x="0" y="0"/>
-          <a:ext cx="0" cy="0"/>
-          <a:chOff x="0" y="0"/>
-          <a:chExt cx="0" cy="0"/>
-        </a:xfrm>
-      </p:grpSpPr>
-      <p:pic>
-        <p:nvPicPr>
-          <p:cNvPr id="2" name="Picture 1"/>
-          <p:cNvPicPr>
-            <a:picLocks noChangeAspect="1"/>
-          </p:cNvPicPr>
-          <p:nvPr/>
-        </p:nvPicPr>
-        <p:blipFill>
-          <a:blip r:embed="rId3">
-            <a:extLst>
-              <a:ext uri="{28A0092B-C50C-407E-A947-70E740481C1C}">
-                <a14:useLocalDpi xmlns:a14="http://schemas.microsoft.com/office/drawing/2010/main" val="0"/>
-              </a:ext>
-            </a:extLst>
-          </a:blip>
-          <a:stretch>
-            <a:fillRect/>
-          </a:stretch>
-        </p:blipFill>
-        <p:spPr>
-          <a:xfrm>
-            <a:off x="0" y="0"/>
-            <a:ext cx="9144000" cy="1076325"/>
-          </a:xfrm>
-          <a:prstGeom prst="rect">
-            <a:avLst/>
-          </a:prstGeom>
-        </p:spPr>
-      </p:pic>
-      <p:sp>
-        <p:nvSpPr>
-          <p:cNvPr id="5" name="TextBox 4"/>
-          <p:cNvSpPr txBox="1"/>
-          <p:nvPr/>
-        </p:nvSpPr>
-        <p:spPr>
-          <a:xfrm>
-            <a:off x="602694" y="344382"/>
-            <a:ext cx="4908873" cy="461665"/>
-          </a:xfrm>
-          <a:prstGeom prst="rect">
-            <a:avLst/>
-          </a:prstGeom>
-          <a:noFill/>
-        </p:spPr>
-        <p:txBody>
-          <a:bodyPr wrap="square" rtlCol="0">
-            <a:spAutoFit/>
-          </a:bodyPr>
-          <a:lstStyle/>
-          <a:p>
-            <a:r>
-              <a:rPr lang="es-CO" sz="2400" b="1" dirty="0">
-                <a:solidFill>
-                  <a:schemeClr val="bg1"/>
-                </a:solidFill>
-                <a:latin typeface="Arial" panose="020B0604020202020204" pitchFamily="34" charset="0"/>
-                <a:cs typeface="Arial" panose="020B0604020202020204" pitchFamily="34" charset="0"/>
-              </a:rPr>
-              <a:t>PriorityQueue</a:t>
-            </a:r>
-          </a:p>
-        </p:txBody>
-      </p:sp>
-      <p:sp>
-        <p:nvSpPr>
-          <p:cNvPr id="3" name="TextBox 2">
-            <a:extLst>
-              <a:ext uri="{FF2B5EF4-FFF2-40B4-BE49-F238E27FC236}">
-                <a16:creationId xmlns:a16="http://schemas.microsoft.com/office/drawing/2014/main" id="{4ACD1D44-C50A-4964-88BB-8EA9D338189A}"/>
-              </a:ext>
-            </a:extLst>
-          </p:cNvPr>
-          <p:cNvSpPr txBox="1"/>
-          <p:nvPr/>
-        </p:nvSpPr>
-        <p:spPr>
-          <a:xfrm>
-            <a:off x="115410" y="1204572"/>
-            <a:ext cx="7878073" cy="830997"/>
-          </a:xfrm>
-          <a:prstGeom prst="rect">
-            <a:avLst/>
-          </a:prstGeom>
-          <a:noFill/>
-        </p:spPr>
-        <p:txBody>
-          <a:bodyPr wrap="square" rtlCol="0">
-            <a:spAutoFit/>
-          </a:bodyPr>
-          <a:lstStyle/>
-          <a:p>
-            <a:pPr marL="800100" lvl="1" indent="-342900">
-              <a:buFont typeface="Arial" panose="020B0604020202020204" pitchFamily="34" charset="0"/>
-              <a:buChar char="•"/>
-            </a:pPr>
-            <a:r>
-              <a:rPr lang="es-CO" sz="2400" dirty="0">
-                <a:solidFill>
-                  <a:schemeClr val="tx1">
-                    <a:lumMod val="65000"/>
-                    <a:lumOff val="35000"/>
-                  </a:schemeClr>
-                </a:solidFill>
-              </a:rPr>
-              <a:t>Son de tamaño dinámico:</a:t>
-            </a:r>
-          </a:p>
-          <a:p>
-            <a:pPr marL="800100" lvl="1" indent="-342900">
-              <a:buFont typeface="Arial" panose="020B0604020202020204" pitchFamily="34" charset="0"/>
-              <a:buChar char="•"/>
-            </a:pPr>
-            <a:endParaRPr lang="es-CO" sz="2400" dirty="0">
-              <a:solidFill>
-                <a:schemeClr val="tx1">
-                  <a:lumMod val="65000"/>
-                  <a:lumOff val="35000"/>
-                </a:schemeClr>
-              </a:solidFill>
-            </a:endParaRPr>
-          </a:p>
-        </p:txBody>
-      </p:sp>
-      <p:pic>
-        <p:nvPicPr>
-          <p:cNvPr id="4" name="Picture 3">
-            <a:extLst>
-              <a:ext uri="{FF2B5EF4-FFF2-40B4-BE49-F238E27FC236}">
-                <a16:creationId xmlns:a16="http://schemas.microsoft.com/office/drawing/2014/main" id="{B60DE93C-7CB6-4314-8E8C-48DB5D00B68A}"/>
-              </a:ext>
-            </a:extLst>
-          </p:cNvPr>
-          <p:cNvPicPr>
-            <a:picLocks noChangeAspect="1"/>
-          </p:cNvPicPr>
-          <p:nvPr/>
-        </p:nvPicPr>
-        <p:blipFill>
-          <a:blip r:embed="rId4"/>
-          <a:stretch>
-            <a:fillRect/>
-          </a:stretch>
-        </p:blipFill>
-        <p:spPr>
-          <a:xfrm>
-            <a:off x="728662" y="2035569"/>
-            <a:ext cx="4029075" cy="819150"/>
-          </a:xfrm>
-          <a:prstGeom prst="rect">
-            <a:avLst/>
-          </a:prstGeom>
-        </p:spPr>
-      </p:pic>
-      <p:pic>
-        <p:nvPicPr>
-          <p:cNvPr id="8" name="Picture 7">
-            <a:extLst>
-              <a:ext uri="{FF2B5EF4-FFF2-40B4-BE49-F238E27FC236}">
-                <a16:creationId xmlns:a16="http://schemas.microsoft.com/office/drawing/2014/main" id="{78AF400A-5CBB-49AD-B369-0306FB897D0F}"/>
-              </a:ext>
-            </a:extLst>
-          </p:cNvPr>
-          <p:cNvPicPr>
-            <a:picLocks noChangeAspect="1"/>
-          </p:cNvPicPr>
-          <p:nvPr/>
-        </p:nvPicPr>
-        <p:blipFill>
-          <a:blip r:embed="rId5"/>
-          <a:stretch>
-            <a:fillRect/>
-          </a:stretch>
-        </p:blipFill>
-        <p:spPr>
-          <a:xfrm>
-            <a:off x="728662" y="3104040"/>
-            <a:ext cx="4391025" cy="419100"/>
-          </a:xfrm>
-          <a:prstGeom prst="rect">
-            <a:avLst/>
-          </a:prstGeom>
-        </p:spPr>
-      </p:pic>
-    </p:spTree>
-    <p:extLst>
-      <p:ext uri="{BB962C8B-B14F-4D97-AF65-F5344CB8AC3E}">
-        <p14:creationId xmlns:p14="http://schemas.microsoft.com/office/powerpoint/2010/main" val="3047041404"/>
-      </p:ext>
-    </p:extLst>
-  </p:cSld>
-  <p:clrMapOvr>
-    <a:masterClrMapping/>
-  </p:clrMapOvr>
-</p:sld>
-</file>
-
 <file path=ppt/slides/slide2.xml><?xml version="1.0" encoding="utf-8"?>
 <p:sld xmlns:a="http://schemas.openxmlformats.org/drawingml/2006/main" xmlns:r="http://schemas.openxmlformats.org/officeDocument/2006/relationships" xmlns:p="http://schemas.openxmlformats.org/presentationml/2006/main">
   <p:cSld>
@@ -7571,641 +3954,6 @@
     <p:extLst>
       <p:ext uri="{BB962C8B-B14F-4D97-AF65-F5344CB8AC3E}">
         <p14:creationId xmlns:p14="http://schemas.microsoft.com/office/powerpoint/2010/main" val="1509029597"/>
-      </p:ext>
-    </p:extLst>
-  </p:cSld>
-  <p:clrMapOvr>
-    <a:masterClrMapping/>
-  </p:clrMapOvr>
-</p:sld>
-</file>
-
-<file path=ppt/slides/slide20.xml><?xml version="1.0" encoding="utf-8"?>
-<p:sld xmlns:a="http://schemas.openxmlformats.org/drawingml/2006/main" xmlns:r="http://schemas.openxmlformats.org/officeDocument/2006/relationships" xmlns:p="http://schemas.openxmlformats.org/presentationml/2006/main">
-  <p:cSld>
-    <p:spTree>
-      <p:nvGrpSpPr>
-        <p:cNvPr id="1" name=""/>
-        <p:cNvGrpSpPr/>
-        <p:nvPr/>
-      </p:nvGrpSpPr>
-      <p:grpSpPr>
-        <a:xfrm>
-          <a:off x="0" y="0"/>
-          <a:ext cx="0" cy="0"/>
-          <a:chOff x="0" y="0"/>
-          <a:chExt cx="0" cy="0"/>
-        </a:xfrm>
-      </p:grpSpPr>
-      <p:pic>
-        <p:nvPicPr>
-          <p:cNvPr id="2" name="Picture 1"/>
-          <p:cNvPicPr>
-            <a:picLocks noChangeAspect="1"/>
-          </p:cNvPicPr>
-          <p:nvPr/>
-        </p:nvPicPr>
-        <p:blipFill>
-          <a:blip r:embed="rId3">
-            <a:extLst>
-              <a:ext uri="{28A0092B-C50C-407E-A947-70E740481C1C}">
-                <a14:useLocalDpi xmlns:a14="http://schemas.microsoft.com/office/drawing/2010/main" val="0"/>
-              </a:ext>
-            </a:extLst>
-          </a:blip>
-          <a:stretch>
-            <a:fillRect/>
-          </a:stretch>
-        </p:blipFill>
-        <p:spPr>
-          <a:xfrm>
-            <a:off x="0" y="0"/>
-            <a:ext cx="9144000" cy="1076325"/>
-          </a:xfrm>
-          <a:prstGeom prst="rect">
-            <a:avLst/>
-          </a:prstGeom>
-        </p:spPr>
-      </p:pic>
-      <p:sp>
-        <p:nvSpPr>
-          <p:cNvPr id="5" name="TextBox 4"/>
-          <p:cNvSpPr txBox="1"/>
-          <p:nvPr/>
-        </p:nvSpPr>
-        <p:spPr>
-          <a:xfrm>
-            <a:off x="602694" y="344382"/>
-            <a:ext cx="4908873" cy="461665"/>
-          </a:xfrm>
-          <a:prstGeom prst="rect">
-            <a:avLst/>
-          </a:prstGeom>
-          <a:noFill/>
-        </p:spPr>
-        <p:txBody>
-          <a:bodyPr wrap="square" rtlCol="0">
-            <a:spAutoFit/>
-          </a:bodyPr>
-          <a:lstStyle/>
-          <a:p>
-            <a:r>
-              <a:rPr lang="es-CO" sz="2400" b="1" dirty="0">
-                <a:solidFill>
-                  <a:schemeClr val="bg1"/>
-                </a:solidFill>
-                <a:latin typeface="Arial" panose="020B0604020202020204" pitchFamily="34" charset="0"/>
-                <a:cs typeface="Arial" panose="020B0604020202020204" pitchFamily="34" charset="0"/>
-              </a:rPr>
-              <a:t>PriorityQueue</a:t>
-            </a:r>
-          </a:p>
-        </p:txBody>
-      </p:sp>
-      <p:sp>
-        <p:nvSpPr>
-          <p:cNvPr id="3" name="TextBox 2">
-            <a:extLst>
-              <a:ext uri="{FF2B5EF4-FFF2-40B4-BE49-F238E27FC236}">
-                <a16:creationId xmlns:a16="http://schemas.microsoft.com/office/drawing/2014/main" id="{4ACD1D44-C50A-4964-88BB-8EA9D338189A}"/>
-              </a:ext>
-            </a:extLst>
-          </p:cNvPr>
-          <p:cNvSpPr txBox="1"/>
-          <p:nvPr/>
-        </p:nvSpPr>
-        <p:spPr>
-          <a:xfrm>
-            <a:off x="0" y="1410926"/>
-            <a:ext cx="7878073" cy="830997"/>
-          </a:xfrm>
-          <a:prstGeom prst="rect">
-            <a:avLst/>
-          </a:prstGeom>
-          <a:noFill/>
-        </p:spPr>
-        <p:txBody>
-          <a:bodyPr wrap="square" rtlCol="0">
-            <a:spAutoFit/>
-          </a:bodyPr>
-          <a:lstStyle/>
-          <a:p>
-            <a:pPr marL="800100" lvl="1" indent="-342900">
-              <a:buFont typeface="Arial" panose="020B0604020202020204" pitchFamily="34" charset="0"/>
-              <a:buChar char="•"/>
-            </a:pPr>
-            <a:r>
-              <a:rPr lang="es-CO" sz="2400" dirty="0">
-                <a:solidFill>
-                  <a:schemeClr val="tx1">
-                    <a:lumMod val="65000"/>
-                    <a:lumOff val="35000"/>
-                  </a:schemeClr>
-                </a:solidFill>
-              </a:rPr>
-              <a:t>Sus métodos principales son:</a:t>
-            </a:r>
-          </a:p>
-          <a:p>
-            <a:pPr marL="800100" lvl="1" indent="-342900">
-              <a:buFont typeface="Arial" panose="020B0604020202020204" pitchFamily="34" charset="0"/>
-              <a:buChar char="•"/>
-            </a:pPr>
-            <a:endParaRPr lang="es-CO" sz="2400" dirty="0">
-              <a:solidFill>
-                <a:schemeClr val="tx1">
-                  <a:lumMod val="65000"/>
-                  <a:lumOff val="35000"/>
-                </a:schemeClr>
-              </a:solidFill>
-            </a:endParaRPr>
-          </a:p>
-        </p:txBody>
-      </p:sp>
-      <p:sp>
-        <p:nvSpPr>
-          <p:cNvPr id="9" name="TextBox 8">
-            <a:extLst>
-              <a:ext uri="{FF2B5EF4-FFF2-40B4-BE49-F238E27FC236}">
-                <a16:creationId xmlns:a16="http://schemas.microsoft.com/office/drawing/2014/main" id="{F0B283BE-4B9F-4100-88EF-29A80536E42F}"/>
-              </a:ext>
-            </a:extLst>
-          </p:cNvPr>
-          <p:cNvSpPr txBox="1"/>
-          <p:nvPr/>
-        </p:nvSpPr>
-        <p:spPr>
-          <a:xfrm>
-            <a:off x="248575" y="1936202"/>
-            <a:ext cx="8699257" cy="4832092"/>
-          </a:xfrm>
-          <a:prstGeom prst="rect">
-            <a:avLst/>
-          </a:prstGeom>
-          <a:noFill/>
-        </p:spPr>
-        <p:txBody>
-          <a:bodyPr wrap="square">
-            <a:spAutoFit/>
-          </a:bodyPr>
-          <a:lstStyle/>
-          <a:p>
-            <a:pPr marL="800100" lvl="1" indent="-342900">
-              <a:buFont typeface="Arial" panose="020B0604020202020204" pitchFamily="34" charset="0"/>
-              <a:buChar char="•"/>
-            </a:pPr>
-            <a:r>
-              <a:rPr lang="es-CO" sz="2800" dirty="0" err="1">
-                <a:solidFill>
-                  <a:schemeClr val="tx1">
-                    <a:lumMod val="65000"/>
-                    <a:lumOff val="35000"/>
-                  </a:schemeClr>
-                </a:solidFill>
-              </a:rPr>
-              <a:t>add</a:t>
-            </a:r>
-            <a:r>
-              <a:rPr lang="es-CO" sz="2800" dirty="0">
-                <a:solidFill>
-                  <a:schemeClr val="tx1">
-                    <a:lumMod val="65000"/>
-                    <a:lumOff val="35000"/>
-                  </a:schemeClr>
-                </a:solidFill>
-              </a:rPr>
-              <a:t>(data): Añade el valor data al final de la Deque.</a:t>
-            </a:r>
-          </a:p>
-          <a:p>
-            <a:pPr marL="800100" lvl="1" indent="-342900">
-              <a:buFont typeface="Arial" panose="020B0604020202020204" pitchFamily="34" charset="0"/>
-              <a:buChar char="•"/>
-            </a:pPr>
-            <a:r>
-              <a:rPr lang="es-CO" sz="2800" dirty="0" err="1">
-                <a:solidFill>
-                  <a:schemeClr val="tx1">
-                    <a:lumMod val="65000"/>
-                    <a:lumOff val="35000"/>
-                  </a:schemeClr>
-                </a:solidFill>
-              </a:rPr>
-              <a:t>addFirst</a:t>
-            </a:r>
-            <a:r>
-              <a:rPr lang="es-CO" sz="2800" dirty="0">
-                <a:solidFill>
-                  <a:schemeClr val="tx1">
-                    <a:lumMod val="65000"/>
-                    <a:lumOff val="35000"/>
-                  </a:schemeClr>
-                </a:solidFill>
-              </a:rPr>
-              <a:t>(data): Añade el valor data al inicio de la Deque.</a:t>
-            </a:r>
-          </a:p>
-          <a:p>
-            <a:pPr marL="800100" lvl="1" indent="-342900">
-              <a:buFont typeface="Arial" panose="020B0604020202020204" pitchFamily="34" charset="0"/>
-              <a:buChar char="•"/>
-            </a:pPr>
-            <a:r>
-              <a:rPr lang="es-CO" sz="2800" dirty="0" err="1">
-                <a:solidFill>
-                  <a:schemeClr val="tx1">
-                    <a:lumMod val="65000"/>
-                    <a:lumOff val="35000"/>
-                  </a:schemeClr>
-                </a:solidFill>
-              </a:rPr>
-              <a:t>pollFirst</a:t>
-            </a:r>
-            <a:r>
-              <a:rPr lang="es-CO" sz="2800" dirty="0">
-                <a:solidFill>
-                  <a:schemeClr val="tx1">
-                    <a:lumMod val="65000"/>
-                    <a:lumOff val="35000"/>
-                  </a:schemeClr>
-                </a:solidFill>
-              </a:rPr>
-              <a:t>( ): Retorna y elimina el elemento del inicio de la Deque.</a:t>
-            </a:r>
-          </a:p>
-          <a:p>
-            <a:pPr marL="800100" lvl="1" indent="-342900">
-              <a:buFont typeface="Arial" panose="020B0604020202020204" pitchFamily="34" charset="0"/>
-              <a:buChar char="•"/>
-            </a:pPr>
-            <a:r>
-              <a:rPr lang="es-CO" sz="2800" dirty="0" err="1">
-                <a:solidFill>
-                  <a:schemeClr val="tx1">
-                    <a:lumMod val="65000"/>
-                    <a:lumOff val="35000"/>
-                  </a:schemeClr>
-                </a:solidFill>
-              </a:rPr>
-              <a:t>pollLast</a:t>
-            </a:r>
-            <a:r>
-              <a:rPr lang="es-CO" sz="2800" dirty="0">
-                <a:solidFill>
-                  <a:schemeClr val="tx1">
-                    <a:lumMod val="65000"/>
-                    <a:lumOff val="35000"/>
-                  </a:schemeClr>
-                </a:solidFill>
-              </a:rPr>
-              <a:t>( ): Retorna y elimina el elemento del final de la Deque.</a:t>
-            </a:r>
-          </a:p>
-          <a:p>
-            <a:pPr marL="800100" lvl="1" indent="-342900">
-              <a:buFont typeface="Arial" panose="020B0604020202020204" pitchFamily="34" charset="0"/>
-              <a:buChar char="•"/>
-            </a:pPr>
-            <a:r>
-              <a:rPr lang="es-CO" sz="2800" dirty="0" err="1">
-                <a:solidFill>
-                  <a:schemeClr val="tx1">
-                    <a:lumMod val="65000"/>
-                    <a:lumOff val="35000"/>
-                  </a:schemeClr>
-                </a:solidFill>
-              </a:rPr>
-              <a:t>peekFirst</a:t>
-            </a:r>
-            <a:r>
-              <a:rPr lang="es-CO" sz="2800" dirty="0">
-                <a:solidFill>
-                  <a:schemeClr val="tx1">
-                    <a:lumMod val="65000"/>
-                    <a:lumOff val="35000"/>
-                  </a:schemeClr>
-                </a:solidFill>
-              </a:rPr>
-              <a:t>( ): Retorna el elemento del inicio de la Deque.</a:t>
-            </a:r>
-          </a:p>
-          <a:p>
-            <a:pPr marL="800100" lvl="1" indent="-342900">
-              <a:buFont typeface="Arial" panose="020B0604020202020204" pitchFamily="34" charset="0"/>
-              <a:buChar char="•"/>
-            </a:pPr>
-            <a:r>
-              <a:rPr lang="es-CO" sz="2800" dirty="0" err="1">
-                <a:solidFill>
-                  <a:schemeClr val="tx1">
-                    <a:lumMod val="65000"/>
-                    <a:lumOff val="35000"/>
-                  </a:schemeClr>
-                </a:solidFill>
-              </a:rPr>
-              <a:t>peekLast</a:t>
-            </a:r>
-            <a:r>
-              <a:rPr lang="es-CO" sz="2800" dirty="0">
-                <a:solidFill>
-                  <a:schemeClr val="tx1">
-                    <a:lumMod val="65000"/>
-                    <a:lumOff val="35000"/>
-                  </a:schemeClr>
-                </a:solidFill>
-              </a:rPr>
-              <a:t>( ): Retorna el elemento del final de la Deque.</a:t>
-            </a:r>
-          </a:p>
-        </p:txBody>
-      </p:sp>
-    </p:spTree>
-    <p:extLst>
-      <p:ext uri="{BB962C8B-B14F-4D97-AF65-F5344CB8AC3E}">
-        <p14:creationId xmlns:p14="http://schemas.microsoft.com/office/powerpoint/2010/main" val="707638879"/>
-      </p:ext>
-    </p:extLst>
-  </p:cSld>
-  <p:clrMapOvr>
-    <a:masterClrMapping/>
-  </p:clrMapOvr>
-</p:sld>
-</file>
-
-<file path=ppt/slides/slide21.xml><?xml version="1.0" encoding="utf-8"?>
-<p:sld xmlns:a="http://schemas.openxmlformats.org/drawingml/2006/main" xmlns:r="http://schemas.openxmlformats.org/officeDocument/2006/relationships" xmlns:p="http://schemas.openxmlformats.org/presentationml/2006/main">
-  <p:cSld>
-    <p:spTree>
-      <p:nvGrpSpPr>
-        <p:cNvPr id="1" name=""/>
-        <p:cNvGrpSpPr/>
-        <p:nvPr/>
-      </p:nvGrpSpPr>
-      <p:grpSpPr>
-        <a:xfrm>
-          <a:off x="0" y="0"/>
-          <a:ext cx="0" cy="0"/>
-          <a:chOff x="0" y="0"/>
-          <a:chExt cx="0" cy="0"/>
-        </a:xfrm>
-      </p:grpSpPr>
-      <p:pic>
-        <p:nvPicPr>
-          <p:cNvPr id="2" name="Picture 1"/>
-          <p:cNvPicPr>
-            <a:picLocks noChangeAspect="1"/>
-          </p:cNvPicPr>
-          <p:nvPr/>
-        </p:nvPicPr>
-        <p:blipFill>
-          <a:blip r:embed="rId3">
-            <a:extLst>
-              <a:ext uri="{28A0092B-C50C-407E-A947-70E740481C1C}">
-                <a14:useLocalDpi xmlns:a14="http://schemas.microsoft.com/office/drawing/2010/main" val="0"/>
-              </a:ext>
-            </a:extLst>
-          </a:blip>
-          <a:stretch>
-            <a:fillRect/>
-          </a:stretch>
-        </p:blipFill>
-        <p:spPr>
-          <a:xfrm>
-            <a:off x="0" y="0"/>
-            <a:ext cx="9144000" cy="1076325"/>
-          </a:xfrm>
-          <a:prstGeom prst="rect">
-            <a:avLst/>
-          </a:prstGeom>
-        </p:spPr>
-      </p:pic>
-      <p:sp>
-        <p:nvSpPr>
-          <p:cNvPr id="7" name="Content Placeholder 1"/>
-          <p:cNvSpPr txBox="1">
-            <a:spLocks/>
-          </p:cNvSpPr>
-          <p:nvPr/>
-        </p:nvSpPr>
-        <p:spPr>
-          <a:xfrm>
-            <a:off x="304800" y="1066800"/>
-            <a:ext cx="8382000" cy="5059363"/>
-          </a:xfrm>
-          <a:prstGeom prst="rect">
-            <a:avLst/>
-          </a:prstGeom>
-        </p:spPr>
-        <p:txBody>
-          <a:bodyPr vert="horz" lIns="91440" tIns="45720" rIns="91440" bIns="45720" rtlCol="0">
-            <a:normAutofit/>
-          </a:bodyPr>
-          <a:lstStyle>
-            <a:lvl1pPr marL="0" indent="0" algn="ctr" defTabSz="457200" rtl="0" eaLnBrk="1" latinLnBrk="0" hangingPunct="1">
-              <a:spcBef>
-                <a:spcPct val="20000"/>
-              </a:spcBef>
-              <a:buFont typeface="Arial"/>
-              <a:buNone/>
-              <a:defRPr sz="3200" kern="1200">
-                <a:solidFill>
-                  <a:schemeClr val="tx1">
-                    <a:tint val="75000"/>
-                  </a:schemeClr>
-                </a:solidFill>
-                <a:latin typeface="+mn-lt"/>
-                <a:ea typeface="+mn-ea"/>
-                <a:cs typeface="+mn-cs"/>
-              </a:defRPr>
-            </a:lvl1pPr>
-            <a:lvl2pPr marL="457200" indent="0" algn="ctr" defTabSz="457200" rtl="0" eaLnBrk="1" latinLnBrk="0" hangingPunct="1">
-              <a:spcBef>
-                <a:spcPct val="20000"/>
-              </a:spcBef>
-              <a:buFont typeface="Arial"/>
-              <a:buNone/>
-              <a:defRPr sz="2800" kern="1200">
-                <a:solidFill>
-                  <a:schemeClr val="tx1">
-                    <a:tint val="75000"/>
-                  </a:schemeClr>
-                </a:solidFill>
-                <a:latin typeface="+mn-lt"/>
-                <a:ea typeface="+mn-ea"/>
-                <a:cs typeface="+mn-cs"/>
-              </a:defRPr>
-            </a:lvl2pPr>
-            <a:lvl3pPr marL="914400" indent="0" algn="ctr" defTabSz="457200" rtl="0" eaLnBrk="1" latinLnBrk="0" hangingPunct="1">
-              <a:spcBef>
-                <a:spcPct val="20000"/>
-              </a:spcBef>
-              <a:buFont typeface="Arial"/>
-              <a:buNone/>
-              <a:defRPr sz="2400" kern="1200">
-                <a:solidFill>
-                  <a:schemeClr val="tx1">
-                    <a:tint val="75000"/>
-                  </a:schemeClr>
-                </a:solidFill>
-                <a:latin typeface="+mn-lt"/>
-                <a:ea typeface="+mn-ea"/>
-                <a:cs typeface="+mn-cs"/>
-              </a:defRPr>
-            </a:lvl3pPr>
-            <a:lvl4pPr marL="1371600" indent="0" algn="ctr" defTabSz="457200" rtl="0" eaLnBrk="1" latinLnBrk="0" hangingPunct="1">
-              <a:spcBef>
-                <a:spcPct val="20000"/>
-              </a:spcBef>
-              <a:buFont typeface="Arial"/>
-              <a:buNone/>
-              <a:defRPr sz="2000" kern="1200">
-                <a:solidFill>
-                  <a:schemeClr val="tx1">
-                    <a:tint val="75000"/>
-                  </a:schemeClr>
-                </a:solidFill>
-                <a:latin typeface="+mn-lt"/>
-                <a:ea typeface="+mn-ea"/>
-                <a:cs typeface="+mn-cs"/>
-              </a:defRPr>
-            </a:lvl4pPr>
-            <a:lvl5pPr marL="1828800" indent="0" algn="ctr" defTabSz="457200" rtl="0" eaLnBrk="1" latinLnBrk="0" hangingPunct="1">
-              <a:spcBef>
-                <a:spcPct val="20000"/>
-              </a:spcBef>
-              <a:buFont typeface="Arial"/>
-              <a:buNone/>
-              <a:defRPr sz="2000" kern="1200">
-                <a:solidFill>
-                  <a:schemeClr val="tx1">
-                    <a:tint val="75000"/>
-                  </a:schemeClr>
-                </a:solidFill>
-                <a:latin typeface="+mn-lt"/>
-                <a:ea typeface="+mn-ea"/>
-                <a:cs typeface="+mn-cs"/>
-              </a:defRPr>
-            </a:lvl5pPr>
-            <a:lvl6pPr marL="2286000" indent="0" algn="ctr" defTabSz="457200" rtl="0" eaLnBrk="1" latinLnBrk="0" hangingPunct="1">
-              <a:spcBef>
-                <a:spcPct val="20000"/>
-              </a:spcBef>
-              <a:buFont typeface="Arial"/>
-              <a:buNone/>
-              <a:defRPr sz="2000" kern="1200">
-                <a:solidFill>
-                  <a:schemeClr val="tx1">
-                    <a:tint val="75000"/>
-                  </a:schemeClr>
-                </a:solidFill>
-                <a:latin typeface="+mn-lt"/>
-                <a:ea typeface="+mn-ea"/>
-                <a:cs typeface="+mn-cs"/>
-              </a:defRPr>
-            </a:lvl6pPr>
-            <a:lvl7pPr marL="2743200" indent="0" algn="ctr" defTabSz="457200" rtl="0" eaLnBrk="1" latinLnBrk="0" hangingPunct="1">
-              <a:spcBef>
-                <a:spcPct val="20000"/>
-              </a:spcBef>
-              <a:buFont typeface="Arial"/>
-              <a:buNone/>
-              <a:defRPr sz="2000" kern="1200">
-                <a:solidFill>
-                  <a:schemeClr val="tx1">
-                    <a:tint val="75000"/>
-                  </a:schemeClr>
-                </a:solidFill>
-                <a:latin typeface="+mn-lt"/>
-                <a:ea typeface="+mn-ea"/>
-                <a:cs typeface="+mn-cs"/>
-              </a:defRPr>
-            </a:lvl7pPr>
-            <a:lvl8pPr marL="3200400" indent="0" algn="ctr" defTabSz="457200" rtl="0" eaLnBrk="1" latinLnBrk="0" hangingPunct="1">
-              <a:spcBef>
-                <a:spcPct val="20000"/>
-              </a:spcBef>
-              <a:buFont typeface="Arial"/>
-              <a:buNone/>
-              <a:defRPr sz="2000" kern="1200">
-                <a:solidFill>
-                  <a:schemeClr val="tx1">
-                    <a:tint val="75000"/>
-                  </a:schemeClr>
-                </a:solidFill>
-                <a:latin typeface="+mn-lt"/>
-                <a:ea typeface="+mn-ea"/>
-                <a:cs typeface="+mn-cs"/>
-              </a:defRPr>
-            </a:lvl8pPr>
-            <a:lvl9pPr marL="3657600" indent="0" algn="ctr" defTabSz="457200" rtl="0" eaLnBrk="1" latinLnBrk="0" hangingPunct="1">
-              <a:spcBef>
-                <a:spcPct val="20000"/>
-              </a:spcBef>
-              <a:buFont typeface="Arial"/>
-              <a:buNone/>
-              <a:defRPr sz="2000" kern="1200">
-                <a:solidFill>
-                  <a:schemeClr val="tx1">
-                    <a:tint val="75000"/>
-                  </a:schemeClr>
-                </a:solidFill>
-                <a:latin typeface="+mn-lt"/>
-                <a:ea typeface="+mn-ea"/>
-                <a:cs typeface="+mn-cs"/>
-              </a:defRPr>
-            </a:lvl9pPr>
-          </a:lstStyle>
-          <a:p>
-            <a:endParaRPr lang="en-US" sz="4800" dirty="0">
-              <a:latin typeface="LM Roman 10" panose="00000500000000000000" pitchFamily="50" charset="0"/>
-              <a:cs typeface="Aharoni" panose="02010803020104030203" pitchFamily="2" charset="-79"/>
-            </a:endParaRPr>
-          </a:p>
-          <a:p>
-            <a:r>
-              <a:rPr lang="en-US" sz="4800" dirty="0">
-                <a:solidFill>
-                  <a:schemeClr val="tx2">
-                    <a:lumMod val="75000"/>
-                  </a:schemeClr>
-                </a:solidFill>
-                <a:latin typeface="LM Roman 10" panose="00000500000000000000" pitchFamily="50" charset="0"/>
-                <a:cs typeface="Aharoni" panose="02010803020104030203" pitchFamily="2" charset="-79"/>
-              </a:rPr>
-              <a:t>Thank you!</a:t>
-            </a:r>
-          </a:p>
-          <a:p>
-            <a:endParaRPr lang="en-US" sz="4800" dirty="0">
-              <a:solidFill>
-                <a:schemeClr val="tx2">
-                  <a:lumMod val="75000"/>
-                </a:schemeClr>
-              </a:solidFill>
-              <a:latin typeface="LM Roman 10" panose="00000500000000000000" pitchFamily="50" charset="0"/>
-              <a:cs typeface="Aharoni" panose="02010803020104030203" pitchFamily="2" charset="-79"/>
-            </a:endParaRPr>
-          </a:p>
-          <a:p>
-            <a:r>
-              <a:rPr lang="en-US" sz="4800" dirty="0">
-                <a:solidFill>
-                  <a:schemeClr val="tx2">
-                    <a:lumMod val="75000"/>
-                  </a:schemeClr>
-                </a:solidFill>
-                <a:latin typeface="LM Roman 10" panose="00000500000000000000" pitchFamily="50" charset="0"/>
-                <a:cs typeface="Aharoni" panose="02010803020104030203" pitchFamily="2" charset="-79"/>
-              </a:rPr>
-              <a:t>Questions?</a:t>
-            </a:r>
-          </a:p>
-        </p:txBody>
-      </p:sp>
-    </p:spTree>
-    <p:extLst>
-      <p:ext uri="{BB962C8B-B14F-4D97-AF65-F5344CB8AC3E}">
-        <p14:creationId xmlns:p14="http://schemas.microsoft.com/office/powerpoint/2010/main" val="1894719466"/>
       </p:ext>
     </p:extLst>
   </p:cSld>
@@ -8671,6 +4419,137 @@
           </a:prstGeom>
         </p:spPr>
       </p:pic>
+      <mc:AlternateContent xmlns:mc="http://schemas.openxmlformats.org/markup-compatibility/2006">
+        <mc:Choice xmlns:a14="http://schemas.microsoft.com/office/drawing/2010/main" Requires="a14">
+          <p:sp>
+            <p:nvSpPr>
+              <p:cNvPr id="7" name="TextBox 6">
+                <a:extLst>
+                  <a:ext uri="{FF2B5EF4-FFF2-40B4-BE49-F238E27FC236}">
+                    <a16:creationId xmlns:a16="http://schemas.microsoft.com/office/drawing/2014/main" id="{88F787E3-AE66-467C-99F4-68BC68D7C230}"/>
+                  </a:ext>
+                </a:extLst>
+              </p:cNvPr>
+              <p:cNvSpPr txBox="1"/>
+              <p:nvPr/>
+            </p:nvSpPr>
+            <p:spPr>
+              <a:xfrm>
+                <a:off x="6857999" y="4223096"/>
+                <a:ext cx="1238435" cy="369332"/>
+              </a:xfrm>
+              <a:prstGeom prst="rect">
+                <a:avLst/>
+              </a:prstGeom>
+              <a:noFill/>
+            </p:spPr>
+            <p:txBody>
+              <a:bodyPr wrap="square">
+                <a:spAutoFit/>
+              </a:bodyPr>
+              <a:lstStyle/>
+              <a:p>
+                <a:r>
+                  <a:rPr lang="en-GB" dirty="0"/>
+                  <a:t>😨 </a:t>
+                </a:r>
+                <a14:m>
+                  <m:oMath xmlns:m="http://schemas.openxmlformats.org/officeDocument/2006/math">
+                    <m:r>
+                      <a:rPr lang="es-CO" b="0" i="1" smtClean="0">
+                        <a:latin typeface="Cambria Math" panose="02040503050406030204" pitchFamily="18" charset="0"/>
+                      </a:rPr>
+                      <m:t>𝑂</m:t>
+                    </m:r>
+                    <m:r>
+                      <a:rPr lang="es-CO" b="0" i="1" smtClean="0">
+                        <a:latin typeface="Cambria Math" panose="02040503050406030204" pitchFamily="18" charset="0"/>
+                      </a:rPr>
+                      <m:t>(</m:t>
+                    </m:r>
+                    <m:sSup>
+                      <m:sSupPr>
+                        <m:ctrlPr>
+                          <a:rPr lang="es-CO" b="0" i="1" smtClean="0">
+                            <a:latin typeface="Cambria Math" panose="02040503050406030204" pitchFamily="18" charset="0"/>
+                          </a:rPr>
+                        </m:ctrlPr>
+                      </m:sSupPr>
+                      <m:e>
+                        <m:r>
+                          <a:rPr lang="es-CO" b="0" i="1" smtClean="0">
+                            <a:latin typeface="Cambria Math" panose="02040503050406030204" pitchFamily="18" charset="0"/>
+                          </a:rPr>
+                          <m:t>2</m:t>
+                        </m:r>
+                      </m:e>
+                      <m:sup>
+                        <m:r>
+                          <a:rPr lang="es-CO" b="0" i="1" smtClean="0">
+                            <a:latin typeface="Cambria Math" panose="02040503050406030204" pitchFamily="18" charset="0"/>
+                          </a:rPr>
+                          <m:t>𝑛</m:t>
+                        </m:r>
+                      </m:sup>
+                    </m:sSup>
+                    <m:r>
+                      <a:rPr lang="es-CO" b="0" i="1" smtClean="0">
+                        <a:latin typeface="Cambria Math" panose="02040503050406030204" pitchFamily="18" charset="0"/>
+                      </a:rPr>
+                      <m:t>)</m:t>
+                    </m:r>
+                  </m:oMath>
+                </a14:m>
+                <a:endParaRPr lang="en-GB" dirty="0"/>
+              </a:p>
+            </p:txBody>
+          </p:sp>
+        </mc:Choice>
+        <mc:Fallback>
+          <p:sp>
+            <p:nvSpPr>
+              <p:cNvPr id="7" name="TextBox 6">
+                <a:extLst>
+                  <a:ext uri="{FF2B5EF4-FFF2-40B4-BE49-F238E27FC236}">
+                    <a16:creationId xmlns:a16="http://schemas.microsoft.com/office/drawing/2014/main" id="{88F787E3-AE66-467C-99F4-68BC68D7C230}"/>
+                  </a:ext>
+                </a:extLst>
+              </p:cNvPr>
+              <p:cNvSpPr txBox="1">
+                <a:spLocks noRot="1" noChangeAspect="1" noMove="1" noResize="1" noEditPoints="1" noAdjustHandles="1" noChangeArrowheads="1" noChangeShapeType="1" noTextEdit="1"/>
+              </p:cNvSpPr>
+              <p:nvPr/>
+            </p:nvSpPr>
+            <p:spPr>
+              <a:xfrm>
+                <a:off x="6857999" y="4223096"/>
+                <a:ext cx="1238435" cy="369332"/>
+              </a:xfrm>
+              <a:prstGeom prst="rect">
+                <a:avLst/>
+              </a:prstGeom>
+              <a:blipFill>
+                <a:blip r:embed="rId5"/>
+                <a:stretch>
+                  <a:fillRect l="-3941" t="-11667" b="-25000"/>
+                </a:stretch>
+              </a:blipFill>
+            </p:spPr>
+            <p:txBody>
+              <a:bodyPr/>
+              <a:lstStyle/>
+              <a:p>
+                <a:r>
+                  <a:rPr lang="en-GB">
+                    <a:noFill/>
+                  </a:rPr>
+                  <a:t> </a:t>
+                </a:r>
+              </a:p>
+            </p:txBody>
+          </p:sp>
+        </mc:Fallback>
+      </mc:AlternateContent>
     </p:spTree>
     <p:extLst>
       <p:ext uri="{BB962C8B-B14F-4D97-AF65-F5344CB8AC3E}">
@@ -9244,7 +5123,7 @@
                 <a:latin typeface="Arial" panose="020B0604020202020204" pitchFamily="34" charset="0"/>
                 <a:cs typeface="Arial" panose="020B0604020202020204" pitchFamily="34" charset="0"/>
               </a:rPr>
-              <a:t>En esta parte I</a:t>
+              <a:t>Problema 2</a:t>
             </a:r>
           </a:p>
         </p:txBody>
@@ -9257,8 +5136,8 @@
         </p:nvSpPr>
         <p:spPr>
           <a:xfrm>
-            <a:off x="632963" y="1615113"/>
-            <a:ext cx="7878073" cy="5262979"/>
+            <a:off x="428777" y="1579602"/>
+            <a:ext cx="7878073" cy="461665"/>
           </a:xfrm>
           <a:prstGeom prst="rect">
             <a:avLst/>
@@ -9271,197 +5150,166 @@
           </a:bodyPr>
           <a:lstStyle/>
           <a:p>
-            <a:pPr marL="800100" lvl="1" indent="-342900">
-              <a:buFont typeface="Arial" panose="020B0604020202020204" pitchFamily="34" charset="0"/>
-              <a:buChar char="•"/>
-            </a:pPr>
             <a:r>
               <a:rPr lang="es-CO" sz="2400" dirty="0">
                 <a:solidFill>
-                  <a:srgbClr val="FF0000"/>
-                </a:solidFill>
-              </a:rPr>
-              <a:t>Arreglos</a:t>
-            </a:r>
-          </a:p>
-          <a:p>
-            <a:pPr marL="800100" lvl="1" indent="-342900">
-              <a:buFont typeface="Arial" panose="020B0604020202020204" pitchFamily="34" charset="0"/>
-              <a:buChar char="•"/>
-            </a:pPr>
-            <a:r>
-              <a:rPr lang="es-CO" sz="2400" dirty="0">
-                <a:solidFill>
-                  <a:srgbClr val="FF0000"/>
-                </a:solidFill>
-              </a:rPr>
-              <a:t>ArrayList</a:t>
-            </a:r>
-          </a:p>
-          <a:p>
-            <a:pPr marL="800100" lvl="1" indent="-342900">
-              <a:buFont typeface="Arial" panose="020B0604020202020204" pitchFamily="34" charset="0"/>
-              <a:buChar char="•"/>
-            </a:pPr>
-            <a:r>
-              <a:rPr lang="es-CO" sz="2400" dirty="0">
-                <a:solidFill>
-                  <a:srgbClr val="FF0000"/>
-                </a:solidFill>
-              </a:rPr>
-              <a:t>Stack</a:t>
-            </a:r>
-          </a:p>
-          <a:p>
-            <a:pPr marL="800100" lvl="1" indent="-342900">
-              <a:buFont typeface="Arial" panose="020B0604020202020204" pitchFamily="34" charset="0"/>
-              <a:buChar char="•"/>
-            </a:pPr>
-            <a:r>
-              <a:rPr lang="es-CO" sz="2400" dirty="0">
-                <a:solidFill>
-                  <a:srgbClr val="FF0000"/>
-                </a:solidFill>
-              </a:rPr>
-              <a:t>Queue</a:t>
-            </a:r>
-          </a:p>
-          <a:p>
-            <a:pPr marL="800100" lvl="1" indent="-342900">
-              <a:buFont typeface="Arial" panose="020B0604020202020204" pitchFamily="34" charset="0"/>
-              <a:buChar char="•"/>
-            </a:pPr>
-            <a:r>
-              <a:rPr lang="es-CO" sz="2400" dirty="0">
-                <a:solidFill>
-                  <a:srgbClr val="FF0000"/>
-                </a:solidFill>
-              </a:rPr>
-              <a:t>PriorityQueue</a:t>
-            </a:r>
-          </a:p>
-          <a:p>
-            <a:pPr marL="800100" lvl="1" indent="-342900">
-              <a:buFont typeface="Arial" panose="020B0604020202020204" pitchFamily="34" charset="0"/>
-              <a:buChar char="•"/>
-            </a:pPr>
-            <a:r>
-              <a:rPr lang="es-CO" sz="2400" dirty="0" err="1">
-                <a:solidFill>
-                  <a:srgbClr val="FF0000"/>
-                </a:solidFill>
-              </a:rPr>
-              <a:t>Pair</a:t>
-            </a:r>
-            <a:endParaRPr lang="es-CO" sz="2400" dirty="0">
-              <a:solidFill>
-                <a:srgbClr val="FF0000"/>
-              </a:solidFill>
-            </a:endParaRPr>
-          </a:p>
-          <a:p>
-            <a:pPr marL="800100" lvl="1" indent="-342900">
-              <a:buFont typeface="Arial" panose="020B0604020202020204" pitchFamily="34" charset="0"/>
-              <a:buChar char="•"/>
-            </a:pPr>
-            <a:r>
-              <a:rPr lang="es-CO" sz="2400" dirty="0">
-                <a:solidFill>
-                  <a:srgbClr val="FF0000"/>
-                </a:solidFill>
-              </a:rPr>
-              <a:t>Deque</a:t>
-            </a:r>
-          </a:p>
-          <a:p>
-            <a:pPr marL="800100" lvl="1" indent="-342900">
-              <a:buFont typeface="Arial" panose="020B0604020202020204" pitchFamily="34" charset="0"/>
-              <a:buChar char="•"/>
-            </a:pPr>
-            <a:r>
-              <a:rPr lang="es-CO" sz="2400" dirty="0"/>
-              <a:t>HashMap</a:t>
-            </a:r>
-          </a:p>
-          <a:p>
-            <a:pPr marL="800100" lvl="1" indent="-342900">
-              <a:buFont typeface="Arial" panose="020B0604020202020204" pitchFamily="34" charset="0"/>
-              <a:buChar char="•"/>
-            </a:pPr>
-            <a:r>
-              <a:rPr lang="es-CO" sz="2400" dirty="0"/>
-              <a:t>Set</a:t>
-            </a:r>
-          </a:p>
-          <a:p>
-            <a:pPr marL="800100" lvl="1" indent="-342900">
-              <a:buFont typeface="Arial" panose="020B0604020202020204" pitchFamily="34" charset="0"/>
-              <a:buChar char="•"/>
-            </a:pPr>
-            <a:r>
-              <a:rPr lang="es-CO" sz="2400" dirty="0" err="1"/>
-              <a:t>TreeMap</a:t>
-            </a:r>
-            <a:endParaRPr lang="es-CO" sz="2400" dirty="0"/>
-          </a:p>
-          <a:p>
-            <a:pPr marL="800100" lvl="1" indent="-342900">
-              <a:buFont typeface="Arial" panose="020B0604020202020204" pitchFamily="34" charset="0"/>
-              <a:buChar char="•"/>
-            </a:pPr>
-            <a:r>
-              <a:rPr lang="es-CO" sz="2400" dirty="0"/>
-              <a:t>TreeSet</a:t>
-            </a:r>
-          </a:p>
-          <a:p>
-            <a:pPr marL="800100" lvl="1" indent="-342900">
-              <a:buFont typeface="Arial" panose="020B0604020202020204" pitchFamily="34" charset="0"/>
-              <a:buChar char="•"/>
-            </a:pPr>
-            <a:r>
-              <a:rPr lang="es-CO" sz="2400" dirty="0" err="1"/>
-              <a:t>Disjoint</a:t>
-            </a:r>
-            <a:r>
-              <a:rPr lang="es-CO" sz="2400" dirty="0"/>
-              <a:t> Set</a:t>
-            </a:r>
-          </a:p>
-          <a:p>
-            <a:pPr marL="800100" lvl="1" indent="-342900">
-              <a:buFont typeface="Arial" panose="020B0604020202020204" pitchFamily="34" charset="0"/>
-              <a:buChar char="•"/>
-            </a:pPr>
-            <a:endParaRPr lang="es-CO" sz="2400" dirty="0">
-              <a:solidFill>
-                <a:schemeClr val="tx1">
-                  <a:lumMod val="65000"/>
-                  <a:lumOff val="35000"/>
-                </a:schemeClr>
-              </a:solidFill>
-            </a:endParaRPr>
-          </a:p>
-          <a:p>
-            <a:pPr marL="800100" lvl="1" indent="-342900">
-              <a:buFont typeface="Arial" panose="020B0604020202020204" pitchFamily="34" charset="0"/>
-              <a:buChar char="•"/>
-            </a:pPr>
-            <a:endParaRPr lang="es-CO" sz="2400" dirty="0">
-              <a:solidFill>
-                <a:schemeClr val="tx1">
-                  <a:lumMod val="65000"/>
-                  <a:lumOff val="35000"/>
-                </a:schemeClr>
-              </a:solidFill>
-            </a:endParaRPr>
+                  <a:schemeClr val="tx1">
+                    <a:lumMod val="65000"/>
+                    <a:lumOff val="35000"/>
+                  </a:schemeClr>
+                </a:solidFill>
+              </a:rPr>
+              <a:t>Generar todas las permutaciones.</a:t>
+            </a:r>
           </a:p>
         </p:txBody>
       </p:sp>
+      <p:pic>
+        <p:nvPicPr>
+          <p:cNvPr id="3" name="Picture 2">
+            <a:extLst>
+              <a:ext uri="{FF2B5EF4-FFF2-40B4-BE49-F238E27FC236}">
+                <a16:creationId xmlns:a16="http://schemas.microsoft.com/office/drawing/2014/main" id="{33CCE5EE-D615-416D-94EE-62BA07597BC1}"/>
+              </a:ext>
+            </a:extLst>
+          </p:cNvPr>
+          <p:cNvPicPr>
+            <a:picLocks noChangeAspect="1"/>
+          </p:cNvPicPr>
+          <p:nvPr/>
+        </p:nvPicPr>
+        <p:blipFill>
+          <a:blip r:embed="rId4"/>
+          <a:stretch>
+            <a:fillRect/>
+          </a:stretch>
+        </p:blipFill>
+        <p:spPr>
+          <a:xfrm>
+            <a:off x="2725701" y="2041267"/>
+            <a:ext cx="3538095" cy="4688145"/>
+          </a:xfrm>
+          <a:prstGeom prst="rect">
+            <a:avLst/>
+          </a:prstGeom>
+        </p:spPr>
+      </p:pic>
+      <mc:AlternateContent xmlns:mc="http://schemas.openxmlformats.org/markup-compatibility/2006">
+        <mc:Choice xmlns:a14="http://schemas.microsoft.com/office/drawing/2010/main" Requires="a14">
+          <p:sp>
+            <p:nvSpPr>
+              <p:cNvPr id="8" name="TextBox 7">
+                <a:extLst>
+                  <a:ext uri="{FF2B5EF4-FFF2-40B4-BE49-F238E27FC236}">
+                    <a16:creationId xmlns:a16="http://schemas.microsoft.com/office/drawing/2014/main" id="{86295084-473C-4898-AE16-C507ADB5F748}"/>
+                  </a:ext>
+                </a:extLst>
+              </p:cNvPr>
+              <p:cNvSpPr txBox="1"/>
+              <p:nvPr/>
+            </p:nvSpPr>
+            <p:spPr>
+              <a:xfrm>
+                <a:off x="6857999" y="4223096"/>
+                <a:ext cx="1238435" cy="369332"/>
+              </a:xfrm>
+              <a:prstGeom prst="rect">
+                <a:avLst/>
+              </a:prstGeom>
+              <a:noFill/>
+            </p:spPr>
+            <p:txBody>
+              <a:bodyPr wrap="square">
+                <a:spAutoFit/>
+              </a:bodyPr>
+              <a:lstStyle/>
+              <a:p>
+                <a:r>
+                  <a:rPr lang="en-GB" dirty="0"/>
+                  <a:t>😨 </a:t>
+                </a:r>
+                <a14:m>
+                  <m:oMath xmlns:m="http://schemas.openxmlformats.org/officeDocument/2006/math">
+                    <m:r>
+                      <a:rPr lang="es-CO" b="0" i="1" smtClean="0">
+                        <a:latin typeface="Cambria Math" panose="02040503050406030204" pitchFamily="18" charset="0"/>
+                      </a:rPr>
+                      <m:t>𝑂</m:t>
+                    </m:r>
+                    <m:r>
+                      <a:rPr lang="es-CO" b="0" i="1" smtClean="0">
+                        <a:latin typeface="Cambria Math" panose="02040503050406030204" pitchFamily="18" charset="0"/>
+                      </a:rPr>
+                      <m:t>(</m:t>
+                    </m:r>
+                    <m:r>
+                      <a:rPr lang="es-CO" b="0" i="1" smtClean="0">
+                        <a:latin typeface="Cambria Math" panose="02040503050406030204" pitchFamily="18" charset="0"/>
+                      </a:rPr>
+                      <m:t>𝑛</m:t>
+                    </m:r>
+                    <m:r>
+                      <a:rPr lang="es-CO" b="0" i="1" smtClean="0">
+                        <a:latin typeface="Cambria Math" panose="02040503050406030204" pitchFamily="18" charset="0"/>
+                      </a:rPr>
+                      <m:t>!)</m:t>
+                    </m:r>
+                  </m:oMath>
+                </a14:m>
+                <a:endParaRPr lang="en-GB" dirty="0"/>
+              </a:p>
+            </p:txBody>
+          </p:sp>
+        </mc:Choice>
+        <mc:Fallback>
+          <p:sp>
+            <p:nvSpPr>
+              <p:cNvPr id="8" name="TextBox 7">
+                <a:extLst>
+                  <a:ext uri="{FF2B5EF4-FFF2-40B4-BE49-F238E27FC236}">
+                    <a16:creationId xmlns:a16="http://schemas.microsoft.com/office/drawing/2014/main" id="{86295084-473C-4898-AE16-C507ADB5F748}"/>
+                  </a:ext>
+                </a:extLst>
+              </p:cNvPr>
+              <p:cNvSpPr txBox="1">
+                <a:spLocks noRot="1" noChangeAspect="1" noMove="1" noResize="1" noEditPoints="1" noAdjustHandles="1" noChangeArrowheads="1" noChangeShapeType="1" noTextEdit="1"/>
+              </p:cNvSpPr>
+              <p:nvPr/>
+            </p:nvSpPr>
+            <p:spPr>
+              <a:xfrm>
+                <a:off x="6857999" y="4223096"/>
+                <a:ext cx="1238435" cy="369332"/>
+              </a:xfrm>
+              <a:prstGeom prst="rect">
+                <a:avLst/>
+              </a:prstGeom>
+              <a:blipFill>
+                <a:blip r:embed="rId5"/>
+                <a:stretch>
+                  <a:fillRect l="-3941" t="-11667" b="-25000"/>
+                </a:stretch>
+              </a:blipFill>
+            </p:spPr>
+            <p:txBody>
+              <a:bodyPr/>
+              <a:lstStyle/>
+              <a:p>
+                <a:r>
+                  <a:rPr lang="en-GB">
+                    <a:noFill/>
+                  </a:rPr>
+                  <a:t> </a:t>
+                </a:r>
+              </a:p>
+            </p:txBody>
+          </p:sp>
+        </mc:Fallback>
+      </mc:AlternateContent>
     </p:spTree>
     <p:extLst>
       <p:ext uri="{BB962C8B-B14F-4D97-AF65-F5344CB8AC3E}">
-        <p14:creationId xmlns:p14="http://schemas.microsoft.com/office/powerpoint/2010/main" val="1916172665"/>
+        <p14:creationId xmlns:p14="http://schemas.microsoft.com/office/powerpoint/2010/main" val="251139490"/>
       </p:ext>
     </p:extLst>
   </p:cSld>
@@ -9541,14 +5389,24 @@
           <a:lstStyle/>
           <a:p>
             <a:r>
-              <a:rPr lang="es-CO" sz="2400" b="1" dirty="0">
+              <a:rPr lang="es-CO" sz="2400" b="1" dirty="0" err="1">
                 <a:solidFill>
                   <a:schemeClr val="bg1"/>
                 </a:solidFill>
                 <a:latin typeface="Arial" panose="020B0604020202020204" pitchFamily="34" charset="0"/>
                 <a:cs typeface="Arial" panose="020B0604020202020204" pitchFamily="34" charset="0"/>
               </a:rPr>
-              <a:t>Arreglos</a:t>
+              <a:t>Bitmasks</a:t>
+            </a:r>
+            <a:r>
+              <a:rPr lang="es-CO" sz="2400" b="1" dirty="0">
+                <a:solidFill>
+                  <a:schemeClr val="bg1"/>
+                </a:solidFill>
+                <a:latin typeface="Arial" panose="020B0604020202020204" pitchFamily="34" charset="0"/>
+                <a:cs typeface="Arial" panose="020B0604020202020204" pitchFamily="34" charset="0"/>
+              </a:rPr>
+              <a:t>!</a:t>
             </a:r>
           </a:p>
         </p:txBody>
@@ -9561,8 +5419,8 @@
         </p:nvSpPr>
         <p:spPr>
           <a:xfrm>
-            <a:off x="0" y="1535214"/>
-            <a:ext cx="7878073" cy="830997"/>
+            <a:off x="0" y="1304395"/>
+            <a:ext cx="8324606" cy="2308324"/>
           </a:xfrm>
           <a:prstGeom prst="rect">
             <a:avLst/>
@@ -9580,16 +5438,37 @@
               <a:buChar char="•"/>
             </a:pPr>
             <a:r>
+              <a:rPr lang="es-CO" sz="2400" dirty="0"/>
+              <a:t>Solución económica en memoria para generar </a:t>
+            </a:r>
+            <a:r>
+              <a:rPr lang="es-CO" sz="2400" dirty="0" err="1"/>
+              <a:t>subsets</a:t>
+            </a:r>
+            <a:r>
+              <a:rPr lang="es-CO" sz="2400" dirty="0"/>
+              <a:t> y permutaciones.</a:t>
+            </a:r>
+          </a:p>
+          <a:p>
+            <a:pPr marL="800100" lvl="1" indent="-342900">
+              <a:buFont typeface="Arial" panose="020B0604020202020204" pitchFamily="34" charset="0"/>
+              <a:buChar char="•"/>
+            </a:pPr>
+            <a:r>
               <a:rPr lang="es-CO" sz="2400" dirty="0">
-                <a:solidFill>
-                  <a:schemeClr val="tx1">
-                    <a:lumMod val="65000"/>
-                    <a:lumOff val="35000"/>
-                  </a:schemeClr>
-                </a:solidFill>
-              </a:rPr>
-              <a:t>La cantidad de elementos a almacenar es fija:</a:t>
-            </a:r>
+                <a:hlinkClick r:id="rId4"/>
+              </a:rPr>
+              <a:t>https://blog.bitsrc.io/the-art-of-bitmasking-ec58ab1b4c03</a:t>
+            </a:r>
+            <a:endParaRPr lang="es-CO" sz="2400" dirty="0"/>
+          </a:p>
+          <a:p>
+            <a:pPr marL="800100" lvl="1" indent="-342900">
+              <a:buFont typeface="Arial" panose="020B0604020202020204" pitchFamily="34" charset="0"/>
+              <a:buChar char="•"/>
+            </a:pPr>
+            <a:endParaRPr lang="es-CO" sz="2400" dirty="0"/>
           </a:p>
           <a:p>
             <a:pPr marL="800100" lvl="1" indent="-342900">
@@ -9605,180 +5484,6 @@
               </a:solidFill>
             </a:endParaRPr>
           </a:p>
-        </p:txBody>
-      </p:sp>
-      <p:pic>
-        <p:nvPicPr>
-          <p:cNvPr id="3" name="Picture 2">
-            <a:extLst>
-              <a:ext uri="{FF2B5EF4-FFF2-40B4-BE49-F238E27FC236}">
-                <a16:creationId xmlns:a16="http://schemas.microsoft.com/office/drawing/2014/main" id="{FCFC01F1-2215-43BD-A950-6661575C1242}"/>
-              </a:ext>
-            </a:extLst>
-          </p:cNvPr>
-          <p:cNvPicPr>
-            <a:picLocks noChangeAspect="1"/>
-          </p:cNvPicPr>
-          <p:nvPr/>
-        </p:nvPicPr>
-        <p:blipFill>
-          <a:blip r:embed="rId4"/>
-          <a:stretch>
-            <a:fillRect/>
-          </a:stretch>
-        </p:blipFill>
-        <p:spPr>
-          <a:xfrm>
-            <a:off x="1855431" y="2276475"/>
-            <a:ext cx="5267325" cy="1152525"/>
-          </a:xfrm>
-          <a:prstGeom prst="rect">
-            <a:avLst/>
-          </a:prstGeom>
-        </p:spPr>
-      </p:pic>
-      <p:sp>
-        <p:nvSpPr>
-          <p:cNvPr id="7" name="TextBox 6">
-            <a:extLst>
-              <a:ext uri="{FF2B5EF4-FFF2-40B4-BE49-F238E27FC236}">
-                <a16:creationId xmlns:a16="http://schemas.microsoft.com/office/drawing/2014/main" id="{09853B43-57DC-4170-AB89-F7A95510279B}"/>
-              </a:ext>
-            </a:extLst>
-          </p:cNvPr>
-          <p:cNvSpPr txBox="1"/>
-          <p:nvPr/>
-        </p:nvSpPr>
-        <p:spPr>
-          <a:xfrm>
-            <a:off x="-1" y="3754762"/>
-            <a:ext cx="7878073" cy="2677656"/>
-          </a:xfrm>
-          <a:prstGeom prst="rect">
-            <a:avLst/>
-          </a:prstGeom>
-          <a:noFill/>
-        </p:spPr>
-        <p:txBody>
-          <a:bodyPr wrap="square" rtlCol="0">
-            <a:spAutoFit/>
-          </a:bodyPr>
-          <a:lstStyle/>
-          <a:p>
-            <a:pPr marL="800100" lvl="1" indent="-342900">
-              <a:buFont typeface="Arial" panose="020B0604020202020204" pitchFamily="34" charset="0"/>
-              <a:buChar char="•"/>
-            </a:pPr>
-            <a:r>
-              <a:rPr lang="es-CO" sz="2400" dirty="0">
-                <a:solidFill>
-                  <a:schemeClr val="tx1">
-                    <a:lumMod val="65000"/>
-                    <a:lumOff val="35000"/>
-                  </a:schemeClr>
-                </a:solidFill>
-              </a:rPr>
-              <a:t>Métodos:</a:t>
-            </a:r>
-          </a:p>
-          <a:p>
-            <a:pPr marL="1257300" lvl="2" indent="-342900">
-              <a:buFont typeface="Arial" panose="020B0604020202020204" pitchFamily="34" charset="0"/>
-              <a:buChar char="•"/>
-            </a:pPr>
-            <a:r>
-              <a:rPr lang="es-CO" sz="2400" dirty="0">
-                <a:solidFill>
-                  <a:schemeClr val="tx1">
-                    <a:lumMod val="65000"/>
-                    <a:lumOff val="35000"/>
-                  </a:schemeClr>
-                </a:solidFill>
-              </a:rPr>
-              <a:t>Inicializar un arreglo con el mismo dato inicial:</a:t>
-            </a:r>
-          </a:p>
-          <a:p>
-            <a:pPr lvl="3"/>
-            <a:r>
-              <a:rPr lang="es-CO" sz="2400" dirty="0" err="1">
-                <a:solidFill>
-                  <a:schemeClr val="tx1">
-                    <a:lumMod val="65000"/>
-                    <a:lumOff val="35000"/>
-                  </a:schemeClr>
-                </a:solidFill>
-              </a:rPr>
-              <a:t>Arrays.fill</a:t>
-            </a:r>
-            <a:r>
-              <a:rPr lang="es-CO" sz="2400" dirty="0">
-                <a:solidFill>
-                  <a:schemeClr val="tx1">
-                    <a:lumMod val="65000"/>
-                    <a:lumOff val="35000"/>
-                  </a:schemeClr>
-                </a:solidFill>
-              </a:rPr>
-              <a:t>(datos, -1);</a:t>
-            </a:r>
-          </a:p>
-          <a:p>
-            <a:pPr marL="1257300" lvl="2" indent="-342900">
-              <a:buFont typeface="Arial" panose="020B0604020202020204" pitchFamily="34" charset="0"/>
-              <a:buChar char="•"/>
-            </a:pPr>
-            <a:r>
-              <a:rPr lang="es-CO" sz="2400" dirty="0">
-                <a:solidFill>
-                  <a:schemeClr val="tx1">
-                    <a:lumMod val="65000"/>
-                    <a:lumOff val="35000"/>
-                  </a:schemeClr>
-                </a:solidFill>
-              </a:rPr>
-              <a:t>Ordenar un arreglo:</a:t>
-            </a:r>
-          </a:p>
-          <a:p>
-            <a:pPr lvl="3"/>
-            <a:r>
-              <a:rPr lang="es-CO" sz="2400" dirty="0" err="1">
-                <a:solidFill>
-                  <a:schemeClr val="tx1">
-                    <a:lumMod val="65000"/>
-                    <a:lumOff val="35000"/>
-                  </a:schemeClr>
-                </a:solidFill>
-              </a:rPr>
-              <a:t>Arrays.sort</a:t>
-            </a:r>
-            <a:r>
-              <a:rPr lang="es-CO" sz="2400" dirty="0">
-                <a:solidFill>
-                  <a:schemeClr val="tx1">
-                    <a:lumMod val="65000"/>
-                    <a:lumOff val="35000"/>
-                  </a:schemeClr>
-                </a:solidFill>
-              </a:rPr>
-              <a:t>(datos);</a:t>
-            </a:r>
-          </a:p>
-          <a:p>
-            <a:pPr marL="1257300" lvl="2" indent="-342900">
-              <a:buFont typeface="Arial" panose="020B0604020202020204" pitchFamily="34" charset="0"/>
-              <a:buChar char="•"/>
-            </a:pPr>
-            <a:endParaRPr lang="es-CO" sz="2400" dirty="0">
-              <a:solidFill>
-                <a:schemeClr val="tx1">
-                  <a:lumMod val="65000"/>
-                  <a:lumOff val="35000"/>
-                </a:schemeClr>
-              </a:solidFill>
-            </a:endParaRPr>
-          </a:p>
           <a:p>
             <a:pPr marL="800100" lvl="1" indent="-342900">
               <a:buFont typeface="Arial" panose="020B0604020202020204" pitchFamily="34" charset="0"/>
@@ -9795,10 +5500,1873 @@
           </a:p>
         </p:txBody>
       </p:sp>
+      <p:sp>
+        <p:nvSpPr>
+          <p:cNvPr id="3" name="Rectangle 1">
+            <a:extLst>
+              <a:ext uri="{FF2B5EF4-FFF2-40B4-BE49-F238E27FC236}">
+                <a16:creationId xmlns:a16="http://schemas.microsoft.com/office/drawing/2014/main" id="{37589CA2-E176-4E77-AA76-BCCE969D829D}"/>
+              </a:ext>
+            </a:extLst>
+          </p:cNvPr>
+          <p:cNvSpPr>
+            <a:spLocks noChangeArrowheads="1"/>
+          </p:cNvSpPr>
+          <p:nvPr/>
+        </p:nvSpPr>
+        <p:spPr bwMode="auto">
+          <a:xfrm>
+            <a:off x="60036" y="2556142"/>
+            <a:ext cx="9023928" cy="3128949"/>
+          </a:xfrm>
+          <a:prstGeom prst="rect">
+            <a:avLst/>
+          </a:prstGeom>
+          <a:solidFill>
+            <a:srgbClr val="F2F2F2"/>
+          </a:solidFill>
+          <a:ln>
+            <a:noFill/>
+          </a:ln>
+          <a:effectLst/>
+          <a:extLst>
+            <a:ext uri="{91240B29-F687-4F45-9708-019B960494DF}">
+              <a14:hiddenLine xmlns:a14="http://schemas.microsoft.com/office/drawing/2010/main" w="9525">
+                <a:solidFill>
+                  <a:schemeClr val="tx1"/>
+                </a:solidFill>
+                <a:miter lim="800000"/>
+                <a:headEnd/>
+                <a:tailEnd/>
+              </a14:hiddenLine>
+            </a:ext>
+            <a:ext uri="{AF507438-7753-43E0-B8FC-AC1667EBCBE1}">
+              <a14:hiddenEffects xmlns:a14="http://schemas.microsoft.com/office/drawing/2010/main">
+                <a:effectLst>
+                  <a:outerShdw dist="35921" dir="2700000" algn="ctr" rotWithShape="0">
+                    <a:schemeClr val="bg2"/>
+                  </a:outerShdw>
+                </a:effectLst>
+              </a14:hiddenEffects>
+            </a:ext>
+          </a:extLst>
+        </p:spPr>
+        <p:txBody>
+          <a:bodyPr vert="horz" wrap="square" lIns="0" tIns="355488" rIns="0" bIns="0" numCol="1" anchor="ctr" anchorCtr="0" compatLnSpc="1">
+            <a:prstTxWarp prst="textNoShape">
+              <a:avLst/>
+            </a:prstTxWarp>
+            <a:spAutoFit/>
+          </a:bodyPr>
+          <a:lstStyle/>
+          <a:p>
+            <a:pPr marL="0" marR="0" lvl="0" indent="0" algn="l" defTabSz="914400" rtl="0" eaLnBrk="0" fontAlgn="base" latinLnBrk="0" hangingPunct="0">
+              <a:lnSpc>
+                <a:spcPct val="100000"/>
+              </a:lnSpc>
+              <a:spcBef>
+                <a:spcPct val="0"/>
+              </a:spcBef>
+              <a:spcAft>
+                <a:spcPct val="0"/>
+              </a:spcAft>
+              <a:buClrTx/>
+              <a:buSzTx/>
+              <a:buFontTx/>
+              <a:buNone/>
+              <a:tabLst/>
+            </a:pPr>
+            <a:r>
+              <a:rPr kumimoji="0" lang="es-CO" altLang="es-CO" sz="1200" b="1" i="0" u="none" strike="noStrike" cap="none" normalizeH="0" baseline="0" dirty="0" err="1">
+                <a:ln>
+                  <a:noFill/>
+                </a:ln>
+                <a:solidFill>
+                  <a:srgbClr val="292929"/>
+                </a:solidFill>
+                <a:effectLst/>
+                <a:latin typeface="Menlo"/>
+              </a:rPr>
+              <a:t>suppose</a:t>
+            </a:r>
+            <a:r>
+              <a:rPr kumimoji="0" lang="es-CO" altLang="es-CO" sz="1200" b="1" i="0" u="none" strike="noStrike" cap="none" normalizeH="0" baseline="0" dirty="0">
+                <a:ln>
+                  <a:noFill/>
+                </a:ln>
+                <a:solidFill>
+                  <a:srgbClr val="292929"/>
+                </a:solidFill>
+                <a:effectLst/>
+                <a:latin typeface="Menlo"/>
+              </a:rPr>
+              <a:t> </a:t>
+            </a:r>
+            <a:r>
+              <a:rPr kumimoji="0" lang="es-CO" altLang="es-CO" sz="1200" b="1" i="0" u="none" strike="noStrike" cap="none" normalizeH="0" baseline="0" dirty="0" err="1">
+                <a:ln>
+                  <a:noFill/>
+                </a:ln>
+                <a:solidFill>
+                  <a:srgbClr val="292929"/>
+                </a:solidFill>
+                <a:effectLst/>
+                <a:latin typeface="Menlo"/>
+              </a:rPr>
+              <a:t>the</a:t>
+            </a:r>
+            <a:r>
+              <a:rPr kumimoji="0" lang="es-CO" altLang="es-CO" sz="1200" b="1" i="0" u="none" strike="noStrike" cap="none" normalizeH="0" baseline="0" dirty="0">
+                <a:ln>
+                  <a:noFill/>
+                </a:ln>
+                <a:solidFill>
+                  <a:srgbClr val="292929"/>
+                </a:solidFill>
+                <a:effectLst/>
+                <a:latin typeface="Menlo"/>
+              </a:rPr>
+              <a:t> set </a:t>
+            </a:r>
+            <a:r>
+              <a:rPr kumimoji="0" lang="es-CO" altLang="es-CO" sz="1200" b="1" i="0" u="none" strike="noStrike" cap="none" normalizeH="0" baseline="0" dirty="0" err="1">
+                <a:ln>
+                  <a:noFill/>
+                </a:ln>
+                <a:solidFill>
+                  <a:srgbClr val="292929"/>
+                </a:solidFill>
+                <a:effectLst/>
+                <a:latin typeface="Menlo"/>
+              </a:rPr>
+              <a:t>we</a:t>
+            </a:r>
+            <a:r>
+              <a:rPr kumimoji="0" lang="es-CO" altLang="es-CO" sz="1200" b="1" i="0" u="none" strike="noStrike" cap="none" normalizeH="0" baseline="0" dirty="0">
+                <a:ln>
+                  <a:noFill/>
+                </a:ln>
+                <a:solidFill>
+                  <a:srgbClr val="292929"/>
+                </a:solidFill>
+                <a:effectLst/>
+                <a:latin typeface="Menlo"/>
+              </a:rPr>
+              <a:t> </a:t>
+            </a:r>
+            <a:r>
+              <a:rPr kumimoji="0" lang="es-CO" altLang="es-CO" sz="1200" b="1" i="0" u="none" strike="noStrike" cap="none" normalizeH="0" baseline="0" dirty="0" err="1">
+                <a:ln>
+                  <a:noFill/>
+                </a:ln>
+                <a:solidFill>
+                  <a:srgbClr val="292929"/>
+                </a:solidFill>
+                <a:effectLst/>
+                <a:latin typeface="Menlo"/>
+              </a:rPr>
+              <a:t>have</a:t>
+            </a:r>
+            <a:r>
+              <a:rPr kumimoji="0" lang="es-CO" altLang="es-CO" sz="1200" b="1" i="0" u="none" strike="noStrike" cap="none" normalizeH="0" baseline="0" dirty="0">
+                <a:ln>
+                  <a:noFill/>
+                </a:ln>
+                <a:solidFill>
+                  <a:srgbClr val="292929"/>
+                </a:solidFill>
+                <a:effectLst/>
+                <a:latin typeface="Menlo"/>
+              </a:rPr>
+              <a:t> </a:t>
+            </a:r>
+            <a:r>
+              <a:rPr kumimoji="0" lang="es-CO" altLang="es-CO" sz="1200" b="1" i="0" u="none" strike="noStrike" cap="none" normalizeH="0" baseline="0" dirty="0" err="1">
+                <a:ln>
+                  <a:noFill/>
+                </a:ln>
+                <a:solidFill>
+                  <a:srgbClr val="292929"/>
+                </a:solidFill>
+                <a:effectLst/>
+                <a:latin typeface="Menlo"/>
+              </a:rPr>
+              <a:t>is</a:t>
+            </a:r>
+            <a:r>
+              <a:rPr kumimoji="0" lang="es-CO" altLang="es-CO" sz="1200" b="1" i="0" u="none" strike="noStrike" cap="none" normalizeH="0" baseline="0" dirty="0">
+                <a:ln>
+                  <a:noFill/>
+                </a:ln>
+                <a:solidFill>
+                  <a:srgbClr val="292929"/>
+                </a:solidFill>
+                <a:effectLst/>
+                <a:latin typeface="Menlo"/>
+              </a:rPr>
+              <a:t> {1 2 3} and </a:t>
+            </a:r>
+            <a:r>
+              <a:rPr kumimoji="0" lang="es-CO" altLang="es-CO" sz="1200" b="1" i="0" u="none" strike="noStrike" cap="none" normalizeH="0" baseline="0" dirty="0" err="1">
+                <a:ln>
+                  <a:noFill/>
+                </a:ln>
+                <a:solidFill>
+                  <a:srgbClr val="292929"/>
+                </a:solidFill>
+                <a:effectLst/>
+                <a:latin typeface="Menlo"/>
+              </a:rPr>
+              <a:t>we</a:t>
+            </a:r>
+            <a:r>
+              <a:rPr kumimoji="0" lang="es-CO" altLang="es-CO" sz="1200" b="1" i="0" u="none" strike="noStrike" cap="none" normalizeH="0" baseline="0" dirty="0">
+                <a:ln>
+                  <a:noFill/>
+                </a:ln>
+                <a:solidFill>
+                  <a:srgbClr val="292929"/>
+                </a:solidFill>
+                <a:effectLst/>
+                <a:latin typeface="Menlo"/>
+              </a:rPr>
+              <a:t> </a:t>
+            </a:r>
+            <a:r>
+              <a:rPr kumimoji="0" lang="es-CO" altLang="es-CO" sz="1200" b="1" i="0" u="none" strike="noStrike" cap="none" normalizeH="0" baseline="0" dirty="0" err="1">
+                <a:ln>
+                  <a:noFill/>
+                </a:ln>
+                <a:solidFill>
+                  <a:srgbClr val="292929"/>
+                </a:solidFill>
+                <a:effectLst/>
+                <a:latin typeface="Menlo"/>
+              </a:rPr>
+              <a:t>want</a:t>
+            </a:r>
+            <a:r>
+              <a:rPr kumimoji="0" lang="es-CO" altLang="es-CO" sz="1200" b="1" i="0" u="none" strike="noStrike" cap="none" normalizeH="0" baseline="0" dirty="0">
+                <a:ln>
+                  <a:noFill/>
+                </a:ln>
+                <a:solidFill>
+                  <a:srgbClr val="292929"/>
+                </a:solidFill>
+                <a:effectLst/>
+                <a:latin typeface="Menlo"/>
+              </a:rPr>
+              <a:t> </a:t>
+            </a:r>
+            <a:r>
+              <a:rPr kumimoji="0" lang="es-CO" altLang="es-CO" sz="1200" b="1" i="0" u="none" strike="noStrike" cap="none" normalizeH="0" baseline="0" dirty="0" err="1">
+                <a:ln>
+                  <a:noFill/>
+                </a:ln>
+                <a:solidFill>
+                  <a:srgbClr val="292929"/>
+                </a:solidFill>
+                <a:effectLst/>
+                <a:latin typeface="Menlo"/>
+              </a:rPr>
+              <a:t>to</a:t>
+            </a:r>
+            <a:r>
+              <a:rPr kumimoji="0" lang="es-CO" altLang="es-CO" sz="1200" b="1" i="0" u="none" strike="noStrike" cap="none" normalizeH="0" baseline="0" dirty="0">
+                <a:ln>
+                  <a:noFill/>
+                </a:ln>
+                <a:solidFill>
+                  <a:srgbClr val="292929"/>
+                </a:solidFill>
+                <a:effectLst/>
+                <a:latin typeface="Menlo"/>
+              </a:rPr>
+              <a:t> </a:t>
+            </a:r>
+            <a:r>
+              <a:rPr kumimoji="0" lang="es-CO" altLang="es-CO" sz="1200" b="1" i="0" u="none" strike="noStrike" cap="none" normalizeH="0" baseline="0" dirty="0" err="1">
+                <a:ln>
+                  <a:noFill/>
+                </a:ln>
+                <a:solidFill>
+                  <a:srgbClr val="292929"/>
+                </a:solidFill>
+                <a:effectLst/>
+                <a:latin typeface="Menlo"/>
+              </a:rPr>
+              <a:t>get</a:t>
+            </a:r>
+            <a:r>
+              <a:rPr kumimoji="0" lang="es-CO" altLang="es-CO" sz="1200" b="1" i="0" u="none" strike="noStrike" cap="none" normalizeH="0" baseline="0" dirty="0">
+                <a:ln>
+                  <a:noFill/>
+                </a:ln>
+                <a:solidFill>
+                  <a:srgbClr val="292929"/>
+                </a:solidFill>
+                <a:effectLst/>
+                <a:latin typeface="Menlo"/>
+              </a:rPr>
+              <a:t> </a:t>
+            </a:r>
+            <a:r>
+              <a:rPr kumimoji="0" lang="es-CO" altLang="es-CO" sz="1200" b="1" i="0" u="none" strike="noStrike" cap="none" normalizeH="0" baseline="0" dirty="0" err="1">
+                <a:ln>
+                  <a:noFill/>
+                </a:ln>
+                <a:solidFill>
+                  <a:srgbClr val="292929"/>
+                </a:solidFill>
+                <a:effectLst/>
+                <a:latin typeface="Menlo"/>
+              </a:rPr>
+              <a:t>all</a:t>
+            </a:r>
+            <a:r>
+              <a:rPr kumimoji="0" lang="es-CO" altLang="es-CO" sz="1200" b="1" i="0" u="none" strike="noStrike" cap="none" normalizeH="0" baseline="0" dirty="0">
+                <a:ln>
+                  <a:noFill/>
+                </a:ln>
+                <a:solidFill>
+                  <a:srgbClr val="292929"/>
+                </a:solidFill>
+                <a:effectLst/>
+                <a:latin typeface="Menlo"/>
+              </a:rPr>
+              <a:t> </a:t>
+            </a:r>
+            <a:r>
+              <a:rPr kumimoji="0" lang="es-CO" altLang="es-CO" sz="1200" b="1" i="0" u="none" strike="noStrike" cap="none" normalizeH="0" baseline="0" dirty="0" err="1">
+                <a:ln>
+                  <a:noFill/>
+                </a:ln>
+                <a:solidFill>
+                  <a:srgbClr val="292929"/>
+                </a:solidFill>
+                <a:effectLst/>
+                <a:latin typeface="Menlo"/>
+              </a:rPr>
+              <a:t>the</a:t>
+            </a:r>
+            <a:r>
+              <a:rPr kumimoji="0" lang="es-CO" altLang="es-CO" sz="1200" b="1" i="0" u="none" strike="noStrike" cap="none" normalizeH="0" baseline="0" dirty="0">
+                <a:ln>
+                  <a:noFill/>
+                </a:ln>
+                <a:solidFill>
+                  <a:srgbClr val="292929"/>
+                </a:solidFill>
+                <a:effectLst/>
+                <a:latin typeface="Menlo"/>
+              </a:rPr>
+              <a:t> </a:t>
+            </a:r>
+            <a:r>
+              <a:rPr kumimoji="0" lang="es-CO" altLang="es-CO" sz="1200" b="1" i="0" u="none" strike="noStrike" cap="none" normalizeH="0" baseline="0" dirty="0" err="1">
+                <a:ln>
+                  <a:noFill/>
+                </a:ln>
+                <a:solidFill>
+                  <a:srgbClr val="292929"/>
+                </a:solidFill>
+                <a:effectLst/>
+                <a:latin typeface="Menlo"/>
+              </a:rPr>
+              <a:t>possible</a:t>
+            </a:r>
+            <a:r>
+              <a:rPr kumimoji="0" lang="es-CO" altLang="es-CO" sz="1200" b="1" i="0" u="none" strike="noStrike" cap="none" normalizeH="0" baseline="0" dirty="0">
+                <a:ln>
+                  <a:noFill/>
+                </a:ln>
+                <a:solidFill>
+                  <a:srgbClr val="292929"/>
+                </a:solidFill>
+                <a:effectLst/>
+                <a:latin typeface="Menlo"/>
+              </a:rPr>
+              <a:t> </a:t>
+            </a:r>
+            <a:r>
+              <a:rPr kumimoji="0" lang="es-CO" altLang="es-CO" sz="1200" b="1" i="0" u="none" strike="noStrike" cap="none" normalizeH="0" baseline="0" dirty="0" err="1">
+                <a:ln>
+                  <a:noFill/>
+                </a:ln>
+                <a:solidFill>
+                  <a:srgbClr val="292929"/>
+                </a:solidFill>
+                <a:effectLst/>
+                <a:latin typeface="Menlo"/>
+              </a:rPr>
+              <a:t>combinations</a:t>
+            </a:r>
+            <a:r>
+              <a:rPr kumimoji="0" lang="es-CO" altLang="es-CO" sz="1200" b="1" i="0" u="none" strike="noStrike" cap="none" normalizeH="0" baseline="0" dirty="0">
+                <a:ln>
+                  <a:noFill/>
+                </a:ln>
+                <a:solidFill>
+                  <a:srgbClr val="292929"/>
+                </a:solidFill>
+                <a:effectLst/>
+                <a:latin typeface="Menlo"/>
+              </a:rPr>
+              <a:t> </a:t>
+            </a:r>
+            <a:r>
+              <a:rPr kumimoji="0" lang="es-CO" altLang="es-CO" sz="1200" b="1" i="0" u="none" strike="noStrike" cap="none" normalizeH="0" baseline="0" dirty="0" err="1">
+                <a:ln>
+                  <a:noFill/>
+                </a:ln>
+                <a:solidFill>
+                  <a:srgbClr val="292929"/>
+                </a:solidFill>
+                <a:effectLst/>
+                <a:latin typeface="Menlo"/>
+              </a:rPr>
+              <a:t>of</a:t>
+            </a:r>
+            <a:r>
+              <a:rPr kumimoji="0" lang="es-CO" altLang="es-CO" sz="1200" b="1" i="0" u="none" strike="noStrike" cap="none" normalizeH="0" baseline="0" dirty="0">
+                <a:ln>
+                  <a:noFill/>
+                </a:ln>
+                <a:solidFill>
+                  <a:srgbClr val="292929"/>
+                </a:solidFill>
+                <a:effectLst/>
+                <a:latin typeface="Menlo"/>
+              </a:rPr>
+              <a:t> </a:t>
+            </a:r>
+            <a:r>
+              <a:rPr kumimoji="0" lang="es-CO" altLang="es-CO" sz="1200" b="1" i="0" u="none" strike="noStrike" cap="none" normalizeH="0" baseline="0" dirty="0" err="1">
+                <a:ln>
+                  <a:noFill/>
+                </a:ln>
+                <a:solidFill>
+                  <a:srgbClr val="292929"/>
+                </a:solidFill>
+                <a:effectLst/>
+                <a:latin typeface="Menlo"/>
+              </a:rPr>
+              <a:t>selecting</a:t>
+            </a:r>
+            <a:r>
+              <a:rPr kumimoji="0" lang="es-CO" altLang="es-CO" sz="1200" b="1" i="0" u="none" strike="noStrike" cap="none" normalizeH="0" baseline="0" dirty="0">
+                <a:ln>
+                  <a:noFill/>
+                </a:ln>
+                <a:solidFill>
+                  <a:srgbClr val="292929"/>
+                </a:solidFill>
+                <a:effectLst/>
+                <a:latin typeface="Menlo"/>
+              </a:rPr>
+              <a:t> </a:t>
+            </a:r>
+            <a:r>
+              <a:rPr kumimoji="0" lang="es-CO" altLang="es-CO" sz="1200" b="1" i="0" u="none" strike="noStrike" cap="none" normalizeH="0" baseline="0" dirty="0" err="1">
+                <a:ln>
+                  <a:noFill/>
+                </a:ln>
+                <a:solidFill>
+                  <a:srgbClr val="292929"/>
+                </a:solidFill>
+                <a:effectLst/>
+                <a:latin typeface="Menlo"/>
+              </a:rPr>
+              <a:t>the</a:t>
+            </a:r>
+            <a:r>
+              <a:rPr kumimoji="0" lang="es-CO" altLang="es-CO" sz="1200" b="1" i="0" u="none" strike="noStrike" cap="none" normalizeH="0" baseline="0" dirty="0">
+                <a:ln>
+                  <a:noFill/>
+                </a:ln>
+                <a:solidFill>
+                  <a:srgbClr val="292929"/>
+                </a:solidFill>
+                <a:effectLst/>
+                <a:latin typeface="Menlo"/>
+              </a:rPr>
+              <a:t> </a:t>
+            </a:r>
+            <a:r>
+              <a:rPr kumimoji="0" lang="es-CO" altLang="es-CO" sz="1200" b="1" i="0" u="none" strike="noStrike" cap="none" normalizeH="0" baseline="0" dirty="0" err="1">
+                <a:ln>
+                  <a:noFill/>
+                </a:ln>
+                <a:solidFill>
+                  <a:srgbClr val="292929"/>
+                </a:solidFill>
+                <a:effectLst/>
+                <a:latin typeface="Menlo"/>
+              </a:rPr>
+              <a:t>given</a:t>
+            </a:r>
+            <a:r>
+              <a:rPr kumimoji="0" lang="es-CO" altLang="es-CO" sz="1200" b="1" i="0" u="none" strike="noStrike" cap="none" normalizeH="0" baseline="0" dirty="0">
+                <a:ln>
+                  <a:noFill/>
+                </a:ln>
+                <a:solidFill>
+                  <a:srgbClr val="292929"/>
+                </a:solidFill>
+                <a:effectLst/>
+                <a:latin typeface="Menlo"/>
+              </a:rPr>
+              <a:t> 3 </a:t>
+            </a:r>
+            <a:r>
+              <a:rPr kumimoji="0" lang="es-CO" altLang="es-CO" sz="1200" b="1" i="0" u="none" strike="noStrike" cap="none" normalizeH="0" baseline="0" dirty="0" err="1">
+                <a:ln>
+                  <a:noFill/>
+                </a:ln>
+                <a:solidFill>
+                  <a:srgbClr val="292929"/>
+                </a:solidFill>
+                <a:effectLst/>
+                <a:latin typeface="Menlo"/>
+              </a:rPr>
+              <a:t>items</a:t>
+            </a:r>
+            <a:r>
+              <a:rPr kumimoji="0" lang="es-CO" altLang="es-CO" sz="1200" b="1" i="0" u="none" strike="noStrike" cap="none" normalizeH="0" baseline="0" dirty="0">
+                <a:ln>
+                  <a:noFill/>
+                </a:ln>
+                <a:solidFill>
+                  <a:srgbClr val="292929"/>
+                </a:solidFill>
+                <a:effectLst/>
+                <a:latin typeface="Menlo"/>
+              </a:rPr>
+              <a:t> </a:t>
+            </a:r>
+            <a:r>
+              <a:rPr kumimoji="0" lang="es-CO" altLang="es-CO" sz="1200" b="1" i="0" u="none" strike="noStrike" cap="none" normalizeH="0" baseline="0" dirty="0" err="1">
+                <a:ln>
+                  <a:noFill/>
+                </a:ln>
+                <a:solidFill>
+                  <a:srgbClr val="292929"/>
+                </a:solidFill>
+                <a:effectLst/>
+                <a:latin typeface="Menlo"/>
+              </a:rPr>
+              <a:t>of</a:t>
+            </a:r>
+            <a:r>
+              <a:rPr kumimoji="0" lang="es-CO" altLang="es-CO" sz="1200" b="1" i="0" u="none" strike="noStrike" cap="none" normalizeH="0" baseline="0" dirty="0">
+                <a:ln>
+                  <a:noFill/>
+                </a:ln>
+                <a:solidFill>
+                  <a:srgbClr val="292929"/>
+                </a:solidFill>
+                <a:effectLst/>
+                <a:latin typeface="Menlo"/>
+              </a:rPr>
+              <a:t> </a:t>
+            </a:r>
+            <a:r>
+              <a:rPr kumimoji="0" lang="es-CO" altLang="es-CO" sz="1200" b="1" i="0" u="none" strike="noStrike" cap="none" normalizeH="0" baseline="0" dirty="0" err="1">
+                <a:ln>
+                  <a:noFill/>
+                </a:ln>
+                <a:solidFill>
+                  <a:srgbClr val="292929"/>
+                </a:solidFill>
+                <a:effectLst/>
+                <a:latin typeface="Menlo"/>
+              </a:rPr>
+              <a:t>the</a:t>
+            </a:r>
+            <a:r>
+              <a:rPr kumimoji="0" lang="es-CO" altLang="es-CO" sz="1200" b="1" i="0" u="none" strike="noStrike" cap="none" normalizeH="0" baseline="0" dirty="0">
+                <a:ln>
+                  <a:noFill/>
+                </a:ln>
+                <a:solidFill>
+                  <a:srgbClr val="292929"/>
+                </a:solidFill>
+                <a:effectLst/>
+                <a:latin typeface="Menlo"/>
+              </a:rPr>
+              <a:t> set. </a:t>
+            </a:r>
+            <a:r>
+              <a:rPr kumimoji="0" lang="es-CO" altLang="es-CO" sz="1200" b="1" i="0" u="none" strike="noStrike" cap="none" normalizeH="0" baseline="0" dirty="0" err="1">
+                <a:ln>
+                  <a:noFill/>
+                </a:ln>
+                <a:solidFill>
+                  <a:srgbClr val="292929"/>
+                </a:solidFill>
+                <a:effectLst/>
+                <a:latin typeface="Menlo"/>
+              </a:rPr>
+              <a:t>Then</a:t>
+            </a:r>
+            <a:r>
+              <a:rPr kumimoji="0" lang="es-CO" altLang="es-CO" sz="1200" b="1" i="0" u="none" strike="noStrike" cap="none" normalizeH="0" baseline="0" dirty="0">
+                <a:ln>
+                  <a:noFill/>
+                </a:ln>
+                <a:solidFill>
+                  <a:srgbClr val="292929"/>
+                </a:solidFill>
+                <a:effectLst/>
+                <a:latin typeface="Menlo"/>
+              </a:rPr>
+              <a:t> (2^3)-1 </a:t>
+            </a:r>
+            <a:r>
+              <a:rPr kumimoji="0" lang="es-CO" altLang="es-CO" sz="1200" b="1" i="0" u="none" strike="noStrike" cap="none" normalizeH="0" baseline="0" dirty="0" err="1">
+                <a:ln>
+                  <a:noFill/>
+                </a:ln>
+                <a:solidFill>
+                  <a:srgbClr val="292929"/>
+                </a:solidFill>
+                <a:effectLst/>
+                <a:latin typeface="Menlo"/>
+              </a:rPr>
+              <a:t>is</a:t>
+            </a:r>
+            <a:r>
+              <a:rPr kumimoji="0" lang="es-CO" altLang="es-CO" sz="1200" b="1" i="0" u="none" strike="noStrike" cap="none" normalizeH="0" baseline="0" dirty="0">
+                <a:ln>
+                  <a:noFill/>
+                </a:ln>
+                <a:solidFill>
+                  <a:srgbClr val="292929"/>
+                </a:solidFill>
+                <a:effectLst/>
+                <a:latin typeface="Menlo"/>
+              </a:rPr>
+              <a:t> 7 , so </a:t>
+            </a:r>
+            <a:r>
+              <a:rPr kumimoji="0" lang="es-CO" altLang="es-CO" sz="1200" b="1" i="0" u="none" strike="noStrike" cap="none" normalizeH="0" baseline="0" dirty="0" err="1">
+                <a:ln>
+                  <a:noFill/>
+                </a:ln>
+                <a:solidFill>
+                  <a:srgbClr val="292929"/>
+                </a:solidFill>
+                <a:effectLst/>
+                <a:latin typeface="Menlo"/>
+              </a:rPr>
+              <a:t>we</a:t>
+            </a:r>
+            <a:r>
+              <a:rPr kumimoji="0" lang="es-CO" altLang="es-CO" sz="1200" b="1" i="0" u="none" strike="noStrike" cap="none" normalizeH="0" baseline="0" dirty="0">
+                <a:ln>
+                  <a:noFill/>
+                </a:ln>
+                <a:solidFill>
+                  <a:srgbClr val="292929"/>
+                </a:solidFill>
+                <a:effectLst/>
+                <a:latin typeface="Menlo"/>
+              </a:rPr>
+              <a:t> </a:t>
+            </a:r>
+            <a:r>
+              <a:rPr kumimoji="0" lang="es-CO" altLang="es-CO" sz="1200" b="1" i="0" u="none" strike="noStrike" cap="none" normalizeH="0" baseline="0" dirty="0" err="1">
+                <a:ln>
+                  <a:noFill/>
+                </a:ln>
+                <a:solidFill>
+                  <a:srgbClr val="292929"/>
+                </a:solidFill>
+                <a:effectLst/>
+                <a:latin typeface="Menlo"/>
+              </a:rPr>
+              <a:t>write</a:t>
+            </a:r>
+            <a:r>
+              <a:rPr kumimoji="0" lang="es-CO" altLang="es-CO" sz="1200" b="1" i="0" u="none" strike="noStrike" cap="none" normalizeH="0" baseline="0" dirty="0">
+                <a:ln>
+                  <a:noFill/>
+                </a:ln>
+                <a:solidFill>
+                  <a:srgbClr val="292929"/>
+                </a:solidFill>
+                <a:effectLst/>
+                <a:latin typeface="Menlo"/>
+              </a:rPr>
+              <a:t> </a:t>
+            </a:r>
+            <a:r>
+              <a:rPr kumimoji="0" lang="es-CO" altLang="es-CO" sz="1200" b="1" i="0" u="none" strike="noStrike" cap="none" normalizeH="0" baseline="0" dirty="0" err="1">
+                <a:ln>
+                  <a:noFill/>
+                </a:ln>
+                <a:solidFill>
+                  <a:srgbClr val="292929"/>
+                </a:solidFill>
+                <a:effectLst/>
+                <a:latin typeface="Menlo"/>
+              </a:rPr>
+              <a:t>all</a:t>
+            </a:r>
+            <a:r>
+              <a:rPr kumimoji="0" lang="es-CO" altLang="es-CO" sz="1200" b="1" i="0" u="none" strike="noStrike" cap="none" normalizeH="0" baseline="0" dirty="0">
+                <a:ln>
+                  <a:noFill/>
+                </a:ln>
+                <a:solidFill>
+                  <a:srgbClr val="292929"/>
+                </a:solidFill>
+                <a:effectLst/>
+                <a:latin typeface="Menlo"/>
+              </a:rPr>
+              <a:t> </a:t>
+            </a:r>
+            <a:r>
+              <a:rPr kumimoji="0" lang="es-CO" altLang="es-CO" sz="1200" b="1" i="0" u="none" strike="noStrike" cap="none" normalizeH="0" baseline="0" dirty="0" err="1">
+                <a:ln>
+                  <a:noFill/>
+                </a:ln>
+                <a:solidFill>
+                  <a:srgbClr val="292929"/>
+                </a:solidFill>
+                <a:effectLst/>
+                <a:latin typeface="Menlo"/>
+              </a:rPr>
+              <a:t>the</a:t>
+            </a:r>
+            <a:r>
+              <a:rPr kumimoji="0" lang="es-CO" altLang="es-CO" sz="1200" b="1" i="0" u="none" strike="noStrike" cap="none" normalizeH="0" baseline="0" dirty="0">
+                <a:ln>
+                  <a:noFill/>
+                </a:ln>
+                <a:solidFill>
+                  <a:srgbClr val="292929"/>
+                </a:solidFill>
+                <a:effectLst/>
+                <a:latin typeface="Menlo"/>
+              </a:rPr>
+              <a:t> </a:t>
+            </a:r>
+            <a:r>
+              <a:rPr kumimoji="0" lang="es-CO" altLang="es-CO" sz="1200" b="1" i="0" u="none" strike="noStrike" cap="none" normalizeH="0" baseline="0" dirty="0" err="1">
+                <a:ln>
+                  <a:noFill/>
+                </a:ln>
+                <a:solidFill>
+                  <a:srgbClr val="292929"/>
+                </a:solidFill>
+                <a:effectLst/>
+                <a:latin typeface="Menlo"/>
+              </a:rPr>
+              <a:t>numbers</a:t>
+            </a:r>
+            <a:r>
+              <a:rPr kumimoji="0" lang="es-CO" altLang="es-CO" sz="1200" b="1" i="0" u="none" strike="noStrike" cap="none" normalizeH="0" baseline="0" dirty="0">
+                <a:ln>
+                  <a:noFill/>
+                </a:ln>
+                <a:solidFill>
+                  <a:srgbClr val="292929"/>
+                </a:solidFill>
+                <a:effectLst/>
+                <a:latin typeface="Menlo"/>
+              </a:rPr>
+              <a:t> </a:t>
+            </a:r>
+            <a:r>
+              <a:rPr kumimoji="0" lang="es-CO" altLang="es-CO" sz="1200" b="1" i="0" u="none" strike="noStrike" cap="none" normalizeH="0" baseline="0" dirty="0" err="1">
+                <a:ln>
+                  <a:noFill/>
+                </a:ln>
+                <a:solidFill>
+                  <a:srgbClr val="292929"/>
+                </a:solidFill>
+                <a:effectLst/>
+                <a:latin typeface="Menlo"/>
+              </a:rPr>
+              <a:t>from</a:t>
+            </a:r>
+            <a:r>
+              <a:rPr kumimoji="0" lang="es-CO" altLang="es-CO" sz="1200" b="1" i="0" u="none" strike="noStrike" cap="none" normalizeH="0" baseline="0" dirty="0">
+                <a:ln>
+                  <a:noFill/>
+                </a:ln>
+                <a:solidFill>
+                  <a:srgbClr val="292929"/>
+                </a:solidFill>
+                <a:effectLst/>
+                <a:latin typeface="Menlo"/>
+              </a:rPr>
+              <a:t> 0 </a:t>
+            </a:r>
+            <a:r>
+              <a:rPr kumimoji="0" lang="es-CO" altLang="es-CO" sz="1200" b="1" i="0" u="none" strike="noStrike" cap="none" normalizeH="0" baseline="0" dirty="0" err="1">
+                <a:ln>
+                  <a:noFill/>
+                </a:ln>
+                <a:solidFill>
+                  <a:srgbClr val="292929"/>
+                </a:solidFill>
+                <a:effectLst/>
+                <a:latin typeface="Menlo"/>
+              </a:rPr>
+              <a:t>to</a:t>
+            </a:r>
+            <a:r>
+              <a:rPr kumimoji="0" lang="es-CO" altLang="es-CO" sz="1200" b="1" i="0" u="none" strike="noStrike" cap="none" normalizeH="0" baseline="0" dirty="0">
+                <a:ln>
+                  <a:noFill/>
+                </a:ln>
+                <a:solidFill>
+                  <a:srgbClr val="292929"/>
+                </a:solidFill>
+                <a:effectLst/>
+                <a:latin typeface="Menlo"/>
+              </a:rPr>
+              <a:t> 7 and </a:t>
+            </a:r>
+            <a:r>
+              <a:rPr kumimoji="0" lang="es-CO" altLang="es-CO" sz="1200" b="1" i="0" u="none" strike="noStrike" cap="none" normalizeH="0" baseline="0" dirty="0" err="1">
+                <a:ln>
+                  <a:noFill/>
+                </a:ln>
+                <a:solidFill>
+                  <a:srgbClr val="292929"/>
+                </a:solidFill>
+                <a:effectLst/>
+                <a:latin typeface="Menlo"/>
+              </a:rPr>
+              <a:t>binary</a:t>
+            </a:r>
+            <a:r>
+              <a:rPr kumimoji="0" lang="es-CO" altLang="es-CO" sz="1200" b="1" i="0" u="none" strike="noStrike" cap="none" normalizeH="0" baseline="0" dirty="0">
+                <a:ln>
+                  <a:noFill/>
+                </a:ln>
+                <a:solidFill>
+                  <a:srgbClr val="292929"/>
+                </a:solidFill>
+                <a:effectLst/>
+                <a:latin typeface="Menlo"/>
+              </a:rPr>
+              <a:t> </a:t>
+            </a:r>
+            <a:r>
+              <a:rPr kumimoji="0" lang="es-CO" altLang="es-CO" sz="1200" b="1" i="0" u="none" strike="noStrike" cap="none" normalizeH="0" baseline="0" dirty="0" err="1">
+                <a:ln>
+                  <a:noFill/>
+                </a:ln>
+                <a:solidFill>
+                  <a:srgbClr val="292929"/>
+                </a:solidFill>
+                <a:effectLst/>
+                <a:latin typeface="Menlo"/>
+              </a:rPr>
+              <a:t>representation</a:t>
+            </a:r>
+            <a:r>
+              <a:rPr kumimoji="0" lang="es-CO" altLang="es-CO" sz="1200" b="1" i="0" u="none" strike="noStrike" cap="none" normalizeH="0" baseline="0" dirty="0">
+                <a:ln>
+                  <a:noFill/>
+                </a:ln>
+                <a:solidFill>
+                  <a:srgbClr val="292929"/>
+                </a:solidFill>
+                <a:effectLst/>
+                <a:latin typeface="Menlo"/>
+              </a:rPr>
+              <a:t> </a:t>
+            </a:r>
+            <a:r>
+              <a:rPr kumimoji="0" lang="es-CO" altLang="es-CO" sz="1200" b="1" i="0" u="none" strike="noStrike" cap="none" normalizeH="0" baseline="0" dirty="0" err="1">
+                <a:ln>
+                  <a:noFill/>
+                </a:ln>
+                <a:solidFill>
+                  <a:srgbClr val="292929"/>
+                </a:solidFill>
+                <a:effectLst/>
+                <a:latin typeface="Menlo"/>
+              </a:rPr>
+              <a:t>of</a:t>
+            </a:r>
+            <a:r>
+              <a:rPr kumimoji="0" lang="es-CO" altLang="es-CO" sz="1200" b="1" i="0" u="none" strike="noStrike" cap="none" normalizeH="0" baseline="0" dirty="0">
+                <a:ln>
+                  <a:noFill/>
+                </a:ln>
+                <a:solidFill>
+                  <a:srgbClr val="292929"/>
+                </a:solidFill>
+                <a:effectLst/>
+                <a:latin typeface="Menlo"/>
+              </a:rPr>
+              <a:t> </a:t>
+            </a:r>
+            <a:r>
+              <a:rPr kumimoji="0" lang="es-CO" altLang="es-CO" sz="1200" b="1" i="0" u="none" strike="noStrike" cap="none" normalizeH="0" baseline="0" dirty="0" err="1">
+                <a:ln>
+                  <a:noFill/>
+                </a:ln>
+                <a:solidFill>
+                  <a:srgbClr val="292929"/>
+                </a:solidFill>
+                <a:effectLst/>
+                <a:latin typeface="Menlo"/>
+              </a:rPr>
+              <a:t>those</a:t>
+            </a:r>
+            <a:r>
+              <a:rPr kumimoji="0" lang="es-CO" altLang="es-CO" sz="1200" b="1" i="0" u="none" strike="noStrike" cap="none" normalizeH="0" baseline="0" dirty="0">
+                <a:ln>
+                  <a:noFill/>
+                </a:ln>
+                <a:solidFill>
+                  <a:srgbClr val="292929"/>
+                </a:solidFill>
+                <a:effectLst/>
+                <a:latin typeface="Menlo"/>
+              </a:rPr>
+              <a:t> </a:t>
+            </a:r>
+            <a:r>
+              <a:rPr kumimoji="0" lang="es-CO" altLang="es-CO" sz="1200" b="1" i="0" u="none" strike="noStrike" cap="none" normalizeH="0" baseline="0" dirty="0" err="1">
+                <a:ln>
+                  <a:noFill/>
+                </a:ln>
+                <a:solidFill>
+                  <a:srgbClr val="292929"/>
+                </a:solidFill>
+                <a:effectLst/>
+                <a:latin typeface="Menlo"/>
+              </a:rPr>
+              <a:t>numbers</a:t>
+            </a:r>
+            <a:r>
+              <a:rPr kumimoji="0" lang="es-CO" altLang="es-CO" sz="1200" b="1" i="0" u="none" strike="noStrike" cap="none" normalizeH="0" baseline="0" dirty="0">
+                <a:ln>
+                  <a:noFill/>
+                </a:ln>
+                <a:solidFill>
+                  <a:srgbClr val="292929"/>
+                </a:solidFill>
+                <a:effectLst/>
+                <a:latin typeface="Menlo"/>
+              </a:rPr>
+              <a:t> </a:t>
+            </a:r>
+            <a:r>
+              <a:rPr kumimoji="0" lang="es-CO" altLang="es-CO" sz="1200" b="1" i="0" u="none" strike="noStrike" cap="none" normalizeH="0" baseline="0" dirty="0" err="1">
+                <a:ln>
+                  <a:noFill/>
+                </a:ln>
+                <a:solidFill>
+                  <a:srgbClr val="292929"/>
+                </a:solidFill>
+                <a:effectLst/>
+                <a:latin typeface="Menlo"/>
+              </a:rPr>
+              <a:t>will</a:t>
+            </a:r>
+            <a:r>
+              <a:rPr kumimoji="0" lang="es-CO" altLang="es-CO" sz="1200" b="1" i="0" u="none" strike="noStrike" cap="none" normalizeH="0" baseline="0" dirty="0">
+                <a:ln>
+                  <a:noFill/>
+                </a:ln>
+                <a:solidFill>
+                  <a:srgbClr val="292929"/>
+                </a:solidFill>
+                <a:effectLst/>
+                <a:latin typeface="Menlo"/>
+              </a:rPr>
+              <a:t> </a:t>
+            </a:r>
+            <a:r>
+              <a:rPr kumimoji="0" lang="es-CO" altLang="es-CO" sz="1200" b="1" i="0" u="none" strike="noStrike" cap="none" normalizeH="0" baseline="0" dirty="0" err="1">
+                <a:ln>
+                  <a:noFill/>
+                </a:ln>
+                <a:solidFill>
+                  <a:srgbClr val="292929"/>
+                </a:solidFill>
+                <a:effectLst/>
+                <a:latin typeface="Menlo"/>
+              </a:rPr>
+              <a:t>give</a:t>
+            </a:r>
+            <a:r>
+              <a:rPr kumimoji="0" lang="es-CO" altLang="es-CO" sz="1200" b="1" i="0" u="none" strike="noStrike" cap="none" normalizeH="0" baseline="0" dirty="0">
+                <a:ln>
+                  <a:noFill/>
+                </a:ln>
+                <a:solidFill>
+                  <a:srgbClr val="292929"/>
+                </a:solidFill>
+                <a:effectLst/>
+                <a:latin typeface="Menlo"/>
+              </a:rPr>
+              <a:t> </a:t>
+            </a:r>
+            <a:r>
+              <a:rPr kumimoji="0" lang="es-CO" altLang="es-CO" sz="1200" b="1" i="0" u="none" strike="noStrike" cap="none" normalizeH="0" baseline="0" dirty="0" err="1">
+                <a:ln>
+                  <a:noFill/>
+                </a:ln>
+                <a:solidFill>
+                  <a:srgbClr val="292929"/>
+                </a:solidFill>
+                <a:effectLst/>
+                <a:latin typeface="Menlo"/>
+              </a:rPr>
+              <a:t>us</a:t>
+            </a:r>
+            <a:r>
+              <a:rPr kumimoji="0" lang="es-CO" altLang="es-CO" sz="1200" b="1" i="0" u="none" strike="noStrike" cap="none" normalizeH="0" baseline="0" dirty="0">
+                <a:ln>
+                  <a:noFill/>
+                </a:ln>
+                <a:solidFill>
+                  <a:srgbClr val="292929"/>
+                </a:solidFill>
+                <a:effectLst/>
+                <a:latin typeface="Menlo"/>
+              </a:rPr>
+              <a:t> </a:t>
+            </a:r>
+            <a:r>
+              <a:rPr kumimoji="0" lang="es-CO" altLang="es-CO" sz="1200" b="1" i="0" u="none" strike="noStrike" cap="none" normalizeH="0" baseline="0" dirty="0" err="1">
+                <a:ln>
+                  <a:noFill/>
+                </a:ln>
+                <a:solidFill>
+                  <a:srgbClr val="292929"/>
+                </a:solidFill>
+                <a:effectLst/>
+                <a:latin typeface="Menlo"/>
+              </a:rPr>
+              <a:t>the</a:t>
+            </a:r>
+            <a:r>
+              <a:rPr kumimoji="0" lang="es-CO" altLang="es-CO" sz="1200" b="1" i="0" u="none" strike="noStrike" cap="none" normalizeH="0" baseline="0" dirty="0">
+                <a:ln>
+                  <a:noFill/>
+                </a:ln>
+                <a:solidFill>
+                  <a:srgbClr val="292929"/>
+                </a:solidFill>
+                <a:effectLst/>
+                <a:latin typeface="Menlo"/>
+              </a:rPr>
+              <a:t> </a:t>
+            </a:r>
+            <a:r>
+              <a:rPr kumimoji="0" lang="es-CO" altLang="es-CO" sz="1200" b="1" i="0" u="none" strike="noStrike" cap="none" normalizeH="0" baseline="0" dirty="0" err="1">
+                <a:ln>
+                  <a:noFill/>
+                </a:ln>
+                <a:solidFill>
+                  <a:srgbClr val="292929"/>
+                </a:solidFill>
+                <a:effectLst/>
+                <a:latin typeface="Menlo"/>
+              </a:rPr>
+              <a:t>possible</a:t>
+            </a:r>
+            <a:r>
+              <a:rPr kumimoji="0" lang="es-CO" altLang="es-CO" sz="1200" b="1" i="0" u="none" strike="noStrike" cap="none" normalizeH="0" baseline="0" dirty="0">
+                <a:ln>
+                  <a:noFill/>
+                </a:ln>
+                <a:solidFill>
+                  <a:srgbClr val="292929"/>
+                </a:solidFill>
+                <a:effectLst/>
+                <a:latin typeface="Menlo"/>
+              </a:rPr>
+              <a:t> </a:t>
+            </a:r>
+            <a:r>
+              <a:rPr kumimoji="0" lang="es-CO" altLang="es-CO" sz="1200" b="1" i="0" u="none" strike="noStrike" cap="none" normalizeH="0" baseline="0" dirty="0" err="1">
+                <a:ln>
+                  <a:noFill/>
+                </a:ln>
+                <a:solidFill>
+                  <a:srgbClr val="292929"/>
+                </a:solidFill>
+                <a:effectLst/>
+                <a:latin typeface="Menlo"/>
+              </a:rPr>
+              <a:t>combinations</a:t>
+            </a:r>
+            <a:r>
+              <a:rPr kumimoji="0" lang="es-CO" altLang="es-CO" sz="1200" b="1" i="0" u="none" strike="noStrike" cap="none" normalizeH="0" baseline="0" dirty="0">
+                <a:ln>
+                  <a:noFill/>
+                </a:ln>
+                <a:solidFill>
+                  <a:srgbClr val="292929"/>
+                </a:solidFill>
+                <a:effectLst/>
+                <a:latin typeface="Menlo"/>
+              </a:rPr>
+              <a:t> </a:t>
+            </a:r>
+            <a:r>
+              <a:rPr kumimoji="0" lang="es-CO" altLang="es-CO" sz="1200" b="1" i="0" u="none" strike="noStrike" cap="none" normalizeH="0" baseline="0" dirty="0" err="1">
+                <a:ln>
+                  <a:noFill/>
+                </a:ln>
+                <a:solidFill>
+                  <a:srgbClr val="292929"/>
+                </a:solidFill>
+                <a:effectLst/>
+                <a:latin typeface="Menlo"/>
+              </a:rPr>
+              <a:t>of</a:t>
+            </a:r>
+            <a:r>
+              <a:rPr kumimoji="0" lang="es-CO" altLang="es-CO" sz="1200" b="1" i="0" u="none" strike="noStrike" cap="none" normalizeH="0" baseline="0" dirty="0">
+                <a:ln>
+                  <a:noFill/>
+                </a:ln>
+                <a:solidFill>
+                  <a:srgbClr val="292929"/>
+                </a:solidFill>
+                <a:effectLst/>
+                <a:latin typeface="Menlo"/>
+              </a:rPr>
+              <a:t> </a:t>
+            </a:r>
+            <a:r>
+              <a:rPr kumimoji="0" lang="es-CO" altLang="es-CO" sz="1200" b="1" i="0" u="none" strike="noStrike" cap="none" normalizeH="0" baseline="0" dirty="0" err="1">
+                <a:ln>
+                  <a:noFill/>
+                </a:ln>
+                <a:solidFill>
+                  <a:srgbClr val="292929"/>
+                </a:solidFill>
+                <a:effectLst/>
+                <a:latin typeface="Menlo"/>
+              </a:rPr>
+              <a:t>selecting</a:t>
+            </a:r>
+            <a:r>
+              <a:rPr kumimoji="0" lang="es-CO" altLang="es-CO" sz="1200" b="1" i="0" u="none" strike="noStrike" cap="none" normalizeH="0" baseline="0" dirty="0">
+                <a:ln>
+                  <a:noFill/>
+                </a:ln>
+                <a:solidFill>
+                  <a:srgbClr val="292929"/>
+                </a:solidFill>
+                <a:effectLst/>
+                <a:latin typeface="Menlo"/>
+              </a:rPr>
+              <a:t> </a:t>
+            </a:r>
+            <a:r>
+              <a:rPr kumimoji="0" lang="es-CO" altLang="es-CO" sz="1200" b="1" i="0" u="none" strike="noStrike" cap="none" normalizeH="0" baseline="0" dirty="0" err="1">
+                <a:ln>
+                  <a:noFill/>
+                </a:ln>
+                <a:solidFill>
+                  <a:srgbClr val="292929"/>
+                </a:solidFill>
+                <a:effectLst/>
+                <a:latin typeface="Menlo"/>
+              </a:rPr>
+              <a:t>the</a:t>
+            </a:r>
+            <a:r>
+              <a:rPr kumimoji="0" lang="es-CO" altLang="es-CO" sz="1200" b="1" i="0" u="none" strike="noStrike" cap="none" normalizeH="0" baseline="0" dirty="0">
+                <a:ln>
+                  <a:noFill/>
+                </a:ln>
+                <a:solidFill>
+                  <a:srgbClr val="292929"/>
+                </a:solidFill>
+                <a:effectLst/>
+                <a:latin typeface="Menlo"/>
+              </a:rPr>
+              <a:t> 3 </a:t>
+            </a:r>
+            <a:r>
+              <a:rPr kumimoji="0" lang="es-CO" altLang="es-CO" sz="1200" b="1" i="0" u="none" strike="noStrike" cap="none" normalizeH="0" baseline="0" dirty="0" err="1">
+                <a:ln>
+                  <a:noFill/>
+                </a:ln>
+                <a:solidFill>
+                  <a:srgbClr val="292929"/>
+                </a:solidFill>
+                <a:effectLst/>
+                <a:latin typeface="Menlo"/>
+              </a:rPr>
+              <a:t>items</a:t>
+            </a:r>
+            <a:r>
+              <a:rPr kumimoji="0" lang="es-CO" altLang="es-CO" sz="1200" b="1" i="0" u="none" strike="noStrike" cap="none" normalizeH="0" baseline="0" dirty="0">
+                <a:ln>
+                  <a:noFill/>
+                </a:ln>
+                <a:solidFill>
+                  <a:srgbClr val="292929"/>
+                </a:solidFill>
+                <a:effectLst/>
+                <a:latin typeface="Menlo"/>
+              </a:rPr>
+              <a:t>. {1 2 3}</a:t>
+            </a:r>
+          </a:p>
+          <a:p>
+            <a:pPr marL="0" marR="0" lvl="0" indent="0" algn="l" defTabSz="914400" rtl="0" eaLnBrk="0" fontAlgn="base" latinLnBrk="0" hangingPunct="0">
+              <a:lnSpc>
+                <a:spcPct val="100000"/>
+              </a:lnSpc>
+              <a:spcBef>
+                <a:spcPct val="0"/>
+              </a:spcBef>
+              <a:spcAft>
+                <a:spcPct val="0"/>
+              </a:spcAft>
+              <a:buClrTx/>
+              <a:buSzTx/>
+              <a:buFontTx/>
+              <a:buNone/>
+              <a:tabLst/>
+            </a:pPr>
+            <a:br>
+              <a:rPr kumimoji="0" lang="es-CO" altLang="es-CO" sz="1200" b="1" i="0" u="none" strike="noStrike" cap="none" normalizeH="0" baseline="0" dirty="0">
+                <a:ln>
+                  <a:noFill/>
+                </a:ln>
+                <a:solidFill>
+                  <a:srgbClr val="292929"/>
+                </a:solidFill>
+                <a:effectLst/>
+                <a:latin typeface="Menlo"/>
+              </a:rPr>
+            </a:br>
+            <a:r>
+              <a:rPr kumimoji="0" lang="es-CO" altLang="es-CO" sz="1200" b="1" i="0" u="none" strike="noStrike" cap="none" normalizeH="0" baseline="0" dirty="0" err="1">
+                <a:ln>
+                  <a:noFill/>
+                </a:ln>
+                <a:solidFill>
+                  <a:srgbClr val="292929"/>
+                </a:solidFill>
+                <a:effectLst/>
+                <a:latin typeface="Menlo"/>
+              </a:rPr>
+              <a:t>Number</a:t>
+            </a:r>
+            <a:r>
+              <a:rPr kumimoji="0" lang="es-CO" altLang="es-CO" sz="1200" b="1" i="0" u="none" strike="noStrike" cap="none" normalizeH="0" baseline="0" dirty="0">
+                <a:ln>
+                  <a:noFill/>
+                </a:ln>
+                <a:solidFill>
+                  <a:srgbClr val="292929"/>
+                </a:solidFill>
+                <a:effectLst/>
+                <a:latin typeface="Menlo"/>
+              </a:rPr>
+              <a:t> </a:t>
+            </a:r>
+            <a:r>
+              <a:rPr kumimoji="0" lang="es-CO" altLang="es-CO" sz="1200" b="1" i="0" u="none" strike="noStrike" cap="none" normalizeH="0" baseline="0" dirty="0" err="1">
+                <a:ln>
+                  <a:noFill/>
+                </a:ln>
+                <a:solidFill>
+                  <a:srgbClr val="292929"/>
+                </a:solidFill>
+                <a:effectLst/>
+                <a:latin typeface="Menlo"/>
+              </a:rPr>
+              <a:t>Binary</a:t>
+            </a:r>
+            <a:r>
+              <a:rPr kumimoji="0" lang="es-CO" altLang="es-CO" sz="1200" b="1" i="0" u="none" strike="noStrike" cap="none" normalizeH="0" baseline="0" dirty="0">
+                <a:ln>
+                  <a:noFill/>
+                </a:ln>
+                <a:solidFill>
+                  <a:srgbClr val="292929"/>
+                </a:solidFill>
+                <a:effectLst/>
+                <a:latin typeface="Menlo"/>
+              </a:rPr>
+              <a:t> </a:t>
+            </a:r>
+            <a:r>
+              <a:rPr kumimoji="0" lang="es-CO" altLang="es-CO" sz="1200" b="1" i="0" u="none" strike="noStrike" cap="none" normalizeH="0" baseline="0" dirty="0" err="1">
+                <a:ln>
+                  <a:noFill/>
+                </a:ln>
+                <a:solidFill>
+                  <a:srgbClr val="292929"/>
+                </a:solidFill>
+                <a:effectLst/>
+                <a:latin typeface="Menlo"/>
+              </a:rPr>
+              <a:t>Representation</a:t>
+            </a:r>
+            <a:r>
+              <a:rPr kumimoji="0" lang="es-CO" altLang="es-CO" sz="1200" b="1" i="0" u="none" strike="noStrike" cap="none" normalizeH="0" baseline="0" dirty="0">
+                <a:ln>
+                  <a:noFill/>
+                </a:ln>
+                <a:solidFill>
+                  <a:srgbClr val="292929"/>
+                </a:solidFill>
+                <a:effectLst/>
+                <a:latin typeface="Menlo"/>
+              </a:rPr>
+              <a:t> </a:t>
+            </a:r>
+            <a:r>
+              <a:rPr kumimoji="0" lang="es-CO" altLang="es-CO" sz="1200" b="1" i="0" u="none" strike="noStrike" cap="none" normalizeH="0" baseline="0" dirty="0" err="1">
+                <a:ln>
+                  <a:noFill/>
+                </a:ln>
+                <a:solidFill>
+                  <a:srgbClr val="292929"/>
+                </a:solidFill>
+                <a:effectLst/>
+                <a:latin typeface="Menlo"/>
+              </a:rPr>
+              <a:t>Subset</a:t>
+            </a:r>
+            <a:br>
+              <a:rPr kumimoji="0" lang="es-CO" altLang="es-CO" sz="1200" b="1" i="0" u="none" strike="noStrike" cap="none" normalizeH="0" baseline="0" dirty="0">
+                <a:ln>
+                  <a:noFill/>
+                </a:ln>
+                <a:solidFill>
+                  <a:srgbClr val="292929"/>
+                </a:solidFill>
+                <a:effectLst/>
+                <a:latin typeface="Menlo"/>
+              </a:rPr>
+            </a:br>
+            <a:r>
+              <a:rPr kumimoji="0" lang="es-CO" altLang="es-CO" sz="1200" b="1" i="0" u="none" strike="noStrike" cap="none" normalizeH="0" baseline="0" dirty="0">
+                <a:ln>
+                  <a:noFill/>
+                </a:ln>
+                <a:solidFill>
+                  <a:srgbClr val="292929"/>
+                </a:solidFill>
+                <a:effectLst/>
+                <a:latin typeface="Menlo"/>
+              </a:rPr>
+              <a:t>0 0 0 0  { }</a:t>
+            </a:r>
+            <a:br>
+              <a:rPr kumimoji="0" lang="es-CO" altLang="es-CO" sz="1200" b="1" i="0" u="none" strike="noStrike" cap="none" normalizeH="0" baseline="0" dirty="0">
+                <a:ln>
+                  <a:noFill/>
+                </a:ln>
+                <a:solidFill>
+                  <a:srgbClr val="292929"/>
+                </a:solidFill>
+                <a:effectLst/>
+                <a:latin typeface="Menlo"/>
+              </a:rPr>
+            </a:br>
+            <a:r>
+              <a:rPr kumimoji="0" lang="es-CO" altLang="es-CO" sz="1200" b="1" i="0" u="none" strike="noStrike" cap="none" normalizeH="0" baseline="0" dirty="0">
+                <a:ln>
+                  <a:noFill/>
+                </a:ln>
+                <a:solidFill>
+                  <a:srgbClr val="292929"/>
+                </a:solidFill>
+                <a:effectLst/>
+                <a:latin typeface="Menlo"/>
+              </a:rPr>
+              <a:t>1 0 0 1 { 3}</a:t>
+            </a:r>
+            <a:br>
+              <a:rPr kumimoji="0" lang="es-CO" altLang="es-CO" sz="1200" b="1" i="0" u="none" strike="noStrike" cap="none" normalizeH="0" baseline="0" dirty="0">
+                <a:ln>
+                  <a:noFill/>
+                </a:ln>
+                <a:solidFill>
+                  <a:srgbClr val="292929"/>
+                </a:solidFill>
+                <a:effectLst/>
+                <a:latin typeface="Menlo"/>
+              </a:rPr>
+            </a:br>
+            <a:r>
+              <a:rPr kumimoji="0" lang="es-CO" altLang="es-CO" sz="1200" b="1" i="0" u="none" strike="noStrike" cap="none" normalizeH="0" baseline="0" dirty="0">
+                <a:ln>
+                  <a:noFill/>
+                </a:ln>
+                <a:solidFill>
+                  <a:srgbClr val="292929"/>
+                </a:solidFill>
+                <a:effectLst/>
+                <a:latin typeface="Menlo"/>
+              </a:rPr>
+              <a:t>2 0 1 0 { 2 }</a:t>
+            </a:r>
+            <a:br>
+              <a:rPr kumimoji="0" lang="es-CO" altLang="es-CO" sz="1200" b="1" i="0" u="none" strike="noStrike" cap="none" normalizeH="0" baseline="0" dirty="0">
+                <a:ln>
+                  <a:noFill/>
+                </a:ln>
+                <a:solidFill>
+                  <a:srgbClr val="292929"/>
+                </a:solidFill>
+                <a:effectLst/>
+                <a:latin typeface="Menlo"/>
+              </a:rPr>
+            </a:br>
+            <a:r>
+              <a:rPr kumimoji="0" lang="es-CO" altLang="es-CO" sz="1200" b="1" i="0" u="none" strike="noStrike" cap="none" normalizeH="0" baseline="0" dirty="0">
+                <a:ln>
+                  <a:noFill/>
+                </a:ln>
+                <a:solidFill>
+                  <a:srgbClr val="292929"/>
+                </a:solidFill>
+                <a:effectLst/>
+                <a:latin typeface="Menlo"/>
+              </a:rPr>
+              <a:t>3 0 1 1 { 2 3} </a:t>
+            </a:r>
+            <a:br>
+              <a:rPr kumimoji="0" lang="es-CO" altLang="es-CO" sz="1200" b="1" i="0" u="none" strike="noStrike" cap="none" normalizeH="0" baseline="0" dirty="0">
+                <a:ln>
+                  <a:noFill/>
+                </a:ln>
+                <a:solidFill>
+                  <a:srgbClr val="292929"/>
+                </a:solidFill>
+                <a:effectLst/>
+                <a:latin typeface="Menlo"/>
+              </a:rPr>
+            </a:br>
+            <a:r>
+              <a:rPr kumimoji="0" lang="es-CO" altLang="es-CO" sz="1200" b="1" i="0" u="none" strike="noStrike" cap="none" normalizeH="0" baseline="0" dirty="0">
+                <a:ln>
+                  <a:noFill/>
+                </a:ln>
+                <a:solidFill>
+                  <a:srgbClr val="292929"/>
+                </a:solidFill>
+                <a:effectLst/>
+                <a:latin typeface="Menlo"/>
+              </a:rPr>
+              <a:t>4 1 0 0 {1 }</a:t>
+            </a:r>
+            <a:br>
+              <a:rPr kumimoji="0" lang="es-CO" altLang="es-CO" sz="1200" b="1" i="0" u="none" strike="noStrike" cap="none" normalizeH="0" baseline="0" dirty="0">
+                <a:ln>
+                  <a:noFill/>
+                </a:ln>
+                <a:solidFill>
+                  <a:srgbClr val="292929"/>
+                </a:solidFill>
+                <a:effectLst/>
+                <a:latin typeface="Menlo"/>
+              </a:rPr>
+            </a:br>
+            <a:r>
+              <a:rPr kumimoji="0" lang="es-CO" altLang="es-CO" sz="1200" b="1" i="0" u="none" strike="noStrike" cap="none" normalizeH="0" baseline="0" dirty="0">
+                <a:ln>
+                  <a:noFill/>
+                </a:ln>
+                <a:solidFill>
+                  <a:srgbClr val="292929"/>
+                </a:solidFill>
+                <a:effectLst/>
+                <a:latin typeface="Menlo"/>
+              </a:rPr>
+              <a:t>5 1 0 1 {1 3} </a:t>
+            </a:r>
+            <a:br>
+              <a:rPr kumimoji="0" lang="es-CO" altLang="es-CO" sz="1200" b="1" i="0" u="none" strike="noStrike" cap="none" normalizeH="0" baseline="0" dirty="0">
+                <a:ln>
+                  <a:noFill/>
+                </a:ln>
+                <a:solidFill>
+                  <a:srgbClr val="292929"/>
+                </a:solidFill>
+                <a:effectLst/>
+                <a:latin typeface="Menlo"/>
+              </a:rPr>
+            </a:br>
+            <a:r>
+              <a:rPr kumimoji="0" lang="es-CO" altLang="es-CO" sz="1200" b="1" i="0" u="none" strike="noStrike" cap="none" normalizeH="0" baseline="0" dirty="0">
+                <a:ln>
+                  <a:noFill/>
+                </a:ln>
+                <a:solidFill>
+                  <a:srgbClr val="292929"/>
+                </a:solidFill>
+                <a:effectLst/>
+                <a:latin typeface="Menlo"/>
+              </a:rPr>
+              <a:t>6 1 1 0 {1 2 } </a:t>
+            </a:r>
+            <a:br>
+              <a:rPr kumimoji="0" lang="es-CO" altLang="es-CO" sz="1200" b="1" i="0" u="none" strike="noStrike" cap="none" normalizeH="0" baseline="0" dirty="0">
+                <a:ln>
+                  <a:noFill/>
+                </a:ln>
+                <a:solidFill>
+                  <a:srgbClr val="292929"/>
+                </a:solidFill>
+                <a:effectLst/>
+                <a:latin typeface="Menlo"/>
+              </a:rPr>
+            </a:br>
+            <a:r>
+              <a:rPr kumimoji="0" lang="es-CO" altLang="es-CO" sz="1200" b="1" i="0" u="none" strike="noStrike" cap="none" normalizeH="0" baseline="0" dirty="0">
+                <a:ln>
+                  <a:noFill/>
+                </a:ln>
+                <a:solidFill>
+                  <a:srgbClr val="292929"/>
+                </a:solidFill>
+                <a:effectLst/>
+                <a:latin typeface="Menlo"/>
+              </a:rPr>
+              <a:t>7 1 1 1 {1 2 3}</a:t>
+            </a:r>
+            <a:br>
+              <a:rPr kumimoji="0" lang="es-CO" altLang="es-CO" sz="1200" b="1" i="0" u="none" strike="noStrike" cap="none" normalizeH="0" baseline="0" dirty="0">
+                <a:ln>
+                  <a:noFill/>
+                </a:ln>
+                <a:solidFill>
+                  <a:srgbClr val="292929"/>
+                </a:solidFill>
+                <a:effectLst/>
+                <a:latin typeface="Menlo"/>
+              </a:rPr>
+            </a:br>
+            <a:br>
+              <a:rPr kumimoji="0" lang="es-CO" altLang="es-CO" sz="1200" b="1" i="0" u="none" strike="noStrike" cap="none" normalizeH="0" baseline="0" dirty="0">
+                <a:ln>
+                  <a:noFill/>
+                </a:ln>
+                <a:solidFill>
+                  <a:srgbClr val="292929"/>
+                </a:solidFill>
+                <a:effectLst/>
+                <a:latin typeface="Menlo"/>
+              </a:rPr>
+            </a:br>
+            <a:r>
+              <a:rPr kumimoji="0" lang="es-CO" altLang="es-CO" sz="1200" b="1" i="1" u="none" strike="noStrike" cap="none" normalizeH="0" baseline="0" dirty="0">
+                <a:ln>
+                  <a:noFill/>
+                </a:ln>
+                <a:solidFill>
+                  <a:srgbClr val="292929"/>
+                </a:solidFill>
+                <a:effectLst/>
+                <a:latin typeface="Menlo"/>
+              </a:rPr>
+              <a:t>In </a:t>
+            </a:r>
+            <a:r>
+              <a:rPr kumimoji="0" lang="es-CO" altLang="es-CO" sz="1200" b="1" i="1" u="none" strike="noStrike" cap="none" normalizeH="0" baseline="0" dirty="0" err="1">
+                <a:ln>
+                  <a:noFill/>
+                </a:ln>
+                <a:solidFill>
+                  <a:srgbClr val="292929"/>
+                </a:solidFill>
+                <a:effectLst/>
+                <a:latin typeface="Menlo"/>
+              </a:rPr>
+              <a:t>this</a:t>
+            </a:r>
+            <a:r>
+              <a:rPr kumimoji="0" lang="es-CO" altLang="es-CO" sz="1200" b="1" i="1" u="none" strike="noStrike" cap="none" normalizeH="0" baseline="0" dirty="0">
+                <a:ln>
+                  <a:noFill/>
+                </a:ln>
+                <a:solidFill>
+                  <a:srgbClr val="292929"/>
+                </a:solidFill>
+                <a:effectLst/>
+                <a:latin typeface="Menlo"/>
+              </a:rPr>
+              <a:t> </a:t>
+            </a:r>
+            <a:r>
+              <a:rPr kumimoji="0" lang="es-CO" altLang="es-CO" sz="1200" b="1" i="1" u="none" strike="noStrike" cap="none" normalizeH="0" baseline="0" dirty="0" err="1">
+                <a:ln>
+                  <a:noFill/>
+                </a:ln>
+                <a:solidFill>
+                  <a:srgbClr val="292929"/>
+                </a:solidFill>
+                <a:effectLst/>
+                <a:latin typeface="Menlo"/>
+              </a:rPr>
+              <a:t>way</a:t>
+            </a:r>
+            <a:r>
+              <a:rPr kumimoji="0" lang="es-CO" altLang="es-CO" sz="1200" b="1" i="1" u="none" strike="noStrike" cap="none" normalizeH="0" baseline="0" dirty="0">
+                <a:ln>
+                  <a:noFill/>
+                </a:ln>
+                <a:solidFill>
+                  <a:srgbClr val="292929"/>
+                </a:solidFill>
+                <a:effectLst/>
+                <a:latin typeface="Menlo"/>
+              </a:rPr>
+              <a:t>, </a:t>
+            </a:r>
+            <a:r>
+              <a:rPr kumimoji="0" lang="es-CO" altLang="es-CO" sz="1200" b="1" i="1" u="none" strike="noStrike" cap="none" normalizeH="0" baseline="0" dirty="0" err="1">
+                <a:ln>
+                  <a:noFill/>
+                </a:ln>
+                <a:solidFill>
+                  <a:srgbClr val="292929"/>
+                </a:solidFill>
+                <a:effectLst/>
+                <a:latin typeface="Menlo"/>
+              </a:rPr>
+              <a:t>we</a:t>
+            </a:r>
+            <a:r>
+              <a:rPr kumimoji="0" lang="es-CO" altLang="es-CO" sz="1200" b="1" i="1" u="none" strike="noStrike" cap="none" normalizeH="0" baseline="0" dirty="0">
+                <a:ln>
+                  <a:noFill/>
+                </a:ln>
+                <a:solidFill>
+                  <a:srgbClr val="292929"/>
+                </a:solidFill>
+                <a:effectLst/>
+                <a:latin typeface="Menlo"/>
+              </a:rPr>
+              <a:t> </a:t>
+            </a:r>
+            <a:r>
+              <a:rPr kumimoji="0" lang="es-CO" altLang="es-CO" sz="1200" b="1" i="1" u="none" strike="noStrike" cap="none" normalizeH="0" baseline="0" dirty="0" err="1">
+                <a:ln>
+                  <a:noFill/>
+                </a:ln>
+                <a:solidFill>
+                  <a:srgbClr val="292929"/>
+                </a:solidFill>
+                <a:effectLst/>
+                <a:latin typeface="Menlo"/>
+              </a:rPr>
+              <a:t>have</a:t>
+            </a:r>
+            <a:r>
+              <a:rPr kumimoji="0" lang="es-CO" altLang="es-CO" sz="1200" b="1" i="1" u="none" strike="noStrike" cap="none" normalizeH="0" baseline="0" dirty="0">
+                <a:ln>
+                  <a:noFill/>
+                </a:ln>
+                <a:solidFill>
+                  <a:srgbClr val="292929"/>
+                </a:solidFill>
+                <a:effectLst/>
+                <a:latin typeface="Menlo"/>
+              </a:rPr>
+              <a:t> </a:t>
+            </a:r>
+            <a:r>
+              <a:rPr kumimoji="0" lang="es-CO" altLang="es-CO" sz="1200" b="1" i="1" u="none" strike="noStrike" cap="none" normalizeH="0" baseline="0" dirty="0" err="1">
+                <a:ln>
+                  <a:noFill/>
+                </a:ln>
+                <a:solidFill>
+                  <a:srgbClr val="292929"/>
+                </a:solidFill>
+                <a:effectLst/>
+                <a:latin typeface="Menlo"/>
+              </a:rPr>
+              <a:t>actually</a:t>
+            </a:r>
+            <a:r>
+              <a:rPr kumimoji="0" lang="es-CO" altLang="es-CO" sz="1200" b="1" i="1" u="none" strike="noStrike" cap="none" normalizeH="0" baseline="0" dirty="0">
+                <a:ln>
+                  <a:noFill/>
+                </a:ln>
+                <a:solidFill>
+                  <a:srgbClr val="292929"/>
+                </a:solidFill>
+                <a:effectLst/>
+                <a:latin typeface="Menlo"/>
+              </a:rPr>
+              <a:t> </a:t>
+            </a:r>
+            <a:r>
+              <a:rPr kumimoji="0" lang="es-CO" altLang="es-CO" sz="1200" b="1" i="1" u="none" strike="noStrike" cap="none" normalizeH="0" baseline="0" dirty="0" err="1">
+                <a:ln>
+                  <a:noFill/>
+                </a:ln>
+                <a:solidFill>
+                  <a:srgbClr val="292929"/>
+                </a:solidFill>
+                <a:effectLst/>
+                <a:latin typeface="Menlo"/>
+              </a:rPr>
+              <a:t>generated</a:t>
+            </a:r>
+            <a:r>
+              <a:rPr kumimoji="0" lang="es-CO" altLang="es-CO" sz="1200" b="1" i="1" u="none" strike="noStrike" cap="none" normalizeH="0" baseline="0" dirty="0">
+                <a:ln>
+                  <a:noFill/>
+                </a:ln>
+                <a:solidFill>
+                  <a:srgbClr val="292929"/>
+                </a:solidFill>
+                <a:effectLst/>
+                <a:latin typeface="Menlo"/>
+              </a:rPr>
+              <a:t> </a:t>
+            </a:r>
+            <a:r>
+              <a:rPr kumimoji="0" lang="es-CO" altLang="es-CO" sz="1200" b="1" i="1" u="none" strike="noStrike" cap="none" normalizeH="0" baseline="0" dirty="0" err="1">
+                <a:ln>
+                  <a:noFill/>
+                </a:ln>
+                <a:solidFill>
+                  <a:srgbClr val="292929"/>
+                </a:solidFill>
+                <a:effectLst/>
+                <a:latin typeface="Menlo"/>
+              </a:rPr>
+              <a:t>all</a:t>
+            </a:r>
+            <a:r>
+              <a:rPr kumimoji="0" lang="es-CO" altLang="es-CO" sz="1200" b="1" i="1" u="none" strike="noStrike" cap="none" normalizeH="0" baseline="0" dirty="0">
+                <a:ln>
+                  <a:noFill/>
+                </a:ln>
+                <a:solidFill>
+                  <a:srgbClr val="292929"/>
+                </a:solidFill>
+                <a:effectLst/>
+                <a:latin typeface="Menlo"/>
+              </a:rPr>
+              <a:t> </a:t>
+            </a:r>
+            <a:r>
+              <a:rPr kumimoji="0" lang="es-CO" altLang="es-CO" sz="1200" b="1" i="1" u="none" strike="noStrike" cap="none" normalizeH="0" baseline="0" dirty="0" err="1">
+                <a:ln>
+                  <a:noFill/>
+                </a:ln>
+                <a:solidFill>
+                  <a:srgbClr val="292929"/>
+                </a:solidFill>
+                <a:effectLst/>
+                <a:latin typeface="Menlo"/>
+              </a:rPr>
+              <a:t>of</a:t>
+            </a:r>
+            <a:r>
+              <a:rPr kumimoji="0" lang="es-CO" altLang="es-CO" sz="1200" b="1" i="1" u="none" strike="noStrike" cap="none" normalizeH="0" baseline="0" dirty="0">
+                <a:ln>
+                  <a:noFill/>
+                </a:ln>
+                <a:solidFill>
+                  <a:srgbClr val="292929"/>
+                </a:solidFill>
+                <a:effectLst/>
+                <a:latin typeface="Menlo"/>
+              </a:rPr>
+              <a:t> </a:t>
+            </a:r>
+            <a:r>
+              <a:rPr kumimoji="0" lang="es-CO" altLang="es-CO" sz="1200" b="1" i="1" u="none" strike="noStrike" cap="none" normalizeH="0" baseline="0" dirty="0" err="1">
+                <a:ln>
+                  <a:noFill/>
+                </a:ln>
+                <a:solidFill>
+                  <a:srgbClr val="292929"/>
+                </a:solidFill>
+                <a:effectLst/>
+                <a:latin typeface="Menlo"/>
+              </a:rPr>
+              <a:t>our</a:t>
+            </a:r>
+            <a:r>
+              <a:rPr kumimoji="0" lang="es-CO" altLang="es-CO" sz="1200" b="1" i="1" u="none" strike="noStrike" cap="none" normalizeH="0" baseline="0" dirty="0">
+                <a:ln>
+                  <a:noFill/>
+                </a:ln>
+                <a:solidFill>
+                  <a:srgbClr val="292929"/>
+                </a:solidFill>
+                <a:effectLst/>
+                <a:latin typeface="Menlo"/>
+              </a:rPr>
+              <a:t> </a:t>
+            </a:r>
+            <a:r>
+              <a:rPr kumimoji="0" lang="es-CO" altLang="es-CO" sz="1200" b="1" i="1" u="none" strike="noStrike" cap="none" normalizeH="0" baseline="0" dirty="0" err="1">
+                <a:ln>
+                  <a:noFill/>
+                </a:ln>
+                <a:solidFill>
+                  <a:srgbClr val="292929"/>
+                </a:solidFill>
+                <a:effectLst/>
+                <a:latin typeface="Menlo"/>
+              </a:rPr>
+              <a:t>subsets</a:t>
+            </a:r>
+            <a:r>
+              <a:rPr kumimoji="0" lang="es-CO" altLang="es-CO" sz="1200" b="1" i="0" u="none" strike="noStrike" cap="none" normalizeH="0" baseline="0" dirty="0">
+                <a:ln>
+                  <a:noFill/>
+                </a:ln>
+                <a:solidFill>
+                  <a:srgbClr val="292929"/>
+                </a:solidFill>
+                <a:effectLst/>
+                <a:latin typeface="Menlo"/>
+              </a:rPr>
+              <a:t>😎</a:t>
+            </a:r>
+            <a:r>
+              <a:rPr kumimoji="0" lang="es-CO" altLang="es-CO" sz="600" b="0" i="0" u="none" strike="noStrike" cap="none" normalizeH="0" baseline="0" dirty="0">
+                <a:ln>
+                  <a:noFill/>
+                </a:ln>
+                <a:solidFill>
+                  <a:schemeClr val="tx1"/>
+                </a:solidFill>
+                <a:effectLst/>
+              </a:rPr>
+              <a:t> </a:t>
+            </a:r>
+            <a:endParaRPr kumimoji="0" lang="es-CO" altLang="es-CO" sz="1800" b="0" i="0" u="none" strike="noStrike" cap="none" normalizeH="0" baseline="0" dirty="0">
+              <a:ln>
+                <a:noFill/>
+              </a:ln>
+              <a:solidFill>
+                <a:schemeClr val="tx1"/>
+              </a:solidFill>
+              <a:effectLst/>
+              <a:latin typeface="Arial" panose="020B0604020202020204" pitchFamily="34" charset="0"/>
+            </a:endParaRPr>
+          </a:p>
+        </p:txBody>
+      </p:sp>
     </p:spTree>
     <p:extLst>
       <p:ext uri="{BB962C8B-B14F-4D97-AF65-F5344CB8AC3E}">
-        <p14:creationId xmlns:p14="http://schemas.microsoft.com/office/powerpoint/2010/main" val="2616143297"/>
+        <p14:creationId xmlns:p14="http://schemas.microsoft.com/office/powerpoint/2010/main" val="1916172665"/>
       </p:ext>
     </p:extLst>
   </p:cSld>
@@ -9825,46 +7393,648 @@
           <a:chExt cx="0" cy="0"/>
         </a:xfrm>
       </p:grpSpPr>
-      <p:pic>
-        <p:nvPicPr>
-          <p:cNvPr id="2" name="Picture 1"/>
-          <p:cNvPicPr>
-            <a:picLocks noChangeAspect="1"/>
-          </p:cNvPicPr>
-          <p:nvPr/>
-        </p:nvPicPr>
-        <p:blipFill>
-          <a:blip r:embed="rId3">
+      <p:sp>
+        <p:nvSpPr>
+          <p:cNvPr id="2" name="Title 1">
             <a:extLst>
-              <a:ext uri="{28A0092B-C50C-407E-A947-70E740481C1C}">
-                <a14:useLocalDpi xmlns:a14="http://schemas.microsoft.com/office/drawing/2010/main" val="0"/>
+              <a:ext uri="{FF2B5EF4-FFF2-40B4-BE49-F238E27FC236}">
+                <a16:creationId xmlns:a16="http://schemas.microsoft.com/office/drawing/2014/main" id="{32DCBFD5-72EE-4731-85D4-C8F1BA780D8E}"/>
               </a:ext>
             </a:extLst>
-          </a:blip>
-          <a:stretch>
-            <a:fillRect/>
-          </a:stretch>
-        </p:blipFill>
+          </p:cNvPr>
+          <p:cNvSpPr>
+            <a:spLocks noGrp="1"/>
+          </p:cNvSpPr>
+          <p:nvPr>
+            <p:ph type="title"/>
+          </p:nvPr>
+        </p:nvSpPr>
+        <p:spPr/>
+        <p:txBody>
+          <a:bodyPr/>
+          <a:lstStyle/>
+          <a:p>
+            <a:endParaRPr lang="en-GB"/>
+          </a:p>
+        </p:txBody>
+      </p:sp>
+      <p:sp>
+        <p:nvSpPr>
+          <p:cNvPr id="3" name="Content Placeholder 2">
+            <a:extLst>
+              <a:ext uri="{FF2B5EF4-FFF2-40B4-BE49-F238E27FC236}">
+                <a16:creationId xmlns:a16="http://schemas.microsoft.com/office/drawing/2014/main" id="{84041090-50AB-46DA-8FB9-64AF120B917C}"/>
+              </a:ext>
+            </a:extLst>
+          </p:cNvPr>
+          <p:cNvSpPr>
+            <a:spLocks noGrp="1"/>
+          </p:cNvSpPr>
+          <p:nvPr>
+            <p:ph idx="1"/>
+          </p:nvPr>
+        </p:nvSpPr>
         <p:spPr>
           <a:xfrm>
-            <a:off x="0" y="0"/>
-            <a:ext cx="9144000" cy="1076325"/>
+            <a:off x="457200" y="1600200"/>
+            <a:ext cx="2596718" cy="4525963"/>
+          </a:xfrm>
+        </p:spPr>
+        <p:txBody>
+          <a:bodyPr/>
+          <a:lstStyle/>
+          <a:p>
+            <a:pPr marL="0" indent="0" algn="l">
+              <a:buNone/>
+            </a:pPr>
+            <a:r>
+              <a:rPr lang="en-GB" sz="1800" b="0" i="0" u="none" strike="noStrike" baseline="0" dirty="0">
+                <a:latin typeface="VbtkdcVklljwMwqvkySrddyfQbjkbhWqqyqvTimes-Roman"/>
+              </a:rPr>
+              <a:t>10110 </a:t>
+            </a:r>
+            <a:r>
+              <a:rPr lang="en-GB" sz="1800" b="0" i="1" u="none" strike="noStrike" baseline="0" dirty="0">
+                <a:latin typeface="PdrmcxGtnrrbXlkjjkTnjlyqMjbvnfBdpklpMTMI"/>
+              </a:rPr>
+              <a:t>(</a:t>
+            </a:r>
+            <a:r>
+              <a:rPr lang="en-GB" sz="1800" b="0" i="0" u="none" strike="noStrike" baseline="0" dirty="0">
+                <a:latin typeface="VbtkdcVklljwMwqvkySrddyfQbjkbhWqqyqvTimes-Roman"/>
+              </a:rPr>
+              <a:t>22</a:t>
+            </a:r>
+            <a:r>
+              <a:rPr lang="en-GB" sz="1800" b="0" i="1" u="none" strike="noStrike" baseline="0" dirty="0">
+                <a:latin typeface="PdrmcxGtnrrbXlkjjkTnjlyqMjbvnfBdpklpMTMI"/>
+              </a:rPr>
+              <a:t>)</a:t>
+            </a:r>
+          </a:p>
+          <a:p>
+            <a:pPr marL="0" indent="0" algn="l">
+              <a:buNone/>
+            </a:pPr>
+            <a:r>
+              <a:rPr lang="en-GB" sz="1800" b="0" i="0" u="none" strike="noStrike" baseline="0" dirty="0">
+                <a:latin typeface="VbtkdcVklljwMwqvkySrddyfQbjkbhWqqyqvTimes-Roman"/>
+              </a:rPr>
+              <a:t>&amp; 11010 </a:t>
+            </a:r>
+            <a:r>
+              <a:rPr lang="en-GB" sz="1800" b="0" i="1" u="none" strike="noStrike" baseline="0" dirty="0">
+                <a:latin typeface="PdrmcxGtnrrbXlkjjkTnjlyqMjbvnfBdpklpMTMI"/>
+              </a:rPr>
+              <a:t>(</a:t>
+            </a:r>
+            <a:r>
+              <a:rPr lang="en-GB" sz="1800" b="0" i="0" u="none" strike="noStrike" baseline="0" dirty="0">
+                <a:latin typeface="VbtkdcVklljwMwqvkySrddyfQbjkbhWqqyqvTimes-Roman"/>
+              </a:rPr>
+              <a:t>26</a:t>
+            </a:r>
+            <a:r>
+              <a:rPr lang="en-GB" sz="1800" b="0" i="1" u="none" strike="noStrike" baseline="0" dirty="0">
+                <a:latin typeface="PdrmcxGtnrrbXlkjjkTnjlyqMjbvnfBdpklpMTMI"/>
+              </a:rPr>
+              <a:t>)</a:t>
+            </a:r>
+          </a:p>
+          <a:p>
+            <a:pPr marL="0" indent="0" algn="l">
+              <a:buNone/>
+            </a:pPr>
+            <a:r>
+              <a:rPr lang="en-GB" sz="1800" dirty="0">
+                <a:latin typeface="PdrmcxGtnrrbXlkjjkTnjlyqMjbvnfBdpklpMTMI"/>
+              </a:rPr>
+              <a:t>-----------------</a:t>
+            </a:r>
+            <a:endParaRPr lang="en-GB" sz="1800" b="0" i="1" u="none" strike="noStrike" baseline="0" dirty="0">
+              <a:latin typeface="PdrmcxGtnrrbXlkjjkTnjlyqMjbvnfBdpklpMTMI"/>
+            </a:endParaRPr>
+          </a:p>
+          <a:p>
+            <a:pPr marL="0" indent="0" algn="l">
+              <a:buNone/>
+            </a:pPr>
+            <a:r>
+              <a:rPr lang="en-GB" sz="1800" b="0" i="0" u="none" strike="noStrike" baseline="0" dirty="0">
+                <a:latin typeface="RfvntxYvhtxvMqjjmdQbnqbdBqhbsrPbxhkqMTSYN"/>
+              </a:rPr>
+              <a:t>= </a:t>
+            </a:r>
+            <a:r>
+              <a:rPr lang="en-GB" sz="1800" b="0" i="0" u="none" strike="noStrike" baseline="0" dirty="0">
+                <a:latin typeface="VbtkdcVklljwMwqvkySrddyfQbjkbhWqqyqvTimes-Roman"/>
+              </a:rPr>
+              <a:t>10010 </a:t>
+            </a:r>
+            <a:r>
+              <a:rPr lang="en-GB" sz="1800" b="0" i="1" u="none" strike="noStrike" baseline="0" dirty="0">
+                <a:latin typeface="PdrmcxGtnrrbXlkjjkTnjlyqMjbvnfBdpklpMTMI"/>
+              </a:rPr>
+              <a:t>(</a:t>
+            </a:r>
+            <a:r>
+              <a:rPr lang="en-GB" sz="1800" b="0" i="0" u="none" strike="noStrike" baseline="0" dirty="0">
+                <a:latin typeface="VbtkdcVklljwMwqvkySrddyfQbjkbhWqqyqvTimes-Roman"/>
+              </a:rPr>
+              <a:t>18</a:t>
+            </a:r>
+            <a:r>
+              <a:rPr lang="en-GB" sz="1800" b="0" i="1" u="none" strike="noStrike" baseline="0" dirty="0">
+                <a:latin typeface="PdrmcxGtnrrbXlkjjkTnjlyqMjbvnfBdpklpMTMI"/>
+              </a:rPr>
+              <a:t>) .</a:t>
+            </a:r>
+          </a:p>
+          <a:p>
+            <a:pPr marL="0" indent="0" algn="l">
+              <a:buNone/>
+            </a:pPr>
+            <a:endParaRPr lang="en-GB" sz="1800" dirty="0">
+              <a:latin typeface="PdrmcxGtnrrbXlkjjkTnjlyqMjbvnfBdpklpMTMI"/>
+            </a:endParaRPr>
+          </a:p>
+          <a:p>
+            <a:pPr marL="0" indent="0">
+              <a:buNone/>
+            </a:pPr>
+            <a:endParaRPr lang="en-GB" sz="1800" dirty="0">
+              <a:latin typeface="PdrmcxGtnrrbXlkjjkTnjlyqMjbvnfBdpklpMTMI"/>
+            </a:endParaRPr>
+          </a:p>
+          <a:p>
+            <a:pPr marL="0" indent="0" algn="l">
+              <a:buNone/>
+            </a:pPr>
+            <a:r>
+              <a:rPr lang="en-GB" sz="1800" b="0" i="0" u="none" strike="noStrike" baseline="0" dirty="0">
+                <a:latin typeface="VbtkdcVklljwMwqvkySrddyfQbjkbhWqqyqvTimes-Roman"/>
+              </a:rPr>
+              <a:t>10110 </a:t>
+            </a:r>
+            <a:r>
+              <a:rPr lang="en-GB" sz="1800" b="0" i="1" u="none" strike="noStrike" baseline="0" dirty="0">
+                <a:latin typeface="PdrmcxGtnrrbXlkjjkTnjlyqMjbvnfBdpklpMTMI"/>
+              </a:rPr>
+              <a:t>(</a:t>
+            </a:r>
+            <a:r>
+              <a:rPr lang="en-GB" sz="1800" b="0" i="0" u="none" strike="noStrike" baseline="0" dirty="0">
+                <a:latin typeface="VbtkdcVklljwMwqvkySrddyfQbjkbhWqqyqvTimes-Roman"/>
+              </a:rPr>
+              <a:t>22</a:t>
+            </a:r>
+            <a:r>
+              <a:rPr lang="en-GB" sz="1800" b="0" i="1" u="none" strike="noStrike" baseline="0" dirty="0">
+                <a:latin typeface="PdrmcxGtnrrbXlkjjkTnjlyqMjbvnfBdpklpMTMI"/>
+              </a:rPr>
+              <a:t>)</a:t>
+            </a:r>
+          </a:p>
+          <a:p>
+            <a:pPr marL="0" indent="0" algn="l">
+              <a:buNone/>
+            </a:pPr>
+            <a:r>
+              <a:rPr lang="en-GB" sz="1800" b="0" i="0" u="none" strike="noStrike" baseline="0" dirty="0">
+                <a:latin typeface="RfvntxYvhtxvMqjjmdQbnqbdBqhbsrPbxhkqMTSYN"/>
+              </a:rPr>
+              <a:t>| </a:t>
+            </a:r>
+            <a:r>
+              <a:rPr lang="en-GB" sz="1800" b="0" i="0" u="none" strike="noStrike" baseline="0" dirty="0">
+                <a:latin typeface="VbtkdcVklljwMwqvkySrddyfQbjkbhWqqyqvTimes-Roman"/>
+              </a:rPr>
+              <a:t>11010 </a:t>
+            </a:r>
+            <a:r>
+              <a:rPr lang="en-GB" sz="1800" b="0" i="1" u="none" strike="noStrike" baseline="0" dirty="0">
+                <a:latin typeface="PdrmcxGtnrrbXlkjjkTnjlyqMjbvnfBdpklpMTMI"/>
+              </a:rPr>
+              <a:t>(</a:t>
+            </a:r>
+            <a:r>
+              <a:rPr lang="en-GB" sz="1800" b="0" i="0" u="none" strike="noStrike" baseline="0" dirty="0">
+                <a:latin typeface="VbtkdcVklljwMwqvkySrddyfQbjkbhWqqyqvTimes-Roman"/>
+              </a:rPr>
+              <a:t>26</a:t>
+            </a:r>
+            <a:r>
+              <a:rPr lang="en-GB" sz="1800" b="0" i="1" u="none" strike="noStrike" baseline="0" dirty="0">
+                <a:latin typeface="PdrmcxGtnrrbXlkjjkTnjlyqMjbvnfBdpklpMTMI"/>
+              </a:rPr>
+              <a:t>)</a:t>
+            </a:r>
+          </a:p>
+          <a:p>
+            <a:pPr marL="0" indent="0" algn="l">
+              <a:buNone/>
+            </a:pPr>
+            <a:r>
+              <a:rPr lang="en-GB" sz="1800" b="0" i="0" u="none" strike="noStrike" baseline="0" dirty="0">
+                <a:latin typeface="RfvntxYvhtxvMqjjmdQbnqbdBqhbsrPbxhkqMTSYN"/>
+              </a:rPr>
+              <a:t>= </a:t>
+            </a:r>
+            <a:r>
+              <a:rPr lang="en-GB" sz="1800" b="0" i="0" u="none" strike="noStrike" baseline="0" dirty="0">
+                <a:latin typeface="VbtkdcVklljwMwqvkySrddyfQbjkbhWqqyqvTimes-Roman"/>
+              </a:rPr>
+              <a:t>11110 </a:t>
+            </a:r>
+            <a:r>
+              <a:rPr lang="en-GB" sz="1800" b="0" i="1" u="none" strike="noStrike" baseline="0" dirty="0">
+                <a:latin typeface="PdrmcxGtnrrbXlkjjkTnjlyqMjbvnfBdpklpMTMI"/>
+              </a:rPr>
+              <a:t>(</a:t>
+            </a:r>
+            <a:r>
+              <a:rPr lang="en-GB" sz="1800" b="0" i="0" u="none" strike="noStrike" baseline="0" dirty="0">
+                <a:latin typeface="VbtkdcVklljwMwqvkySrddyfQbjkbhWqqyqvTimes-Roman"/>
+              </a:rPr>
+              <a:t>30</a:t>
+            </a:r>
+            <a:r>
+              <a:rPr lang="en-GB" sz="1800" b="0" i="1" u="none" strike="noStrike" baseline="0" dirty="0">
+                <a:latin typeface="PdrmcxGtnrrbXlkjjkTnjlyqMjbvnfBdpklpMTMI"/>
+              </a:rPr>
+              <a:t>)</a:t>
+            </a:r>
+            <a:endParaRPr lang="en-GB" dirty="0"/>
+          </a:p>
+        </p:txBody>
+      </p:sp>
+      <p:sp>
+        <p:nvSpPr>
+          <p:cNvPr id="4" name="Content Placeholder 2">
+            <a:extLst>
+              <a:ext uri="{FF2B5EF4-FFF2-40B4-BE49-F238E27FC236}">
+                <a16:creationId xmlns:a16="http://schemas.microsoft.com/office/drawing/2014/main" id="{D5A81266-F4C1-49DE-8EEE-D74F2D210B44}"/>
+              </a:ext>
+            </a:extLst>
+          </p:cNvPr>
+          <p:cNvSpPr txBox="1">
+            <a:spLocks/>
+          </p:cNvSpPr>
+          <p:nvPr/>
+        </p:nvSpPr>
+        <p:spPr>
+          <a:xfrm>
+            <a:off x="3053918" y="1600199"/>
+            <a:ext cx="2596718" cy="4525963"/>
           </a:xfrm>
           <a:prstGeom prst="rect">
             <a:avLst/>
           </a:prstGeom>
         </p:spPr>
-      </p:pic>
+        <p:txBody>
+          <a:bodyPr vert="horz" lIns="91440" tIns="45720" rIns="91440" bIns="45720" rtlCol="0">
+            <a:normAutofit/>
+          </a:bodyPr>
+          <a:lstStyle>
+            <a:lvl1pPr marL="285750" indent="-285750" algn="l" defTabSz="457200" rtl="0" eaLnBrk="1" latinLnBrk="0" hangingPunct="1">
+              <a:spcBef>
+                <a:spcPct val="20000"/>
+              </a:spcBef>
+              <a:buFont typeface="Arial" panose="020B0604020202020204" pitchFamily="34" charset="0"/>
+              <a:buChar char="•"/>
+              <a:defRPr lang="es-ES_tradnl" sz="2800" i="1" kern="1200" dirty="0">
+                <a:solidFill>
+                  <a:schemeClr val="tx1">
+                    <a:lumMod val="65000"/>
+                    <a:lumOff val="35000"/>
+                  </a:schemeClr>
+                </a:solidFill>
+                <a:latin typeface="+mn-lt"/>
+                <a:ea typeface="+mn-ea"/>
+                <a:cs typeface="+mn-cs"/>
+              </a:defRPr>
+            </a:lvl1pPr>
+            <a:lvl2pPr marL="742950" indent="-285750" algn="l" defTabSz="457200" rtl="0" eaLnBrk="1" latinLnBrk="0" hangingPunct="1">
+              <a:spcBef>
+                <a:spcPct val="20000"/>
+              </a:spcBef>
+              <a:buFont typeface="Arial"/>
+              <a:buChar char="–"/>
+              <a:defRPr lang="es-ES_tradnl" sz="2800" i="1" kern="1200" dirty="0">
+                <a:solidFill>
+                  <a:schemeClr val="tx1">
+                    <a:lumMod val="65000"/>
+                    <a:lumOff val="35000"/>
+                  </a:schemeClr>
+                </a:solidFill>
+                <a:latin typeface="+mn-lt"/>
+                <a:ea typeface="+mn-ea"/>
+                <a:cs typeface="+mn-cs"/>
+              </a:defRPr>
+            </a:lvl2pPr>
+            <a:lvl3pPr marL="1143000" indent="-228600" algn="l" defTabSz="457200" rtl="0" eaLnBrk="1" latinLnBrk="0" hangingPunct="1">
+              <a:spcBef>
+                <a:spcPct val="20000"/>
+              </a:spcBef>
+              <a:buFont typeface="Arial"/>
+              <a:buChar char="•"/>
+              <a:defRPr lang="es-ES_tradnl" sz="2400" i="1" kern="1200" dirty="0">
+                <a:solidFill>
+                  <a:schemeClr val="tx1">
+                    <a:lumMod val="65000"/>
+                    <a:lumOff val="35000"/>
+                  </a:schemeClr>
+                </a:solidFill>
+                <a:latin typeface="+mn-lt"/>
+                <a:ea typeface="+mn-ea"/>
+                <a:cs typeface="+mn-cs"/>
+              </a:defRPr>
+            </a:lvl3pPr>
+            <a:lvl4pPr marL="1600200" indent="-228600" algn="l" defTabSz="457200" rtl="0" eaLnBrk="1" latinLnBrk="0" hangingPunct="1">
+              <a:spcBef>
+                <a:spcPct val="20000"/>
+              </a:spcBef>
+              <a:buFont typeface="Arial"/>
+              <a:buChar char="–"/>
+              <a:defRPr lang="es-ES_tradnl" sz="2400" i="1" kern="1200" dirty="0">
+                <a:solidFill>
+                  <a:schemeClr val="tx1">
+                    <a:lumMod val="65000"/>
+                    <a:lumOff val="35000"/>
+                  </a:schemeClr>
+                </a:solidFill>
+                <a:latin typeface="+mn-lt"/>
+                <a:ea typeface="+mn-ea"/>
+                <a:cs typeface="+mn-cs"/>
+              </a:defRPr>
+            </a:lvl4pPr>
+            <a:lvl5pPr marL="2057400" indent="-228600" algn="l" defTabSz="457200" rtl="0" eaLnBrk="1" latinLnBrk="0" hangingPunct="1">
+              <a:spcBef>
+                <a:spcPct val="20000"/>
+              </a:spcBef>
+              <a:buFont typeface="Arial"/>
+              <a:buChar char="»"/>
+              <a:defRPr lang="en-US" sz="2400" i="1" kern="1200" dirty="0">
+                <a:solidFill>
+                  <a:schemeClr val="tx1">
+                    <a:lumMod val="65000"/>
+                    <a:lumOff val="35000"/>
+                  </a:schemeClr>
+                </a:solidFill>
+                <a:latin typeface="+mn-lt"/>
+                <a:ea typeface="+mn-ea"/>
+                <a:cs typeface="+mn-cs"/>
+              </a:defRPr>
+            </a:lvl5pPr>
+            <a:lvl6pPr marL="2514600" indent="-228600" algn="l" defTabSz="457200" rtl="0" eaLnBrk="1" latinLnBrk="0" hangingPunct="1">
+              <a:spcBef>
+                <a:spcPct val="20000"/>
+              </a:spcBef>
+              <a:buFont typeface="Arial"/>
+              <a:buChar char="•"/>
+              <a:defRPr sz="2000" kern="1200">
+                <a:solidFill>
+                  <a:schemeClr val="tx1"/>
+                </a:solidFill>
+                <a:latin typeface="+mn-lt"/>
+                <a:ea typeface="+mn-ea"/>
+                <a:cs typeface="+mn-cs"/>
+              </a:defRPr>
+            </a:lvl6pPr>
+            <a:lvl7pPr marL="2971800" indent="-228600" algn="l" defTabSz="457200" rtl="0" eaLnBrk="1" latinLnBrk="0" hangingPunct="1">
+              <a:spcBef>
+                <a:spcPct val="20000"/>
+              </a:spcBef>
+              <a:buFont typeface="Arial"/>
+              <a:buChar char="•"/>
+              <a:defRPr sz="2000" kern="1200">
+                <a:solidFill>
+                  <a:schemeClr val="tx1"/>
+                </a:solidFill>
+                <a:latin typeface="+mn-lt"/>
+                <a:ea typeface="+mn-ea"/>
+                <a:cs typeface="+mn-cs"/>
+              </a:defRPr>
+            </a:lvl7pPr>
+            <a:lvl8pPr marL="3429000" indent="-228600" algn="l" defTabSz="457200" rtl="0" eaLnBrk="1" latinLnBrk="0" hangingPunct="1">
+              <a:spcBef>
+                <a:spcPct val="20000"/>
+              </a:spcBef>
+              <a:buFont typeface="Arial"/>
+              <a:buChar char="•"/>
+              <a:defRPr sz="2000" kern="1200">
+                <a:solidFill>
+                  <a:schemeClr val="tx1"/>
+                </a:solidFill>
+                <a:latin typeface="+mn-lt"/>
+                <a:ea typeface="+mn-ea"/>
+                <a:cs typeface="+mn-cs"/>
+              </a:defRPr>
+            </a:lvl8pPr>
+            <a:lvl9pPr marL="3886200" indent="-228600" algn="l" defTabSz="457200" rtl="0" eaLnBrk="1" latinLnBrk="0" hangingPunct="1">
+              <a:spcBef>
+                <a:spcPct val="20000"/>
+              </a:spcBef>
+              <a:buFont typeface="Arial"/>
+              <a:buChar char="•"/>
+              <a:defRPr sz="2000" kern="1200">
+                <a:solidFill>
+                  <a:schemeClr val="tx1"/>
+                </a:solidFill>
+                <a:latin typeface="+mn-lt"/>
+                <a:ea typeface="+mn-ea"/>
+                <a:cs typeface="+mn-cs"/>
+              </a:defRPr>
+            </a:lvl9pPr>
+          </a:lstStyle>
+          <a:p>
+            <a:pPr marL="0" indent="0" algn="l">
+              <a:buNone/>
+            </a:pPr>
+            <a:r>
+              <a:rPr lang="en-GB" sz="1800" b="0" i="0" u="none" strike="noStrike" baseline="0" dirty="0">
+                <a:latin typeface="VbtkdcVklljwMwqvkySrddyfQbjkbhWqqyqvTimes-Roman"/>
+              </a:rPr>
+              <a:t>10110 </a:t>
+            </a:r>
+            <a:r>
+              <a:rPr lang="en-GB" sz="1800" b="0" i="1" u="none" strike="noStrike" baseline="0" dirty="0">
+                <a:latin typeface="PdrmcxGtnrrbXlkjjkTnjlyqMjbvnfBdpklpMTMI"/>
+              </a:rPr>
+              <a:t>(</a:t>
+            </a:r>
+            <a:r>
+              <a:rPr lang="en-GB" sz="1800" b="0" i="0" u="none" strike="noStrike" baseline="0" dirty="0">
+                <a:latin typeface="VbtkdcVklljwMwqvkySrddyfQbjkbhWqqyqvTimes-Roman"/>
+              </a:rPr>
+              <a:t>22</a:t>
+            </a:r>
+            <a:r>
+              <a:rPr lang="en-GB" sz="1800" b="0" i="1" u="none" strike="noStrike" baseline="0" dirty="0">
+                <a:latin typeface="PdrmcxGtnrrbXlkjjkTnjlyqMjbvnfBdpklpMTMI"/>
+              </a:rPr>
+              <a:t>)</a:t>
+            </a:r>
+          </a:p>
+          <a:p>
+            <a:pPr marL="0" indent="0" algn="l">
+              <a:buNone/>
+            </a:pPr>
+            <a:r>
+              <a:rPr lang="en-GB" sz="1800" b="0" i="0" u="none" strike="noStrike" baseline="0" dirty="0">
+                <a:latin typeface="VbtkdcVklljwMwqvkySrddyfQbjkbhWqqyqvTimes-Roman"/>
+              </a:rPr>
+              <a:t>ˆ 11010 </a:t>
+            </a:r>
+            <a:r>
+              <a:rPr lang="en-GB" sz="1800" b="0" i="1" u="none" strike="noStrike" baseline="0" dirty="0">
+                <a:latin typeface="PdrmcxGtnrrbXlkjjkTnjlyqMjbvnfBdpklpMTMI"/>
+              </a:rPr>
+              <a:t>(</a:t>
+            </a:r>
+            <a:r>
+              <a:rPr lang="en-GB" sz="1800" b="0" i="0" u="none" strike="noStrike" baseline="0" dirty="0">
+                <a:latin typeface="VbtkdcVklljwMwqvkySrddyfQbjkbhWqqyqvTimes-Roman"/>
+              </a:rPr>
+              <a:t>26</a:t>
+            </a:r>
+            <a:r>
+              <a:rPr lang="en-GB" sz="1800" b="0" i="1" u="none" strike="noStrike" baseline="0" dirty="0">
+                <a:latin typeface="PdrmcxGtnrrbXlkjjkTnjlyqMjbvnfBdpklpMTMI"/>
+              </a:rPr>
+              <a:t>)</a:t>
+            </a:r>
+          </a:p>
+          <a:p>
+            <a:pPr marL="0" indent="0" algn="l">
+              <a:buNone/>
+            </a:pPr>
+            <a:r>
+              <a:rPr lang="en-GB" sz="1800" b="0" i="0" u="none" strike="noStrike" baseline="0" dirty="0">
+                <a:latin typeface="RfvntxYvhtxvMqjjmdQbnqbdBqhbsrPbxhkqMTSYN"/>
+              </a:rPr>
+              <a:t>= </a:t>
+            </a:r>
+            <a:r>
+              <a:rPr lang="en-GB" sz="1800" b="0" i="0" u="none" strike="noStrike" baseline="0" dirty="0">
+                <a:latin typeface="VbtkdcVklljwMwqvkySrddyfQbjkbhWqqyqvTimes-Roman"/>
+              </a:rPr>
+              <a:t>01100 </a:t>
+            </a:r>
+            <a:r>
+              <a:rPr lang="en-GB" sz="1800" b="0" i="1" u="none" strike="noStrike" baseline="0" dirty="0">
+                <a:latin typeface="PdrmcxGtnrrbXlkjjkTnjlyqMjbvnfBdpklpMTMI"/>
+              </a:rPr>
+              <a:t>(</a:t>
+            </a:r>
+            <a:r>
+              <a:rPr lang="en-GB" sz="1800" b="0" i="0" u="none" strike="noStrike" baseline="0" dirty="0">
+                <a:latin typeface="VbtkdcVklljwMwqvkySrddyfQbjkbhWqqyqvTimes-Roman"/>
+              </a:rPr>
+              <a:t>12</a:t>
+            </a:r>
+            <a:r>
+              <a:rPr lang="en-GB" sz="1800" b="0" i="1" u="none" strike="noStrike" baseline="0" dirty="0">
+                <a:latin typeface="PdrmcxGtnrrbXlkjjkTnjlyqMjbvnfBdpklpMTMI"/>
+              </a:rPr>
+              <a:t>)</a:t>
+            </a:r>
+            <a:r>
+              <a:rPr lang="en-GB" sz="1800" dirty="0">
+                <a:latin typeface="PdrmcxGtnrrbXlkjjkTnjlyqMjbvnfBdpklpMTMI"/>
+              </a:rPr>
+              <a:t>.</a:t>
+            </a:r>
+          </a:p>
+          <a:p>
+            <a:pPr marL="0" indent="0">
+              <a:buFont typeface="Arial" panose="020B0604020202020204" pitchFamily="34" charset="0"/>
+              <a:buNone/>
+            </a:pPr>
+            <a:endParaRPr lang="en-GB" sz="1800" dirty="0">
+              <a:latin typeface="PdrmcxGtnrrbXlkjjkTnjlyqMjbvnfBdpklpMTMI"/>
+            </a:endParaRPr>
+          </a:p>
+          <a:p>
+            <a:pPr marL="0" indent="0">
+              <a:buFont typeface="Arial" panose="020B0604020202020204" pitchFamily="34" charset="0"/>
+              <a:buNone/>
+            </a:pPr>
+            <a:endParaRPr lang="en-GB" sz="1800" dirty="0">
+              <a:latin typeface="PdrmcxGtnrrbXlkjjkTnjlyqMjbvnfBdpklpMTMI"/>
+            </a:endParaRPr>
+          </a:p>
+          <a:p>
+            <a:pPr marL="0" indent="0" algn="l">
+              <a:buNone/>
+            </a:pPr>
+            <a:r>
+              <a:rPr lang="en-GB" sz="1800" b="0" i="1" u="none" strike="noStrike" baseline="0" dirty="0">
+                <a:latin typeface="SqymprJqflmxXtxkhhTbghypMnhyxrTyfmdtTimes-Italic"/>
+              </a:rPr>
+              <a:t>x </a:t>
+            </a:r>
+            <a:r>
+              <a:rPr lang="en-GB" sz="1800" b="0" i="0" u="none" strike="noStrike" baseline="0" dirty="0">
+                <a:latin typeface="RfvntxYvhtxvMqjjmdQbnqbdBqhbsrPbxhkqMTSYN"/>
+              </a:rPr>
+              <a:t>= </a:t>
+            </a:r>
+            <a:r>
+              <a:rPr lang="en-GB" sz="1800" b="0" i="0" u="none" strike="noStrike" baseline="0" dirty="0">
+                <a:latin typeface="VbtkdcVklljwMwqvkySrddyfQbjkbhWqqyqvTimes-Roman"/>
+              </a:rPr>
+              <a:t>29 00000000000000000000000000011101</a:t>
+            </a:r>
+          </a:p>
+          <a:p>
+            <a:pPr marL="0" indent="0" algn="l">
+              <a:buNone/>
+            </a:pPr>
+            <a:r>
+              <a:rPr lang="en-GB" sz="1800" b="0" i="0" u="none" strike="noStrike" baseline="0" dirty="0">
+                <a:latin typeface="VbtkdcVklljwMwqvkySrddyfQbjkbhWqqyqvTimes-Roman"/>
+              </a:rPr>
+              <a:t>~</a:t>
+            </a:r>
+            <a:r>
+              <a:rPr lang="en-GB" sz="1800" b="0" i="1" u="none" strike="noStrike" baseline="0" dirty="0">
+                <a:latin typeface="SqymprJqflmxXtxkhhTbghypMnhyxrTyfmdtTimes-Italic"/>
+              </a:rPr>
+              <a:t>x </a:t>
+            </a:r>
+            <a:r>
+              <a:rPr lang="en-GB" sz="1800" b="0" i="0" u="none" strike="noStrike" baseline="0" dirty="0">
+                <a:latin typeface="RfvntxYvhtxvMqjjmdQbnqbdBqhbsrPbxhkqMTSYN"/>
+              </a:rPr>
+              <a:t>= −</a:t>
+            </a:r>
+            <a:r>
+              <a:rPr lang="en-GB" sz="1800" b="0" i="0" u="none" strike="noStrike" baseline="0" dirty="0">
+                <a:latin typeface="VbtkdcVklljwMwqvkySrddyfQbjkbhWqqyqvTimes-Roman"/>
+              </a:rPr>
+              <a:t>30 11111111111111111111111111100010</a:t>
+            </a:r>
+            <a:endParaRPr lang="en-GB" dirty="0"/>
+          </a:p>
+        </p:txBody>
+      </p:sp>
       <p:sp>
         <p:nvSpPr>
-          <p:cNvPr id="5" name="TextBox 4"/>
+          <p:cNvPr id="6" name="TextBox 5">
+            <a:extLst>
+              <a:ext uri="{FF2B5EF4-FFF2-40B4-BE49-F238E27FC236}">
+                <a16:creationId xmlns:a16="http://schemas.microsoft.com/office/drawing/2014/main" id="{0C235B64-A9FC-4F49-8048-B8F006EDB590}"/>
+              </a:ext>
+            </a:extLst>
+          </p:cNvPr>
           <p:cNvSpPr txBox="1"/>
           <p:nvPr/>
         </p:nvSpPr>
         <p:spPr>
           <a:xfrm>
-            <a:off x="602694" y="344382"/>
-            <a:ext cx="4908873" cy="461665"/>
+            <a:off x="350668" y="5368316"/>
+            <a:ext cx="4572000" cy="369332"/>
           </a:xfrm>
           <a:prstGeom prst="rect">
             <a:avLst/>
@@ -9872,34 +8042,49 @@
           <a:noFill/>
         </p:spPr>
         <p:txBody>
-          <a:bodyPr wrap="square" rtlCol="0">
+          <a:bodyPr wrap="square">
             <a:spAutoFit/>
           </a:bodyPr>
           <a:lstStyle/>
           <a:p>
             <a:r>
-              <a:rPr lang="es-CO" sz="2400" b="1" dirty="0">
-                <a:solidFill>
-                  <a:schemeClr val="bg1"/>
-                </a:solidFill>
-                <a:latin typeface="Arial" panose="020B0604020202020204" pitchFamily="34" charset="0"/>
-                <a:cs typeface="Arial" panose="020B0604020202020204" pitchFamily="34" charset="0"/>
-              </a:rPr>
-              <a:t>ArrayList</a:t>
-            </a:r>
+              <a:rPr lang="en-US" sz="1800" b="0" i="1" u="none" strike="noStrike" baseline="0" dirty="0">
+                <a:latin typeface="SqymprJqflmxXtxkhhTbghypMnhyxrTyfmdtTimes-Italic"/>
+              </a:rPr>
+              <a:t>left bit shift x </a:t>
+            </a:r>
+            <a:r>
+              <a:rPr lang="en-US" sz="1800" b="0" i="1" u="none" strike="noStrike" baseline="0" dirty="0">
+                <a:latin typeface="PdrmcxGtnrrbXlkjjkTnjlyqMjbvnfBdpklpMTMI"/>
+              </a:rPr>
+              <a:t>&lt;&lt; </a:t>
+            </a:r>
+            <a:r>
+              <a:rPr lang="en-US" sz="1800" b="0" i="1" u="none" strike="noStrike" baseline="0" dirty="0">
+                <a:latin typeface="SqymprJqflmxXtxkhhTbghypMnhyxrTyfmdtTimes-Italic"/>
+              </a:rPr>
+              <a:t>k</a:t>
+            </a:r>
+            <a:endParaRPr lang="en-GB" dirty="0"/>
           </a:p>
         </p:txBody>
       </p:sp>
       <p:sp>
         <p:nvSpPr>
-          <p:cNvPr id="4" name="TextBox 3"/>
+          <p:cNvPr id="8" name="TextBox 7">
+            <a:extLst>
+              <a:ext uri="{FF2B5EF4-FFF2-40B4-BE49-F238E27FC236}">
+                <a16:creationId xmlns:a16="http://schemas.microsoft.com/office/drawing/2014/main" id="{D4D88A15-95C3-4051-BD15-D24AF011483B}"/>
+              </a:ext>
+            </a:extLst>
+          </p:cNvPr>
           <p:cNvSpPr txBox="1"/>
           <p:nvPr/>
         </p:nvSpPr>
         <p:spPr>
           <a:xfrm>
-            <a:off x="0" y="1535214"/>
-            <a:ext cx="7878073" cy="830997"/>
+            <a:off x="350668" y="6232355"/>
+            <a:ext cx="4572000" cy="369332"/>
           </a:xfrm>
           <a:prstGeom prst="rect">
             <a:avLst/>
@@ -9907,77 +8092,239 @@
           <a:noFill/>
         </p:spPr>
         <p:txBody>
-          <a:bodyPr wrap="square" rtlCol="0">
+          <a:bodyPr wrap="square">
             <a:spAutoFit/>
           </a:bodyPr>
           <a:lstStyle/>
           <a:p>
-            <a:pPr marL="800100" lvl="1" indent="-342900">
-              <a:buFont typeface="Arial" panose="020B0604020202020204" pitchFamily="34" charset="0"/>
-              <a:buChar char="•"/>
-            </a:pPr>
-            <a:r>
-              <a:rPr lang="es-CO" sz="2400" dirty="0">
-                <a:solidFill>
-                  <a:schemeClr val="tx1">
-                    <a:lumMod val="65000"/>
-                    <a:lumOff val="35000"/>
-                  </a:schemeClr>
-                </a:solidFill>
-              </a:rPr>
-              <a:t>La cantidad de elementos a almacenar es variable:</a:t>
-            </a:r>
-          </a:p>
-          <a:p>
-            <a:pPr marL="800100" lvl="1" indent="-342900">
-              <a:buFont typeface="Arial" panose="020B0604020202020204" pitchFamily="34" charset="0"/>
-              <a:buChar char="•"/>
-            </a:pPr>
-            <a:endParaRPr lang="es-CO" sz="2400" dirty="0">
-              <a:solidFill>
-                <a:schemeClr val="tx1">
-                  <a:lumMod val="65000"/>
-                  <a:lumOff val="35000"/>
-                </a:schemeClr>
-              </a:solidFill>
-            </a:endParaRPr>
+            <a:r>
+              <a:rPr lang="en-GB" sz="1800" b="0" i="0" u="none" strike="noStrike" baseline="0" dirty="0">
+                <a:latin typeface="VbtkdcVklljwMwqvkySrddyfQbjkbhWqqyqvTimes-Roman"/>
+              </a:rPr>
+              <a:t>49 </a:t>
+            </a:r>
+            <a:r>
+              <a:rPr lang="en-GB" sz="1800" b="0" i="1" u="none" strike="noStrike" baseline="0" dirty="0">
+                <a:latin typeface="PdrmcxGtnrrbXlkjjkTnjlyqMjbvnfBdpklpMTMI"/>
+              </a:rPr>
+              <a:t>&gt;&gt; </a:t>
+            </a:r>
+            <a:r>
+              <a:rPr lang="en-GB" sz="1800" b="0" i="0" u="none" strike="noStrike" baseline="0" dirty="0">
+                <a:latin typeface="VbtkdcVklljwMwqvkySrddyfQbjkbhWqqyqvTimes-Roman"/>
+              </a:rPr>
+              <a:t>3 </a:t>
+            </a:r>
+            <a:r>
+              <a:rPr lang="en-GB" sz="1800" b="0" i="0" u="none" strike="noStrike" baseline="0" dirty="0">
+                <a:latin typeface="RfvntxYvhtxvMqjjmdQbnqbdBqhbsrPbxhkqMTSYN"/>
+              </a:rPr>
+              <a:t>= </a:t>
+            </a:r>
+            <a:r>
+              <a:rPr lang="en-GB" sz="1800" b="0" i="0" u="none" strike="noStrike" baseline="0" dirty="0">
+                <a:latin typeface="VbtkdcVklljwMwqvkySrddyfQbjkbhWqqyqvTimes-Roman"/>
+              </a:rPr>
+              <a:t>6</a:t>
+            </a:r>
+            <a:endParaRPr lang="en-GB" dirty="0"/>
           </a:p>
         </p:txBody>
       </p:sp>
-      <p:pic>
-        <p:nvPicPr>
-          <p:cNvPr id="6" name="Picture 5">
+      <p:sp>
+        <p:nvSpPr>
+          <p:cNvPr id="10" name="TextBox 9">
             <a:extLst>
               <a:ext uri="{FF2B5EF4-FFF2-40B4-BE49-F238E27FC236}">
-                <a16:creationId xmlns:a16="http://schemas.microsoft.com/office/drawing/2014/main" id="{5F2E0089-9CEC-4850-83D3-1F1FD68037B7}"/>
+                <a16:creationId xmlns:a16="http://schemas.microsoft.com/office/drawing/2014/main" id="{C91A6116-ABE5-42B1-83E0-D07D26A3013B}"/>
               </a:ext>
             </a:extLst>
           </p:cNvPr>
-          <p:cNvPicPr>
-            <a:picLocks noChangeAspect="1"/>
-          </p:cNvPicPr>
+          <p:cNvSpPr txBox="1"/>
           <p:nvPr/>
-        </p:nvPicPr>
-        <p:blipFill>
-          <a:blip r:embed="rId4"/>
-          <a:stretch>
-            <a:fillRect/>
-          </a:stretch>
-        </p:blipFill>
+        </p:nvSpPr>
         <p:spPr>
           <a:xfrm>
-            <a:off x="867838" y="2322411"/>
-            <a:ext cx="7248525" cy="3000375"/>
+            <a:off x="457200" y="5833886"/>
+            <a:ext cx="4572000" cy="369332"/>
           </a:xfrm>
           <a:prstGeom prst="rect">
             <a:avLst/>
           </a:prstGeom>
+          <a:noFill/>
         </p:spPr>
-      </p:pic>
+        <p:txBody>
+          <a:bodyPr wrap="square">
+            <a:spAutoFit/>
+          </a:bodyPr>
+          <a:lstStyle/>
+          <a:p>
+            <a:r>
+              <a:rPr lang="en-GB" sz="1800" b="0" i="0" u="none" strike="noStrike" baseline="0" dirty="0">
+                <a:latin typeface="VbtkdcVklljwMwqvkySrddyfQbjkbhWqqyqvTimes-Roman"/>
+              </a:rPr>
+              <a:t>14 </a:t>
+            </a:r>
+            <a:r>
+              <a:rPr lang="en-GB" sz="1800" b="0" i="1" u="none" strike="noStrike" baseline="0" dirty="0">
+                <a:latin typeface="PdrmcxGtnrrbXlkjjkTnjlyqMjbvnfBdpklpMTMI"/>
+              </a:rPr>
+              <a:t>&lt;&lt; </a:t>
+            </a:r>
+            <a:r>
+              <a:rPr lang="en-GB" sz="1800" b="0" i="0" u="none" strike="noStrike" baseline="0" dirty="0">
+                <a:latin typeface="VbtkdcVklljwMwqvkySrddyfQbjkbhWqqyqvTimes-Roman"/>
+              </a:rPr>
+              <a:t>2 </a:t>
+            </a:r>
+            <a:r>
+              <a:rPr lang="en-GB" sz="1800" b="0" i="0" u="none" strike="noStrike" baseline="0" dirty="0">
+                <a:latin typeface="RfvntxYvhtxvMqjjmdQbnqbdBqhbsrPbxhkqMTSYN"/>
+              </a:rPr>
+              <a:t>= </a:t>
+            </a:r>
+            <a:r>
+              <a:rPr lang="en-GB" sz="1800" b="0" i="0" u="none" strike="noStrike" baseline="0" dirty="0">
+                <a:latin typeface="VbtkdcVklljwMwqvkySrddyfQbjkbhWqqyqvTimes-Roman"/>
+              </a:rPr>
+              <a:t>56</a:t>
+            </a:r>
+            <a:endParaRPr lang="en-GB" dirty="0"/>
+          </a:p>
+        </p:txBody>
+      </p:sp>
+      <p:sp>
+        <p:nvSpPr>
+          <p:cNvPr id="12" name="TextBox 11">
+            <a:extLst>
+              <a:ext uri="{FF2B5EF4-FFF2-40B4-BE49-F238E27FC236}">
+                <a16:creationId xmlns:a16="http://schemas.microsoft.com/office/drawing/2014/main" id="{C6C03414-DC08-41F6-88DA-1B8DB1100CFA}"/>
+              </a:ext>
+            </a:extLst>
+          </p:cNvPr>
+          <p:cNvSpPr txBox="1"/>
+          <p:nvPr/>
+        </p:nvSpPr>
+        <p:spPr>
+          <a:xfrm>
+            <a:off x="2066277" y="5766785"/>
+            <a:ext cx="4572000" cy="646331"/>
+          </a:xfrm>
+          <a:prstGeom prst="rect">
+            <a:avLst/>
+          </a:prstGeom>
+          <a:noFill/>
+        </p:spPr>
+        <p:txBody>
+          <a:bodyPr wrap="square">
+            <a:spAutoFit/>
+          </a:bodyPr>
+          <a:lstStyle/>
+          <a:p>
+            <a:pPr algn="l"/>
+            <a:r>
+              <a:rPr lang="en-GB" sz="1800" b="0" i="1" u="none" strike="noStrike" baseline="0" dirty="0">
+                <a:latin typeface="SqymprJqflmxXtxkhhTbghypMnhyxrTyfmdtTimes-Italic"/>
+              </a:rPr>
+              <a:t>right bit</a:t>
+            </a:r>
+          </a:p>
+          <a:p>
+            <a:pPr algn="l"/>
+            <a:r>
+              <a:rPr lang="en-US" sz="1800" b="0" i="1" u="none" strike="noStrike" baseline="0" dirty="0">
+                <a:latin typeface="SqymprJqflmxXtxkhhTbghypMnhyxrTyfmdtTimes-Italic"/>
+              </a:rPr>
+              <a:t>shift x </a:t>
+            </a:r>
+            <a:r>
+              <a:rPr lang="en-US" sz="1800" b="0" i="1" u="none" strike="noStrike" baseline="0" dirty="0">
+                <a:latin typeface="PdrmcxGtnrrbXlkjjkTnjlyqMjbvnfBdpklpMTMI"/>
+              </a:rPr>
+              <a:t>&gt;&gt; </a:t>
+            </a:r>
+            <a:r>
+              <a:rPr lang="en-US" sz="1800" b="0" i="1" u="none" strike="noStrike" baseline="0" dirty="0">
+                <a:latin typeface="SqymprJqflmxXtxkhhTbghypMnhyxrTyfmdtTimes-Italic"/>
+              </a:rPr>
+              <a:t>k </a:t>
+            </a:r>
+            <a:r>
+              <a:rPr lang="en-US" sz="1800" b="0" i="0" u="none" strike="noStrike" baseline="0" dirty="0">
+                <a:latin typeface="VbtkdcVklljwMwqvkySrddyfQbjkbhWqqyqvTimes-Roman"/>
+              </a:rPr>
+              <a:t>removes the </a:t>
+            </a:r>
+            <a:r>
+              <a:rPr lang="en-US" sz="1800" b="0" i="1" u="none" strike="noStrike" baseline="0" dirty="0">
+                <a:latin typeface="SqymprJqflmxXtxkhhTbghypMnhyxrTyfmdtTimes-Italic"/>
+              </a:rPr>
+              <a:t>k </a:t>
+            </a:r>
+            <a:r>
+              <a:rPr lang="en-US" sz="1800" b="0" i="0" u="none" strike="noStrike" baseline="0" dirty="0">
+                <a:latin typeface="VbtkdcVklljwMwqvkySrddyfQbjkbhWqqyqvTimes-Roman"/>
+              </a:rPr>
+              <a:t>last bits</a:t>
+            </a:r>
+            <a:endParaRPr lang="en-GB" dirty="0"/>
+          </a:p>
+        </p:txBody>
+      </p:sp>
+      <p:sp>
+        <p:nvSpPr>
+          <p:cNvPr id="13" name="TextBox 12">
+            <a:extLst>
+              <a:ext uri="{FF2B5EF4-FFF2-40B4-BE49-F238E27FC236}">
+                <a16:creationId xmlns:a16="http://schemas.microsoft.com/office/drawing/2014/main" id="{562B8B5E-75CC-4668-BE8B-85428BE986EA}"/>
+              </a:ext>
+            </a:extLst>
+          </p:cNvPr>
+          <p:cNvSpPr txBox="1"/>
+          <p:nvPr/>
+        </p:nvSpPr>
+        <p:spPr>
+          <a:xfrm>
+            <a:off x="5910309" y="5953404"/>
+            <a:ext cx="2703251" cy="369332"/>
+          </a:xfrm>
+          <a:prstGeom prst="rect">
+            <a:avLst/>
+          </a:prstGeom>
+          <a:noFill/>
+        </p:spPr>
+        <p:txBody>
+          <a:bodyPr wrap="square">
+            <a:spAutoFit/>
+          </a:bodyPr>
+          <a:lstStyle/>
+          <a:p>
+            <a:r>
+              <a:rPr lang="en-US" sz="1800" b="0" i="1" u="none" strike="noStrike" baseline="0" dirty="0">
+                <a:latin typeface="SqymprJqflmxXtxkhhTbghypMnhyxrTyfmdtTimes-Italic"/>
+              </a:rPr>
+              <a:t>Integer o Long </a:t>
+            </a:r>
+            <a:r>
+              <a:rPr lang="en-US" sz="1800" b="0" i="1" u="none" strike="noStrike" baseline="0" dirty="0" err="1">
+                <a:latin typeface="SqymprJqflmxXtxkhhTbghypMnhyxrTyfmdtTimes-Italic"/>
+              </a:rPr>
+              <a:t>bitCount</a:t>
+            </a:r>
+            <a:r>
+              <a:rPr lang="en-US" sz="1800" b="0" i="1" u="none" strike="noStrike" baseline="0" dirty="0">
+                <a:latin typeface="SqymprJqflmxXtxkhhTbghypMnhyxrTyfmdtTimes-Italic"/>
+              </a:rPr>
+              <a:t>!</a:t>
+            </a:r>
+            <a:endParaRPr lang="en-GB" dirty="0"/>
+          </a:p>
+        </p:txBody>
+      </p:sp>
     </p:spTree>
     <p:extLst>
       <p:ext uri="{BB962C8B-B14F-4D97-AF65-F5344CB8AC3E}">
-        <p14:creationId xmlns:p14="http://schemas.microsoft.com/office/powerpoint/2010/main" val="214742615"/>
+        <p14:creationId xmlns:p14="http://schemas.microsoft.com/office/powerpoint/2010/main" val="2744985617"/>
       </p:ext>
     </p:extLst>
   </p:cSld>
@@ -10004,444 +8351,409 @@
           <a:chExt cx="0" cy="0"/>
         </a:xfrm>
       </p:grpSpPr>
-      <p:pic>
-        <p:nvPicPr>
-          <p:cNvPr id="2" name="Picture 1"/>
-          <p:cNvPicPr>
-            <a:picLocks noChangeAspect="1"/>
-          </p:cNvPicPr>
-          <p:nvPr/>
-        </p:nvPicPr>
-        <p:blipFill>
-          <a:blip r:embed="rId3">
+      <p:sp>
+        <p:nvSpPr>
+          <p:cNvPr id="2" name="Title 1">
             <a:extLst>
-              <a:ext uri="{28A0092B-C50C-407E-A947-70E740481C1C}">
-                <a14:useLocalDpi xmlns:a14="http://schemas.microsoft.com/office/drawing/2010/main" val="0"/>
+              <a:ext uri="{FF2B5EF4-FFF2-40B4-BE49-F238E27FC236}">
+                <a16:creationId xmlns:a16="http://schemas.microsoft.com/office/drawing/2014/main" id="{2B2179BA-B504-400E-887A-74F4A063F12B}"/>
               </a:ext>
             </a:extLst>
-          </a:blip>
-          <a:stretch>
-            <a:fillRect/>
-          </a:stretch>
-        </p:blipFill>
-        <p:spPr>
-          <a:xfrm>
-            <a:off x="0" y="0"/>
-            <a:ext cx="9144000" cy="1076325"/>
-          </a:xfrm>
-          <a:prstGeom prst="rect">
-            <a:avLst/>
-          </a:prstGeom>
-        </p:spPr>
-      </p:pic>
-      <p:sp>
-        <p:nvSpPr>
-          <p:cNvPr id="5" name="TextBox 4"/>
-          <p:cNvSpPr txBox="1"/>
-          <p:nvPr/>
+          </p:cNvPr>
+          <p:cNvSpPr>
+            <a:spLocks noGrp="1"/>
+          </p:cNvSpPr>
+          <p:nvPr>
+            <p:ph type="title"/>
+          </p:nvPr>
         </p:nvSpPr>
-        <p:spPr>
-          <a:xfrm>
-            <a:off x="602694" y="344382"/>
-            <a:ext cx="4908873" cy="461665"/>
-          </a:xfrm>
-          <a:prstGeom prst="rect">
-            <a:avLst/>
-          </a:prstGeom>
-          <a:noFill/>
-        </p:spPr>
+        <p:spPr/>
         <p:txBody>
-          <a:bodyPr wrap="square" rtlCol="0">
-            <a:spAutoFit/>
-          </a:bodyPr>
+          <a:bodyPr/>
           <a:lstStyle/>
           <a:p>
             <a:r>
-              <a:rPr lang="es-CO" sz="2400" b="1" dirty="0">
-                <a:solidFill>
-                  <a:schemeClr val="bg1"/>
-                </a:solidFill>
-                <a:latin typeface="Arial" panose="020B0604020202020204" pitchFamily="34" charset="0"/>
-                <a:cs typeface="Arial" panose="020B0604020202020204" pitchFamily="34" charset="0"/>
-              </a:rPr>
-              <a:t>ArrayList</a:t>
+              <a:rPr lang="en-GB" dirty="0"/>
+              <a:t>Operations</a:t>
             </a:r>
           </a:p>
         </p:txBody>
       </p:sp>
       <p:sp>
         <p:nvSpPr>
-          <p:cNvPr id="4" name="TextBox 3"/>
-          <p:cNvSpPr txBox="1"/>
-          <p:nvPr/>
+          <p:cNvPr id="3" name="Content Placeholder 2">
+            <a:extLst>
+              <a:ext uri="{FF2B5EF4-FFF2-40B4-BE49-F238E27FC236}">
+                <a16:creationId xmlns:a16="http://schemas.microsoft.com/office/drawing/2014/main" id="{1F236050-014D-4E76-91CE-55E989BE334F}"/>
+              </a:ext>
+            </a:extLst>
+          </p:cNvPr>
+          <p:cNvSpPr>
+            <a:spLocks noGrp="1"/>
+          </p:cNvSpPr>
+          <p:nvPr>
+            <p:ph idx="1"/>
+          </p:nvPr>
         </p:nvSpPr>
-        <p:spPr>
-          <a:xfrm>
-            <a:off x="0" y="1535214"/>
-            <a:ext cx="9037468" cy="4893647"/>
-          </a:xfrm>
-          <a:prstGeom prst="rect">
-            <a:avLst/>
-          </a:prstGeom>
-          <a:noFill/>
-        </p:spPr>
+        <p:spPr/>
         <p:txBody>
-          <a:bodyPr wrap="square" rtlCol="0">
-            <a:spAutoFit/>
-          </a:bodyPr>
+          <a:bodyPr/>
           <a:lstStyle/>
           <a:p>
-            <a:pPr marL="800100" lvl="1" indent="-342900">
-              <a:buFont typeface="Arial" panose="020B0604020202020204" pitchFamily="34" charset="0"/>
-              <a:buChar char="•"/>
-            </a:pPr>
-            <a:r>
-              <a:rPr lang="es-CO" sz="2400" dirty="0">
-                <a:solidFill>
-                  <a:schemeClr val="tx1">
-                    <a:lumMod val="65000"/>
-                    <a:lumOff val="35000"/>
-                  </a:schemeClr>
-                </a:solidFill>
-              </a:rPr>
-              <a:t>Métodos:</a:t>
-            </a:r>
-          </a:p>
-          <a:p>
-            <a:pPr marL="1257300" lvl="2" indent="-342900">
-              <a:buFont typeface="Arial" panose="020B0604020202020204" pitchFamily="34" charset="0"/>
-              <a:buChar char="•"/>
-            </a:pPr>
-            <a:r>
-              <a:rPr lang="es-CO" sz="2400" dirty="0" err="1">
-                <a:solidFill>
-                  <a:schemeClr val="tx1">
-                    <a:lumMod val="65000"/>
-                    <a:lumOff val="35000"/>
-                  </a:schemeClr>
-                </a:solidFill>
-              </a:rPr>
-              <a:t>add</a:t>
-            </a:r>
-            <a:r>
-              <a:rPr lang="es-CO" sz="2400" dirty="0">
-                <a:solidFill>
-                  <a:schemeClr val="tx1">
-                    <a:lumMod val="65000"/>
-                    <a:lumOff val="35000"/>
-                  </a:schemeClr>
-                </a:solidFill>
-              </a:rPr>
-              <a:t>(</a:t>
-            </a:r>
-            <a:r>
-              <a:rPr lang="es-CO" sz="2400" dirty="0" err="1">
-                <a:solidFill>
-                  <a:schemeClr val="tx1">
-                    <a:lumMod val="65000"/>
-                    <a:lumOff val="35000"/>
-                  </a:schemeClr>
-                </a:solidFill>
-              </a:rPr>
-              <a:t>Object</a:t>
-            </a:r>
-            <a:r>
-              <a:rPr lang="es-CO" sz="2400" dirty="0">
-                <a:solidFill>
-                  <a:schemeClr val="tx1">
-                    <a:lumMod val="65000"/>
-                    <a:lumOff val="35000"/>
-                  </a:schemeClr>
-                </a:solidFill>
-              </a:rPr>
-              <a:t> o) – Agrega un objeto o al final del ArrayList.</a:t>
-            </a:r>
-          </a:p>
-          <a:p>
-            <a:pPr marL="1257300" lvl="2" indent="-342900">
-              <a:buFont typeface="Arial" panose="020B0604020202020204" pitchFamily="34" charset="0"/>
-              <a:buChar char="•"/>
-            </a:pPr>
-            <a:r>
-              <a:rPr lang="es-CO" sz="2400" dirty="0" err="1">
-                <a:solidFill>
-                  <a:schemeClr val="tx1">
-                    <a:lumMod val="65000"/>
-                    <a:lumOff val="35000"/>
-                  </a:schemeClr>
-                </a:solidFill>
-              </a:rPr>
-              <a:t>clear</a:t>
-            </a:r>
-            <a:r>
-              <a:rPr lang="es-CO" sz="2400" dirty="0">
-                <a:solidFill>
-                  <a:schemeClr val="tx1">
-                    <a:lumMod val="65000"/>
-                    <a:lumOff val="35000"/>
-                  </a:schemeClr>
-                </a:solidFill>
-              </a:rPr>
-              <a:t>() – Borra los elementos de un ArrayList.</a:t>
-            </a:r>
-          </a:p>
-          <a:p>
-            <a:pPr marL="1257300" lvl="2" indent="-342900">
-              <a:buFont typeface="Arial" panose="020B0604020202020204" pitchFamily="34" charset="0"/>
-              <a:buChar char="•"/>
-            </a:pPr>
-            <a:r>
-              <a:rPr lang="es-CO" sz="2400" dirty="0" err="1">
-                <a:solidFill>
-                  <a:schemeClr val="tx1">
-                    <a:lumMod val="65000"/>
-                    <a:lumOff val="35000"/>
-                  </a:schemeClr>
-                </a:solidFill>
-              </a:rPr>
-              <a:t>indexOf</a:t>
-            </a:r>
-            <a:r>
-              <a:rPr lang="es-CO" sz="2400" dirty="0">
-                <a:solidFill>
-                  <a:schemeClr val="tx1">
-                    <a:lumMod val="65000"/>
-                    <a:lumOff val="35000"/>
-                  </a:schemeClr>
-                </a:solidFill>
-              </a:rPr>
-              <a:t>(data) – retorna la posición de un dato de interés.</a:t>
-            </a:r>
-          </a:p>
-          <a:p>
-            <a:pPr marL="1257300" lvl="2" indent="-342900">
-              <a:buFont typeface="Arial" panose="020B0604020202020204" pitchFamily="34" charset="0"/>
-              <a:buChar char="•"/>
-            </a:pPr>
-            <a:r>
-              <a:rPr lang="es-CO" sz="2400" dirty="0" err="1">
-                <a:solidFill>
-                  <a:schemeClr val="tx1">
-                    <a:lumMod val="65000"/>
-                    <a:lumOff val="35000"/>
-                  </a:schemeClr>
-                </a:solidFill>
-              </a:rPr>
-              <a:t>isEmpty</a:t>
-            </a:r>
-            <a:r>
-              <a:rPr lang="es-CO" sz="2400" dirty="0">
-                <a:solidFill>
-                  <a:schemeClr val="tx1">
-                    <a:lumMod val="65000"/>
-                    <a:lumOff val="35000"/>
-                  </a:schemeClr>
-                </a:solidFill>
-              </a:rPr>
-              <a:t>() – dice si el arreglo está vacío o no.</a:t>
-            </a:r>
-          </a:p>
-          <a:p>
-            <a:pPr marL="1257300" lvl="2" indent="-342900">
-              <a:buFont typeface="Arial" panose="020B0604020202020204" pitchFamily="34" charset="0"/>
-              <a:buChar char="•"/>
-            </a:pPr>
-            <a:r>
-              <a:rPr lang="es-CO" sz="2400" dirty="0" err="1">
-                <a:solidFill>
-                  <a:schemeClr val="tx1">
-                    <a:lumMod val="65000"/>
-                    <a:lumOff val="35000"/>
-                  </a:schemeClr>
-                </a:solidFill>
-              </a:rPr>
-              <a:t>Collections.sort</a:t>
-            </a:r>
-            <a:r>
-              <a:rPr lang="es-CO" sz="2400" dirty="0">
-                <a:solidFill>
-                  <a:schemeClr val="tx1">
-                    <a:lumMod val="65000"/>
-                    <a:lumOff val="35000"/>
-                  </a:schemeClr>
-                </a:solidFill>
-              </a:rPr>
-              <a:t>(datos);  - ordena un arreglo de datos dado.</a:t>
-            </a:r>
-          </a:p>
-          <a:p>
-            <a:pPr marL="1257300" lvl="2" indent="-342900">
-              <a:buFont typeface="Arial" panose="020B0604020202020204" pitchFamily="34" charset="0"/>
-              <a:buChar char="•"/>
-            </a:pPr>
-            <a:r>
-              <a:rPr lang="fr-FR" sz="2400" dirty="0" err="1">
-                <a:solidFill>
-                  <a:schemeClr val="tx1">
-                    <a:lumMod val="65000"/>
-                    <a:lumOff val="35000"/>
-                  </a:schemeClr>
-                </a:solidFill>
-              </a:rPr>
-              <a:t>Collections.sort</a:t>
-            </a:r>
-            <a:r>
-              <a:rPr lang="fr-FR" sz="2400" dirty="0">
-                <a:solidFill>
-                  <a:schemeClr val="tx1">
-                    <a:lumMod val="65000"/>
-                    <a:lumOff val="35000"/>
-                  </a:schemeClr>
-                </a:solidFill>
-              </a:rPr>
-              <a:t>(</a:t>
-            </a:r>
-            <a:r>
-              <a:rPr lang="fr-FR" sz="2400" dirty="0" err="1">
-                <a:solidFill>
-                  <a:schemeClr val="tx1">
-                    <a:lumMod val="65000"/>
-                    <a:lumOff val="35000"/>
-                  </a:schemeClr>
-                </a:solidFill>
-              </a:rPr>
-              <a:t>datos</a:t>
-            </a:r>
-            <a:r>
-              <a:rPr lang="fr-FR" sz="2400" dirty="0">
-                <a:solidFill>
-                  <a:schemeClr val="tx1">
-                    <a:lumMod val="65000"/>
-                    <a:lumOff val="35000"/>
-                  </a:schemeClr>
-                </a:solidFill>
-              </a:rPr>
-              <a:t>, </a:t>
-            </a:r>
-            <a:r>
-              <a:rPr lang="fr-FR" sz="2400" dirty="0" err="1">
-                <a:solidFill>
-                  <a:schemeClr val="tx1">
-                    <a:lumMod val="65000"/>
-                    <a:lumOff val="35000"/>
-                  </a:schemeClr>
-                </a:solidFill>
-              </a:rPr>
-              <a:t>Collections.reverseOrder</a:t>
-            </a:r>
-            <a:r>
-              <a:rPr lang="fr-FR" sz="2400" dirty="0">
-                <a:solidFill>
-                  <a:schemeClr val="tx1">
-                    <a:lumMod val="65000"/>
-                    <a:lumOff val="35000"/>
-                  </a:schemeClr>
-                </a:solidFill>
-              </a:rPr>
-              <a:t>());</a:t>
-            </a:r>
-            <a:r>
-              <a:rPr lang="es-CO" sz="2400" dirty="0">
-                <a:solidFill>
-                  <a:schemeClr val="tx1">
-                    <a:lumMod val="65000"/>
-                    <a:lumOff val="35000"/>
-                  </a:schemeClr>
-                </a:solidFill>
-              </a:rPr>
-              <a:t> - ordenar de forma inversa</a:t>
-            </a:r>
-          </a:p>
-          <a:p>
-            <a:pPr marL="1257300" lvl="2" indent="-342900">
-              <a:buFont typeface="Arial" panose="020B0604020202020204" pitchFamily="34" charset="0"/>
-              <a:buChar char="•"/>
-            </a:pPr>
-            <a:r>
-              <a:rPr lang="es-CO" sz="2400" dirty="0" err="1">
-                <a:solidFill>
-                  <a:schemeClr val="tx1">
-                    <a:lumMod val="65000"/>
-                    <a:lumOff val="35000"/>
-                  </a:schemeClr>
-                </a:solidFill>
-              </a:rPr>
-              <a:t>Collections.reverse</a:t>
-            </a:r>
-            <a:r>
-              <a:rPr lang="es-CO" sz="2400" dirty="0">
-                <a:solidFill>
-                  <a:schemeClr val="tx1">
-                    <a:lumMod val="65000"/>
-                    <a:lumOff val="35000"/>
-                  </a:schemeClr>
-                </a:solidFill>
-              </a:rPr>
-              <a:t>(datos); - invierte un arreglo dado</a:t>
-            </a:r>
-          </a:p>
-          <a:p>
-            <a:pPr marL="1257300" lvl="2" indent="-342900">
-              <a:buFont typeface="Arial" panose="020B0604020202020204" pitchFamily="34" charset="0"/>
-              <a:buChar char="•"/>
-            </a:pPr>
-            <a:endParaRPr lang="es-CO" sz="2400" dirty="0">
-              <a:solidFill>
-                <a:schemeClr val="tx1">
-                  <a:lumMod val="65000"/>
-                  <a:lumOff val="35000"/>
-                </a:schemeClr>
-              </a:solidFill>
-            </a:endParaRPr>
-          </a:p>
-          <a:p>
-            <a:pPr marL="1257300" lvl="2" indent="-342900">
-              <a:buFont typeface="Arial" panose="020B0604020202020204" pitchFamily="34" charset="0"/>
-              <a:buChar char="•"/>
-            </a:pPr>
-            <a:endParaRPr lang="es-CO" sz="2400" dirty="0">
-              <a:solidFill>
-                <a:schemeClr val="tx1">
-                  <a:lumMod val="65000"/>
-                  <a:lumOff val="35000"/>
-                </a:schemeClr>
-              </a:solidFill>
-            </a:endParaRPr>
-          </a:p>
-          <a:p>
-            <a:pPr marL="1257300" lvl="2" indent="-342900">
-              <a:buFont typeface="Arial" panose="020B0604020202020204" pitchFamily="34" charset="0"/>
-              <a:buChar char="•"/>
-            </a:pPr>
-            <a:endParaRPr lang="es-CO" sz="2400" dirty="0">
-              <a:solidFill>
-                <a:schemeClr val="tx1">
-                  <a:lumMod val="65000"/>
-                  <a:lumOff val="35000"/>
-                </a:schemeClr>
-              </a:solidFill>
-            </a:endParaRPr>
-          </a:p>
-          <a:p>
-            <a:pPr marL="800100" lvl="1" indent="-342900">
-              <a:buFont typeface="Arial" panose="020B0604020202020204" pitchFamily="34" charset="0"/>
-              <a:buChar char="•"/>
-            </a:pPr>
-            <a:endParaRPr lang="es-CO" sz="2400" dirty="0">
-              <a:solidFill>
-                <a:schemeClr val="tx1">
-                  <a:lumMod val="65000"/>
-                  <a:lumOff val="35000"/>
-                </a:schemeClr>
-              </a:solidFill>
-            </a:endParaRPr>
+            <a:r>
+              <a:rPr lang="en-US" b="1" i="0" dirty="0">
+                <a:solidFill>
+                  <a:srgbClr val="292929"/>
+                </a:solidFill>
+                <a:effectLst/>
+                <a:latin typeface="medium-content-serif-font"/>
+              </a:rPr>
+              <a:t>1) Set the </a:t>
+            </a:r>
+            <a:r>
+              <a:rPr lang="en-US" b="1" i="0" dirty="0" err="1">
+                <a:solidFill>
+                  <a:srgbClr val="292929"/>
+                </a:solidFill>
+                <a:effectLst/>
+                <a:latin typeface="medium-content-serif-font"/>
+              </a:rPr>
+              <a:t>i-th</a:t>
+            </a:r>
+            <a:r>
+              <a:rPr lang="en-US" b="1" i="0" dirty="0">
+                <a:solidFill>
+                  <a:srgbClr val="292929"/>
+                </a:solidFill>
+                <a:effectLst/>
+                <a:latin typeface="medium-content-serif-font"/>
+              </a:rPr>
+              <a:t> bit : </a:t>
+            </a:r>
+            <a:r>
+              <a:rPr lang="en-US" b="0" i="0" dirty="0">
+                <a:solidFill>
+                  <a:srgbClr val="292929"/>
+                </a:solidFill>
+                <a:effectLst/>
+                <a:latin typeface="medium-content-serif-font"/>
+              </a:rPr>
+              <a:t>B = B | (1&lt;&lt;</a:t>
+            </a:r>
+            <a:r>
+              <a:rPr lang="en-US" b="0" i="0" dirty="0" err="1">
+                <a:solidFill>
+                  <a:srgbClr val="292929"/>
+                </a:solidFill>
+                <a:effectLst/>
+                <a:latin typeface="medium-content-serif-font"/>
+              </a:rPr>
+              <a:t>i</a:t>
+            </a:r>
+            <a:r>
+              <a:rPr lang="en-US" b="0" i="0" dirty="0">
+                <a:solidFill>
+                  <a:srgbClr val="292929"/>
+                </a:solidFill>
+                <a:effectLst/>
+                <a:latin typeface="medium-content-serif-font"/>
+              </a:rPr>
+              <a:t>)</a:t>
+            </a:r>
+            <a:br>
+              <a:rPr lang="en-US" b="1" i="0" dirty="0">
+                <a:solidFill>
+                  <a:srgbClr val="292929"/>
+                </a:solidFill>
+                <a:effectLst/>
+                <a:latin typeface="medium-content-serif-font"/>
+              </a:rPr>
+            </a:br>
+            <a:r>
+              <a:rPr lang="en-US" b="1" i="0" dirty="0">
+                <a:solidFill>
+                  <a:srgbClr val="292929"/>
+                </a:solidFill>
+                <a:effectLst/>
+                <a:latin typeface="medium-content-serif-font"/>
+              </a:rPr>
+              <a:t>2) Unset the </a:t>
+            </a:r>
+            <a:r>
+              <a:rPr lang="en-US" b="1" i="0" dirty="0" err="1">
+                <a:solidFill>
+                  <a:srgbClr val="292929"/>
+                </a:solidFill>
+                <a:effectLst/>
+                <a:latin typeface="medium-content-serif-font"/>
+              </a:rPr>
+              <a:t>i-th</a:t>
+            </a:r>
+            <a:r>
+              <a:rPr lang="en-US" b="1" i="0" dirty="0">
+                <a:solidFill>
+                  <a:srgbClr val="292929"/>
+                </a:solidFill>
+                <a:effectLst/>
+                <a:latin typeface="medium-content-serif-font"/>
+              </a:rPr>
+              <a:t> bit: </a:t>
+            </a:r>
+            <a:r>
+              <a:rPr lang="en-US" b="0" i="0" dirty="0">
+                <a:solidFill>
+                  <a:srgbClr val="292929"/>
+                </a:solidFill>
+                <a:effectLst/>
+                <a:latin typeface="medium-content-serif-font"/>
+              </a:rPr>
+              <a:t>B = B &amp;! (1&lt;&lt;</a:t>
+            </a:r>
+            <a:r>
+              <a:rPr lang="en-US" b="0" i="0" dirty="0" err="1">
+                <a:solidFill>
+                  <a:srgbClr val="292929"/>
+                </a:solidFill>
+                <a:effectLst/>
+                <a:latin typeface="medium-content-serif-font"/>
+              </a:rPr>
+              <a:t>i</a:t>
+            </a:r>
+            <a:r>
+              <a:rPr lang="en-US" b="0" i="0" dirty="0">
+                <a:solidFill>
+                  <a:srgbClr val="292929"/>
+                </a:solidFill>
+                <a:effectLst/>
+                <a:latin typeface="medium-content-serif-font"/>
+              </a:rPr>
+              <a:t>)</a:t>
+            </a:r>
+            <a:br>
+              <a:rPr lang="en-US" b="1" i="0" dirty="0">
+                <a:solidFill>
+                  <a:srgbClr val="292929"/>
+                </a:solidFill>
+                <a:effectLst/>
+                <a:latin typeface="medium-content-serif-font"/>
+              </a:rPr>
+            </a:br>
+            <a:r>
+              <a:rPr lang="en-US" b="1" i="0" dirty="0">
+                <a:solidFill>
+                  <a:srgbClr val="292929"/>
+                </a:solidFill>
+                <a:effectLst/>
+                <a:latin typeface="medium-content-serif-font"/>
+              </a:rPr>
+              <a:t>3) Check if </a:t>
+            </a:r>
+            <a:r>
+              <a:rPr lang="en-US" b="1" i="0" dirty="0" err="1">
+                <a:solidFill>
+                  <a:srgbClr val="292929"/>
+                </a:solidFill>
+                <a:effectLst/>
+                <a:latin typeface="medium-content-serif-font"/>
+              </a:rPr>
+              <a:t>i-th</a:t>
+            </a:r>
+            <a:r>
+              <a:rPr lang="en-US" b="1" i="0" dirty="0">
+                <a:solidFill>
+                  <a:srgbClr val="292929"/>
+                </a:solidFill>
+                <a:effectLst/>
+                <a:latin typeface="medium-content-serif-font"/>
+              </a:rPr>
+              <a:t> bit is set: </a:t>
+            </a:r>
+            <a:r>
+              <a:rPr lang="en-US" b="0" i="0" dirty="0">
+                <a:solidFill>
+                  <a:srgbClr val="292929"/>
+                </a:solidFill>
+                <a:effectLst/>
+                <a:latin typeface="medium-content-serif-font"/>
+              </a:rPr>
+              <a:t>B &amp; (1&lt;&lt;</a:t>
+            </a:r>
+            <a:r>
+              <a:rPr lang="en-US" b="0" i="0" dirty="0" err="1">
+                <a:solidFill>
+                  <a:srgbClr val="292929"/>
+                </a:solidFill>
+                <a:effectLst/>
+                <a:latin typeface="medium-content-serif-font"/>
+              </a:rPr>
+              <a:t>i</a:t>
+            </a:r>
+            <a:r>
+              <a:rPr lang="en-US" b="0" i="0" dirty="0">
+                <a:solidFill>
+                  <a:srgbClr val="292929"/>
+                </a:solidFill>
+                <a:effectLst/>
+                <a:latin typeface="medium-content-serif-font"/>
+              </a:rPr>
+              <a:t>)</a:t>
+            </a:r>
+            <a:r>
+              <a:rPr lang="en-US" b="1" i="0" dirty="0">
+                <a:solidFill>
+                  <a:srgbClr val="292929"/>
+                </a:solidFill>
+                <a:effectLst/>
+                <a:latin typeface="medium-content-serif-font"/>
+              </a:rPr>
+              <a:t> </a:t>
+            </a:r>
+            <a:r>
+              <a:rPr lang="en-US" b="0" i="0" dirty="0">
+                <a:solidFill>
+                  <a:srgbClr val="292929"/>
+                </a:solidFill>
+                <a:effectLst/>
+                <a:latin typeface="medium-content-serif-font"/>
+              </a:rPr>
+              <a:t>→</a:t>
+            </a:r>
+            <a:r>
+              <a:rPr lang="en-US" b="0" i="1" dirty="0">
+                <a:solidFill>
+                  <a:srgbClr val="292929"/>
+                </a:solidFill>
+                <a:effectLst/>
+                <a:latin typeface="medium-content-serif-font"/>
+              </a:rPr>
+              <a:t> if </a:t>
+            </a:r>
+            <a:r>
+              <a:rPr lang="en-US" b="0" i="1" dirty="0" err="1">
+                <a:solidFill>
+                  <a:srgbClr val="292929"/>
+                </a:solidFill>
+                <a:effectLst/>
+                <a:latin typeface="medium-content-serif-font"/>
+              </a:rPr>
+              <a:t>i-th</a:t>
+            </a:r>
+            <a:r>
+              <a:rPr lang="en-US" b="0" i="1" dirty="0">
+                <a:solidFill>
+                  <a:srgbClr val="292929"/>
+                </a:solidFill>
+                <a:effectLst/>
+                <a:latin typeface="medium-content-serif-font"/>
+              </a:rPr>
+              <a:t> bit is set, we get a non-zero integer otherwise we get a zero</a:t>
+            </a:r>
+            <a:br>
+              <a:rPr lang="en-US" b="0" i="1" dirty="0">
+                <a:solidFill>
+                  <a:srgbClr val="292929"/>
+                </a:solidFill>
+                <a:effectLst/>
+                <a:latin typeface="medium-content-serif-font"/>
+              </a:rPr>
+            </a:br>
+            <a:r>
+              <a:rPr lang="en-US" b="1" i="1" dirty="0">
+                <a:solidFill>
+                  <a:srgbClr val="292929"/>
+                </a:solidFill>
+                <a:effectLst/>
+                <a:latin typeface="medium-content-serif-font"/>
+              </a:rPr>
+              <a:t>4) Swap the </a:t>
+            </a:r>
+            <a:r>
+              <a:rPr lang="en-US" b="1" i="1" dirty="0" err="1">
+                <a:solidFill>
+                  <a:srgbClr val="292929"/>
+                </a:solidFill>
+                <a:effectLst/>
+                <a:latin typeface="medium-content-serif-font"/>
+              </a:rPr>
+              <a:t>i-th</a:t>
+            </a:r>
+            <a:r>
+              <a:rPr lang="en-US" b="1" i="1" dirty="0">
+                <a:solidFill>
+                  <a:srgbClr val="292929"/>
+                </a:solidFill>
+                <a:effectLst/>
+                <a:latin typeface="medium-content-serif-font"/>
+              </a:rPr>
+              <a:t> item of the set:</a:t>
+            </a:r>
+            <a:r>
+              <a:rPr lang="en-US" b="0" i="1" dirty="0">
+                <a:solidFill>
+                  <a:srgbClr val="292929"/>
+                </a:solidFill>
+                <a:effectLst/>
+                <a:latin typeface="medium-content-serif-font"/>
+              </a:rPr>
+              <a:t> B =B ^ (1&lt;&lt;</a:t>
+            </a:r>
+            <a:r>
+              <a:rPr lang="en-US" b="0" i="1" dirty="0" err="1">
+                <a:solidFill>
+                  <a:srgbClr val="292929"/>
+                </a:solidFill>
+                <a:effectLst/>
+                <a:latin typeface="medium-content-serif-font"/>
+              </a:rPr>
+              <a:t>i</a:t>
+            </a:r>
+            <a:r>
+              <a:rPr lang="en-US" b="0" i="1" dirty="0">
+                <a:solidFill>
+                  <a:srgbClr val="292929"/>
+                </a:solidFill>
+                <a:effectLst/>
+                <a:latin typeface="medium-content-serif-font"/>
+              </a:rPr>
+              <a:t>)</a:t>
+            </a:r>
+            <a:br>
+              <a:rPr lang="en-US" b="0" i="1" dirty="0">
+                <a:solidFill>
+                  <a:srgbClr val="292929"/>
+                </a:solidFill>
+                <a:effectLst/>
+                <a:latin typeface="medium-content-serif-font"/>
+              </a:rPr>
+            </a:br>
+            <a:r>
+              <a:rPr lang="en-US" b="1" i="1" dirty="0">
+                <a:solidFill>
+                  <a:srgbClr val="292929"/>
+                </a:solidFill>
+                <a:effectLst/>
+                <a:latin typeface="medium-content-serif-font"/>
+              </a:rPr>
+              <a:t>5) Turn On all the bits in a set of size ‘n’:</a:t>
+            </a:r>
+            <a:r>
+              <a:rPr lang="en-US" b="0" i="1" dirty="0">
+                <a:solidFill>
+                  <a:srgbClr val="292929"/>
+                </a:solidFill>
+                <a:effectLst/>
+                <a:latin typeface="medium-content-serif-font"/>
+              </a:rPr>
+              <a:t> B = (1&lt;&lt;n)-1</a:t>
+            </a:r>
+            <a:endParaRPr lang="en-GB" dirty="0"/>
           </a:p>
         </p:txBody>
       </p:sp>
     </p:spTree>
     <p:extLst>
       <p:ext uri="{BB962C8B-B14F-4D97-AF65-F5344CB8AC3E}">
-        <p14:creationId xmlns:p14="http://schemas.microsoft.com/office/powerpoint/2010/main" val="1779550682"/>
+        <p14:creationId xmlns:p14="http://schemas.microsoft.com/office/powerpoint/2010/main" val="2985432943"/>
       </p:ext>
     </p:extLst>
   </p:cSld>
@@ -10500,35 +8812,223 @@
       </p:pic>
       <p:sp>
         <p:nvSpPr>
-          <p:cNvPr id="5" name="TextBox 4"/>
-          <p:cNvSpPr txBox="1"/>
+          <p:cNvPr id="7" name="Content Placeholder 1"/>
+          <p:cNvSpPr txBox="1">
+            <a:spLocks/>
+          </p:cNvSpPr>
           <p:nvPr/>
         </p:nvSpPr>
         <p:spPr>
           <a:xfrm>
-            <a:off x="602694" y="344382"/>
-            <a:ext cx="4908873" cy="461665"/>
+            <a:off x="304800" y="1066800"/>
+            <a:ext cx="8382000" cy="5059363"/>
           </a:xfrm>
           <a:prstGeom prst="rect">
             <a:avLst/>
           </a:prstGeom>
-          <a:noFill/>
         </p:spPr>
         <p:txBody>
-          <a:bodyPr wrap="square" rtlCol="0">
-            <a:spAutoFit/>
+          <a:bodyPr vert="horz" lIns="91440" tIns="45720" rIns="91440" bIns="45720" rtlCol="0">
+            <a:normAutofit/>
           </a:bodyPr>
-          <a:lstStyle/>
-          <a:p>
-            <a:r>
-              <a:rPr lang="es-CO" sz="2400" b="1" dirty="0">
-                <a:solidFill>
-                  <a:schemeClr val="bg1"/>
-                </a:solidFill>
-                <a:latin typeface="Arial" panose="020B0604020202020204" pitchFamily="34" charset="0"/>
-                <a:cs typeface="Arial" panose="020B0604020202020204" pitchFamily="34" charset="0"/>
-              </a:rPr>
-              <a:t>Stack</a:t>
+          <a:lstStyle>
+            <a:lvl1pPr marL="0" indent="0" algn="ctr" defTabSz="457200" rtl="0" eaLnBrk="1" latinLnBrk="0" hangingPunct="1">
+              <a:spcBef>
+                <a:spcPct val="20000"/>
+              </a:spcBef>
+              <a:buFont typeface="Arial"/>
+              <a:buNone/>
+              <a:defRPr sz="3200" kern="1200">
+                <a:solidFill>
+                  <a:schemeClr val="tx1">
+                    <a:tint val="75000"/>
+                  </a:schemeClr>
+                </a:solidFill>
+                <a:latin typeface="+mn-lt"/>
+                <a:ea typeface="+mn-ea"/>
+                <a:cs typeface="+mn-cs"/>
+              </a:defRPr>
+            </a:lvl1pPr>
+            <a:lvl2pPr marL="457200" indent="0" algn="ctr" defTabSz="457200" rtl="0" eaLnBrk="1" latinLnBrk="0" hangingPunct="1">
+              <a:spcBef>
+                <a:spcPct val="20000"/>
+              </a:spcBef>
+              <a:buFont typeface="Arial"/>
+              <a:buNone/>
+              <a:defRPr sz="2800" kern="1200">
+                <a:solidFill>
+                  <a:schemeClr val="tx1">
+                    <a:tint val="75000"/>
+                  </a:schemeClr>
+                </a:solidFill>
+                <a:latin typeface="+mn-lt"/>
+                <a:ea typeface="+mn-ea"/>
+                <a:cs typeface="+mn-cs"/>
+              </a:defRPr>
+            </a:lvl2pPr>
+            <a:lvl3pPr marL="914400" indent="0" algn="ctr" defTabSz="457200" rtl="0" eaLnBrk="1" latinLnBrk="0" hangingPunct="1">
+              <a:spcBef>
+                <a:spcPct val="20000"/>
+              </a:spcBef>
+              <a:buFont typeface="Arial"/>
+              <a:buNone/>
+              <a:defRPr sz="2400" kern="1200">
+                <a:solidFill>
+                  <a:schemeClr val="tx1">
+                    <a:tint val="75000"/>
+                  </a:schemeClr>
+                </a:solidFill>
+                <a:latin typeface="+mn-lt"/>
+                <a:ea typeface="+mn-ea"/>
+                <a:cs typeface="+mn-cs"/>
+              </a:defRPr>
+            </a:lvl3pPr>
+            <a:lvl4pPr marL="1371600" indent="0" algn="ctr" defTabSz="457200" rtl="0" eaLnBrk="1" latinLnBrk="0" hangingPunct="1">
+              <a:spcBef>
+                <a:spcPct val="20000"/>
+              </a:spcBef>
+              <a:buFont typeface="Arial"/>
+              <a:buNone/>
+              <a:defRPr sz="2000" kern="1200">
+                <a:solidFill>
+                  <a:schemeClr val="tx1">
+                    <a:tint val="75000"/>
+                  </a:schemeClr>
+                </a:solidFill>
+                <a:latin typeface="+mn-lt"/>
+                <a:ea typeface="+mn-ea"/>
+                <a:cs typeface="+mn-cs"/>
+              </a:defRPr>
+            </a:lvl4pPr>
+            <a:lvl5pPr marL="1828800" indent="0" algn="ctr" defTabSz="457200" rtl="0" eaLnBrk="1" latinLnBrk="0" hangingPunct="1">
+              <a:spcBef>
+                <a:spcPct val="20000"/>
+              </a:spcBef>
+              <a:buFont typeface="Arial"/>
+              <a:buNone/>
+              <a:defRPr sz="2000" kern="1200">
+                <a:solidFill>
+                  <a:schemeClr val="tx1">
+                    <a:tint val="75000"/>
+                  </a:schemeClr>
+                </a:solidFill>
+                <a:latin typeface="+mn-lt"/>
+                <a:ea typeface="+mn-ea"/>
+                <a:cs typeface="+mn-cs"/>
+              </a:defRPr>
+            </a:lvl5pPr>
+            <a:lvl6pPr marL="2286000" indent="0" algn="ctr" defTabSz="457200" rtl="0" eaLnBrk="1" latinLnBrk="0" hangingPunct="1">
+              <a:spcBef>
+                <a:spcPct val="20000"/>
+              </a:spcBef>
+              <a:buFont typeface="Arial"/>
+              <a:buNone/>
+              <a:defRPr sz="2000" kern="1200">
+                <a:solidFill>
+                  <a:schemeClr val="tx1">
+                    <a:tint val="75000"/>
+                  </a:schemeClr>
+                </a:solidFill>
+                <a:latin typeface="+mn-lt"/>
+                <a:ea typeface="+mn-ea"/>
+                <a:cs typeface="+mn-cs"/>
+              </a:defRPr>
+            </a:lvl6pPr>
+            <a:lvl7pPr marL="2743200" indent="0" algn="ctr" defTabSz="457200" rtl="0" eaLnBrk="1" latinLnBrk="0" hangingPunct="1">
+              <a:spcBef>
+                <a:spcPct val="20000"/>
+              </a:spcBef>
+              <a:buFont typeface="Arial"/>
+              <a:buNone/>
+              <a:defRPr sz="2000" kern="1200">
+                <a:solidFill>
+                  <a:schemeClr val="tx1">
+                    <a:tint val="75000"/>
+                  </a:schemeClr>
+                </a:solidFill>
+                <a:latin typeface="+mn-lt"/>
+                <a:ea typeface="+mn-ea"/>
+                <a:cs typeface="+mn-cs"/>
+              </a:defRPr>
+            </a:lvl7pPr>
+            <a:lvl8pPr marL="3200400" indent="0" algn="ctr" defTabSz="457200" rtl="0" eaLnBrk="1" latinLnBrk="0" hangingPunct="1">
+              <a:spcBef>
+                <a:spcPct val="20000"/>
+              </a:spcBef>
+              <a:buFont typeface="Arial"/>
+              <a:buNone/>
+              <a:defRPr sz="2000" kern="1200">
+                <a:solidFill>
+                  <a:schemeClr val="tx1">
+                    <a:tint val="75000"/>
+                  </a:schemeClr>
+                </a:solidFill>
+                <a:latin typeface="+mn-lt"/>
+                <a:ea typeface="+mn-ea"/>
+                <a:cs typeface="+mn-cs"/>
+              </a:defRPr>
+            </a:lvl8pPr>
+            <a:lvl9pPr marL="3657600" indent="0" algn="ctr" defTabSz="457200" rtl="0" eaLnBrk="1" latinLnBrk="0" hangingPunct="1">
+              <a:spcBef>
+                <a:spcPct val="20000"/>
+              </a:spcBef>
+              <a:buFont typeface="Arial"/>
+              <a:buNone/>
+              <a:defRPr sz="2000" kern="1200">
+                <a:solidFill>
+                  <a:schemeClr val="tx1">
+                    <a:tint val="75000"/>
+                  </a:schemeClr>
+                </a:solidFill>
+                <a:latin typeface="+mn-lt"/>
+                <a:ea typeface="+mn-ea"/>
+                <a:cs typeface="+mn-cs"/>
+              </a:defRPr>
+            </a:lvl9pPr>
+          </a:lstStyle>
+          <a:p>
+            <a:endParaRPr lang="en-US" sz="4800" dirty="0">
+              <a:latin typeface="LM Roman 10" panose="00000500000000000000" pitchFamily="50" charset="0"/>
+              <a:cs typeface="Aharoni" panose="02010803020104030203" pitchFamily="2" charset="-79"/>
+            </a:endParaRPr>
+          </a:p>
+          <a:p>
+            <a:r>
+              <a:rPr lang="en-US" sz="4800" dirty="0">
+                <a:solidFill>
+                  <a:schemeClr val="tx2">
+                    <a:lumMod val="75000"/>
+                  </a:schemeClr>
+                </a:solidFill>
+                <a:latin typeface="LM Roman 10" panose="00000500000000000000" pitchFamily="50" charset="0"/>
+                <a:cs typeface="Aharoni" panose="02010803020104030203" pitchFamily="2" charset="-79"/>
+              </a:rPr>
+              <a:t>Thank you!</a:t>
+            </a:r>
+          </a:p>
+          <a:p>
+            <a:endParaRPr lang="en-US" sz="4800" dirty="0">
+              <a:solidFill>
+                <a:schemeClr val="tx2">
+                  <a:lumMod val="75000"/>
+                </a:schemeClr>
+              </a:solidFill>
+              <a:latin typeface="LM Roman 10" panose="00000500000000000000" pitchFamily="50" charset="0"/>
+              <a:cs typeface="Aharoni" panose="02010803020104030203" pitchFamily="2" charset="-79"/>
+            </a:endParaRPr>
+          </a:p>
+          <a:p>
+            <a:r>
+              <a:rPr lang="en-US" sz="4800" dirty="0">
+                <a:solidFill>
+                  <a:schemeClr val="tx2">
+                    <a:lumMod val="75000"/>
+                  </a:schemeClr>
+                </a:solidFill>
+                <a:latin typeface="LM Roman 10" panose="00000500000000000000" pitchFamily="50" charset="0"/>
+                <a:cs typeface="Aharoni" panose="02010803020104030203" pitchFamily="2" charset="-79"/>
+              </a:rPr>
+              <a:t>Questions?</a:t>
             </a:r>
           </a:p>
         </p:txBody>
@@ -10536,7 +9036,7 @@
     </p:spTree>
     <p:extLst>
       <p:ext uri="{BB962C8B-B14F-4D97-AF65-F5344CB8AC3E}">
-        <p14:creationId xmlns:p14="http://schemas.microsoft.com/office/powerpoint/2010/main" val="3056318225"/>
+        <p14:creationId xmlns:p14="http://schemas.microsoft.com/office/powerpoint/2010/main" val="1894719466"/>
       </p:ext>
     </p:extLst>
   </p:cSld>

--- a/bitmasks subsets and permutations/Bitmasks.pptx
+++ b/bitmasks subsets and permutations/Bitmasks.pptx
@@ -155,6 +155,60 @@
 </p:presentation>
 </file>
 
+<file path=ppt/ink/ink1.xml><?xml version="1.0" encoding="utf-8"?>
+<inkml:ink xmlns:inkml="http://www.w3.org/2003/InkML">
+  <inkml:definitions>
+    <inkml:context xml:id="ctx0">
+      <inkml:inkSource xml:id="inkSrc0">
+        <inkml:traceFormat>
+          <inkml:channel name="X" type="integer" min="-2.14748E9" max="2.14748E9" units="cm"/>
+          <inkml:channel name="Y" type="integer" min="-2.14748E9" max="2.14748E9" units="cm"/>
+          <inkml:channel name="F" type="integer" max="32767" units="dev"/>
+        </inkml:traceFormat>
+        <inkml:channelProperties>
+          <inkml:channelProperty channel="X" name="resolution" value="1000" units="1/cm"/>
+          <inkml:channelProperty channel="Y" name="resolution" value="1000" units="1/cm"/>
+          <inkml:channelProperty channel="F" name="resolution" value="0" units="1/dev"/>
+        </inkml:channelProperties>
+      </inkml:inkSource>
+      <inkml:timestamp xml:id="ts0" timeString="2020-09-17T16:38:45.193"/>
+    </inkml:context>
+    <inkml:brush xml:id="br0">
+      <inkml:brushProperty name="width" value="0.05" units="cm"/>
+      <inkml:brushProperty name="height" value="0.05" units="cm"/>
+    </inkml:brush>
+  </inkml:definitions>
+  <inkml:trace contextRef="#ctx0" brushRef="#br0">0 0 13635,'0'0'6108,"0"0"-1208,0 0-487,3 4-1291,-2 0-2816,-1-3-297,1 0 1,-1 0 0,0 0 0,1 0-1,-1 0 1,1 0 0,-1 0 0,1 0 0,0-1-1,-1 1 1,1 0 0,0 0 0,-1-1-1,1 1 1,0 0 0,0-1 0,0 1 0,0-1-1,0 1 1,-1-1 0,1 1 0,0-1-1,0 0 1,0 1 0,0-1 0,0 0-1,0 0 1,2 0 0,-3 1-97,0-1-1,1 0 1,-1 0 0,0 0 0,0 0-1,0 0 1,1 1 0,-1-1-1,0 0 1,0 0 0,0 0 0,0 1-1,1-1 1,-1 0 0,0 0-1,0 0 1,0 1 0,0-1 0,0 0-1,0 0 1,0 1 0,0-1-1,0 0 1,0 0 0,0 1 0,0-1-1,0 0 1,0 0 0,0 1-1,0-1 1,0 0 0,0 0 0,0 1-1,0-1 1,0 0 0,0 0-1,0 1 1,-1-1 0,1 0 0,0 1-1,-4 8-5176,-10 1-5145</inkml:trace>
+</inkml:ink>
+</file>
+
+<file path=ppt/ink/ink2.xml><?xml version="1.0" encoding="utf-8"?>
+<inkml:ink xmlns:inkml="http://www.w3.org/2003/InkML">
+  <inkml:definitions>
+    <inkml:context xml:id="ctx0">
+      <inkml:inkSource xml:id="inkSrc0">
+        <inkml:traceFormat>
+          <inkml:channel name="X" type="integer" min="-2.14748E9" max="2.14748E9" units="cm"/>
+          <inkml:channel name="Y" type="integer" min="-2.14748E9" max="2.14748E9" units="cm"/>
+          <inkml:channel name="F" type="integer" max="32767" units="dev"/>
+        </inkml:traceFormat>
+        <inkml:channelProperties>
+          <inkml:channelProperty channel="X" name="resolution" value="1000" units="1/cm"/>
+          <inkml:channelProperty channel="Y" name="resolution" value="1000" units="1/cm"/>
+          <inkml:channelProperty channel="F" name="resolution" value="0" units="1/dev"/>
+        </inkml:channelProperties>
+      </inkml:inkSource>
+      <inkml:timestamp xml:id="ts0" timeString="2020-09-17T16:38:46.927"/>
+    </inkml:context>
+    <inkml:brush xml:id="br0">
+      <inkml:brushProperty name="width" value="0.05" units="cm"/>
+      <inkml:brushProperty name="height" value="0.05" units="cm"/>
+    </inkml:brush>
+  </inkml:definitions>
+  <inkml:trace contextRef="#ctx0" brushRef="#br0">0 7 15347,'0'0'3752,"0"0"-190,0 0-1259,0 0-560,0 0-407,0 0-281,22-5 2614,-20 3-3914,-2 38-11052,0-17 834</inkml:trace>
+</inkml:ink>
+</file>
+
 <file path=ppt/notesMasters/notesMaster1.xml><?xml version="1.0" encoding="utf-8"?>
 <p:notesMaster xmlns:a="http://schemas.openxmlformats.org/drawingml/2006/main" xmlns:r="http://schemas.openxmlformats.org/officeDocument/2006/relationships" xmlns:p="http://schemas.openxmlformats.org/presentationml/2006/main">
   <p:cSld>
@@ -238,7 +292,7 @@
             <a:fld id="{F4FAB538-628E-104D-8583-83FBDA663EAD}" type="datetimeFigureOut">
               <a:rPr lang="en-US" smtClean="0"/>
               <a:pPr/>
-              <a:t>9/16/2020</a:t>
+              <a:t>9/17/2020</a:t>
             </a:fld>
             <a:endParaRPr lang="en-US" dirty="0"/>
           </a:p>
@@ -1402,7 +1456,7 @@
             <a:fld id="{818F800F-9FA6-FE45-B974-AB17141DF911}" type="datetimeFigureOut">
               <a:rPr lang="en-US" smtClean="0"/>
               <a:pPr/>
-              <a:t>9/16/2020</a:t>
+              <a:t>9/17/2020</a:t>
             </a:fld>
             <a:endParaRPr lang="en-US" dirty="0"/>
           </a:p>
@@ -1799,7 +1853,7 @@
             <a:fld id="{818F800F-9FA6-FE45-B974-AB17141DF911}" type="datetimeFigureOut">
               <a:rPr lang="en-US" smtClean="0"/>
               <a:pPr/>
-              <a:t>9/16/2020</a:t>
+              <a:t>9/17/2020</a:t>
             </a:fld>
             <a:endParaRPr lang="en-US" dirty="0"/>
           </a:p>
@@ -2089,7 +2143,7 @@
             <a:fld id="{818F800F-9FA6-FE45-B974-AB17141DF911}" type="datetimeFigureOut">
               <a:rPr lang="en-US" smtClean="0"/>
               <a:pPr/>
-              <a:t>9/16/2020</a:t>
+              <a:t>9/17/2020</a:t>
             </a:fld>
             <a:endParaRPr lang="en-US" dirty="0"/>
           </a:p>
@@ -2513,7 +2567,7 @@
             <a:fld id="{818F800F-9FA6-FE45-B974-AB17141DF911}" type="datetimeFigureOut">
               <a:rPr lang="en-US" smtClean="0"/>
               <a:pPr/>
-              <a:t>9/16/2020</a:t>
+              <a:t>9/17/2020</a:t>
             </a:fld>
             <a:endParaRPr lang="en-US" dirty="0"/>
           </a:p>
@@ -2633,7 +2687,7 @@
             <a:fld id="{818F800F-9FA6-FE45-B974-AB17141DF911}" type="datetimeFigureOut">
               <a:rPr lang="en-US" smtClean="0"/>
               <a:pPr/>
-              <a:t>9/16/2020</a:t>
+              <a:t>9/17/2020</a:t>
             </a:fld>
             <a:endParaRPr lang="en-US" dirty="0"/>
           </a:p>
@@ -2984,7 +3038,7 @@
             <a:fld id="{818F800F-9FA6-FE45-B974-AB17141DF911}" type="datetimeFigureOut">
               <a:rPr lang="en-US" smtClean="0"/>
               <a:pPr/>
-              <a:t>9/16/2020</a:t>
+              <a:t>9/17/2020</a:t>
             </a:fld>
             <a:endParaRPr lang="en-US" dirty="0"/>
           </a:p>
@@ -4419,8 +4473,8 @@
           </a:prstGeom>
         </p:spPr>
       </p:pic>
-      <mc:AlternateContent xmlns:mc="http://schemas.openxmlformats.org/markup-compatibility/2006">
-        <mc:Choice xmlns:a14="http://schemas.microsoft.com/office/drawing/2010/main" Requires="a14">
+      <mc:AlternateContent xmlns:mc="http://schemas.openxmlformats.org/markup-compatibility/2006" xmlns:a14="http://schemas.microsoft.com/office/drawing/2010/main">
+        <mc:Choice Requires="a14">
           <p:sp>
             <p:nvSpPr>
               <p:cNvPr id="7" name="TextBox 6">
@@ -4505,7 +4559,7 @@
             </p:txBody>
           </p:sp>
         </mc:Choice>
-        <mc:Fallback>
+        <mc:Fallback xmlns="">
           <p:sp>
             <p:nvSpPr>
               <p:cNvPr id="7" name="TextBox 6">
@@ -5194,8 +5248,8 @@
           </a:prstGeom>
         </p:spPr>
       </p:pic>
-      <mc:AlternateContent xmlns:mc="http://schemas.openxmlformats.org/markup-compatibility/2006">
-        <mc:Choice xmlns:a14="http://schemas.microsoft.com/office/drawing/2010/main" Requires="a14">
+      <mc:AlternateContent xmlns:mc="http://schemas.openxmlformats.org/markup-compatibility/2006" xmlns:a14="http://schemas.microsoft.com/office/drawing/2010/main">
+        <mc:Choice Requires="a14">
           <p:sp>
             <p:nvSpPr>
               <p:cNvPr id="8" name="TextBox 7">
@@ -5261,7 +5315,7 @@
             </p:txBody>
           </p:sp>
         </mc:Choice>
-        <mc:Fallback>
+        <mc:Fallback xmlns="">
           <p:sp>
             <p:nvSpPr>
               <p:cNvPr id="8" name="TextBox 7">
@@ -7451,7 +7505,7 @@
               <a:rPr lang="en-GB" sz="1800" b="0" i="0" u="none" strike="noStrike" baseline="0" dirty="0">
                 <a:latin typeface="VbtkdcVklljwMwqvkySrddyfQbjkbhWqqyqvTimes-Roman"/>
               </a:rPr>
-              <a:t>10110 </a:t>
+              <a:t>    10110 </a:t>
             </a:r>
             <a:r>
               <a:rPr lang="en-GB" sz="1800" b="0" i="1" u="none" strike="noStrike" baseline="0" dirty="0">
@@ -7574,7 +7628,7 @@
               <a:rPr lang="en-GB" sz="1800" b="0" i="0" u="none" strike="noStrike" baseline="0" dirty="0">
                 <a:latin typeface="VbtkdcVklljwMwqvkySrddyfQbjkbhWqqyqvTimes-Roman"/>
               </a:rPr>
-              <a:t>10110 </a:t>
+              <a:t>   10110 </a:t>
             </a:r>
             <a:r>
               <a:rPr lang="en-GB" sz="1800" b="0" i="1" u="none" strike="noStrike" baseline="0" dirty="0">
@@ -7855,7 +7909,7 @@
               <a:rPr lang="en-GB" sz="1800" b="0" i="0" u="none" strike="noStrike" baseline="0" dirty="0">
                 <a:latin typeface="VbtkdcVklljwMwqvkySrddyfQbjkbhWqqyqvTimes-Roman"/>
               </a:rPr>
-              <a:t>10110 </a:t>
+              <a:t>   10110 </a:t>
             </a:r>
             <a:r>
               <a:rPr lang="en-GB" sz="1800" b="0" i="1" u="none" strike="noStrike" baseline="0" dirty="0">
@@ -8321,6 +8375,108 @@
           </a:p>
         </p:txBody>
       </p:sp>
+      <mc:AlternateContent xmlns:mc="http://schemas.openxmlformats.org/markup-compatibility/2006" xmlns:p14="http://schemas.microsoft.com/office/powerpoint/2010/main">
+        <mc:Choice Requires="p14">
+          <p:contentPart p14:bwMode="auto" r:id="rId2">
+            <p14:nvContentPartPr>
+              <p14:cNvPr id="63" name="Ink 62">
+                <a:extLst>
+                  <a:ext uri="{FF2B5EF4-FFF2-40B4-BE49-F238E27FC236}">
+                    <a16:creationId xmlns:a16="http://schemas.microsoft.com/office/drawing/2014/main" id="{1701C4ED-65E7-4841-B24C-E14036DFEDC4}"/>
+                  </a:ext>
+                </a:extLst>
+              </p14:cNvPr>
+              <p14:cNvContentPartPr/>
+              <p14:nvPr/>
+            </p14:nvContentPartPr>
+            <p14:xfrm>
+              <a:off x="4589040" y="4114560"/>
+              <a:ext cx="11160" cy="20160"/>
+            </p14:xfrm>
+          </p:contentPart>
+        </mc:Choice>
+        <mc:Fallback xmlns="">
+          <p:pic>
+            <p:nvPicPr>
+              <p:cNvPr id="63" name="Ink 62">
+                <a:extLst>
+                  <a:ext uri="{FF2B5EF4-FFF2-40B4-BE49-F238E27FC236}">
+                    <a16:creationId xmlns:a16="http://schemas.microsoft.com/office/drawing/2014/main" id="{1701C4ED-65E7-4841-B24C-E14036DFEDC4}"/>
+                  </a:ext>
+                </a:extLst>
+              </p:cNvPr>
+              <p:cNvPicPr/>
+              <p:nvPr/>
+            </p:nvPicPr>
+            <p:blipFill>
+              <a:blip r:embed="rId49"/>
+              <a:stretch>
+                <a:fillRect/>
+              </a:stretch>
+            </p:blipFill>
+            <p:spPr>
+              <a:xfrm>
+                <a:off x="4580040" y="4105560"/>
+                <a:ext cx="28800" cy="37800"/>
+              </a:xfrm>
+              <a:prstGeom prst="rect">
+                <a:avLst/>
+              </a:prstGeom>
+            </p:spPr>
+          </p:pic>
+        </mc:Fallback>
+      </mc:AlternateContent>
+      <mc:AlternateContent xmlns:mc="http://schemas.openxmlformats.org/markup-compatibility/2006" xmlns:p14="http://schemas.microsoft.com/office/powerpoint/2010/main">
+        <mc:Choice Requires="p14">
+          <p:contentPart p14:bwMode="auto" r:id="rId50">
+            <p14:nvContentPartPr>
+              <p14:cNvPr id="64" name="Ink 63">
+                <a:extLst>
+                  <a:ext uri="{FF2B5EF4-FFF2-40B4-BE49-F238E27FC236}">
+                    <a16:creationId xmlns:a16="http://schemas.microsoft.com/office/drawing/2014/main" id="{42CA362F-4BC8-4C1C-88B3-512C4382D43B}"/>
+                  </a:ext>
+                </a:extLst>
+              </p14:cNvPr>
+              <p14:cNvContentPartPr/>
+              <p14:nvPr/>
+            </p14:nvContentPartPr>
+            <p14:xfrm>
+              <a:off x="3015480" y="4182240"/>
+              <a:ext cx="9000" cy="20160"/>
+            </p14:xfrm>
+          </p:contentPart>
+        </mc:Choice>
+        <mc:Fallback xmlns="">
+          <p:pic>
+            <p:nvPicPr>
+              <p:cNvPr id="64" name="Ink 63">
+                <a:extLst>
+                  <a:ext uri="{FF2B5EF4-FFF2-40B4-BE49-F238E27FC236}">
+                    <a16:creationId xmlns:a16="http://schemas.microsoft.com/office/drawing/2014/main" id="{42CA362F-4BC8-4C1C-88B3-512C4382D43B}"/>
+                  </a:ext>
+                </a:extLst>
+              </p:cNvPr>
+              <p:cNvPicPr/>
+              <p:nvPr/>
+            </p:nvPicPr>
+            <p:blipFill>
+              <a:blip r:embed="rId51"/>
+              <a:stretch>
+                <a:fillRect/>
+              </a:stretch>
+            </p:blipFill>
+            <p:spPr>
+              <a:xfrm>
+                <a:off x="3006480" y="4173240"/>
+                <a:ext cx="26640" cy="37800"/>
+              </a:xfrm>
+              <a:prstGeom prst="rect">
+                <a:avLst/>
+              </a:prstGeom>
+            </p:spPr>
+          </p:pic>
+        </mc:Fallback>
+      </mc:AlternateContent>
     </p:spTree>
     <p:extLst>
       <p:ext uri="{BB962C8B-B14F-4D97-AF65-F5344CB8AC3E}">
